--- a/Presentations/Presentation4_New_logic_mpdel.pptx
+++ b/Presentations/Presentation4_New_logic_mpdel.pptx
@@ -6,7 +6,7 @@
   </p:sldMasterIdLst>
   <p:sldIdLst>
     <p:sldId id="256" r:id="rId2"/>
-    <p:sldId id="265" r:id="rId3"/>
+    <p:sldId id="269" r:id="rId3"/>
     <p:sldId id="266" r:id="rId4"/>
     <p:sldId id="267" r:id="rId5"/>
     <p:sldId id="264" r:id="rId6"/>
@@ -17052,7 +17052,7 @@
 </file>
 
 <file path=ppt/slides/slide2.xml><?xml version="1.0" encoding="utf-8"?>
-<p:sld xmlns:a="http://schemas.openxmlformats.org/drawingml/2006/main" xmlns:r="http://schemas.openxmlformats.org/officeDocument/2006/relationships" xmlns:p="http://schemas.openxmlformats.org/presentationml/2006/main">
+<p:sld xmlns:a="http://schemas.openxmlformats.org/drawingml/2006/main" xmlns:r="http://schemas.openxmlformats.org/officeDocument/2006/relationships" xmlns:p="http://schemas.openxmlformats.org/presentationml/2006/main" showMasterSp="0">
   <p:cSld>
     <p:spTree>
       <p:nvGrpSpPr>
@@ -17070,74 +17070,3721 @@
       </p:grpSpPr>
       <p:sp>
         <p:nvSpPr>
-          <p:cNvPr id="2" name="Title 1"/>
+          <p:cNvPr id="3074" name="Прямоугольник 47"/>
           <p:cNvSpPr>
-            <a:spLocks noGrp="1"/>
+            <a:spLocks noChangeArrowheads="1"/>
           </p:cNvSpPr>
-          <p:nvPr>
-            <p:ph type="title"/>
-          </p:nvPr>
+          <p:nvPr/>
         </p:nvSpPr>
-        <p:spPr/>
+        <p:spPr bwMode="auto">
+          <a:xfrm>
+            <a:off x="111125" y="625475"/>
+            <a:ext cx="1801813" cy="4586288"/>
+          </a:xfrm>
+          <a:prstGeom prst="roundRect">
+            <a:avLst>
+              <a:gd name="adj" fmla="val 16667"/>
+            </a:avLst>
+          </a:prstGeom>
+          <a:solidFill>
+            <a:srgbClr val="4FBAE8"/>
+          </a:solidFill>
+          <a:ln>
+            <a:noFill/>
+          </a:ln>
+          <a:extLst>
+            <a:ext uri="{91240B29-F687-4F45-9708-019B960494DF}">
+              <a14:hiddenLine xmlns:a14="http://schemas.microsoft.com/office/drawing/2010/main" w="9525">
+                <a:solidFill>
+                  <a:srgbClr val="000000"/>
+                </a:solidFill>
+                <a:round/>
+                <a:headEnd/>
+                <a:tailEnd/>
+              </a14:hiddenLine>
+            </a:ext>
+          </a:extLst>
+        </p:spPr>
+        <p:txBody>
+          <a:bodyPr lIns="1548000" tIns="0" rIns="108000" bIns="0" anchor="ctr"/>
+          <a:lstStyle>
+            <a:lvl1pPr>
+              <a:defRPr>
+                <a:solidFill>
+                  <a:schemeClr val="tx1"/>
+                </a:solidFill>
+                <a:latin typeface="Arial Narrow" panose="020B0606020202030204" pitchFamily="34" charset="0"/>
+                <a:ea typeface="SimSun" panose="02010600030101010101" pitchFamily="2" charset="-122"/>
+              </a:defRPr>
+            </a:lvl1pPr>
+            <a:lvl2pPr marL="742950" indent="-285750">
+              <a:defRPr>
+                <a:solidFill>
+                  <a:schemeClr val="tx1"/>
+                </a:solidFill>
+                <a:latin typeface="Arial Narrow" panose="020B0606020202030204" pitchFamily="34" charset="0"/>
+                <a:ea typeface="SimSun" panose="02010600030101010101" pitchFamily="2" charset="-122"/>
+              </a:defRPr>
+            </a:lvl2pPr>
+            <a:lvl3pPr marL="1143000" indent="-228600">
+              <a:defRPr>
+                <a:solidFill>
+                  <a:schemeClr val="tx1"/>
+                </a:solidFill>
+                <a:latin typeface="Arial Narrow" panose="020B0606020202030204" pitchFamily="34" charset="0"/>
+                <a:ea typeface="SimSun" panose="02010600030101010101" pitchFamily="2" charset="-122"/>
+              </a:defRPr>
+            </a:lvl3pPr>
+            <a:lvl4pPr marL="1600200" indent="-228600">
+              <a:defRPr>
+                <a:solidFill>
+                  <a:schemeClr val="tx1"/>
+                </a:solidFill>
+                <a:latin typeface="Arial Narrow" panose="020B0606020202030204" pitchFamily="34" charset="0"/>
+                <a:ea typeface="SimSun" panose="02010600030101010101" pitchFamily="2" charset="-122"/>
+              </a:defRPr>
+            </a:lvl4pPr>
+            <a:lvl5pPr marL="2057400" indent="-228600">
+              <a:defRPr>
+                <a:solidFill>
+                  <a:schemeClr val="tx1"/>
+                </a:solidFill>
+                <a:latin typeface="Arial Narrow" panose="020B0606020202030204" pitchFamily="34" charset="0"/>
+                <a:ea typeface="SimSun" panose="02010600030101010101" pitchFamily="2" charset="-122"/>
+              </a:defRPr>
+            </a:lvl5pPr>
+            <a:lvl6pPr marL="2514600" indent="-228600" eaLnBrk="0" fontAlgn="base" hangingPunct="0">
+              <a:spcBef>
+                <a:spcPct val="0"/>
+              </a:spcBef>
+              <a:spcAft>
+                <a:spcPct val="0"/>
+              </a:spcAft>
+              <a:buFont typeface="Arial" panose="020B0604020202020204" pitchFamily="34" charset="0"/>
+              <a:defRPr>
+                <a:solidFill>
+                  <a:schemeClr val="tx1"/>
+                </a:solidFill>
+                <a:latin typeface="Arial Narrow" panose="020B0606020202030204" pitchFamily="34" charset="0"/>
+                <a:ea typeface="SimSun" panose="02010600030101010101" pitchFamily="2" charset="-122"/>
+              </a:defRPr>
+            </a:lvl6pPr>
+            <a:lvl7pPr marL="2971800" indent="-228600" eaLnBrk="0" fontAlgn="base" hangingPunct="0">
+              <a:spcBef>
+                <a:spcPct val="0"/>
+              </a:spcBef>
+              <a:spcAft>
+                <a:spcPct val="0"/>
+              </a:spcAft>
+              <a:buFont typeface="Arial" panose="020B0604020202020204" pitchFamily="34" charset="0"/>
+              <a:defRPr>
+                <a:solidFill>
+                  <a:schemeClr val="tx1"/>
+                </a:solidFill>
+                <a:latin typeface="Arial Narrow" panose="020B0606020202030204" pitchFamily="34" charset="0"/>
+                <a:ea typeface="SimSun" panose="02010600030101010101" pitchFamily="2" charset="-122"/>
+              </a:defRPr>
+            </a:lvl7pPr>
+            <a:lvl8pPr marL="3429000" indent="-228600" eaLnBrk="0" fontAlgn="base" hangingPunct="0">
+              <a:spcBef>
+                <a:spcPct val="0"/>
+              </a:spcBef>
+              <a:spcAft>
+                <a:spcPct val="0"/>
+              </a:spcAft>
+              <a:buFont typeface="Arial" panose="020B0604020202020204" pitchFamily="34" charset="0"/>
+              <a:defRPr>
+                <a:solidFill>
+                  <a:schemeClr val="tx1"/>
+                </a:solidFill>
+                <a:latin typeface="Arial Narrow" panose="020B0606020202030204" pitchFamily="34" charset="0"/>
+                <a:ea typeface="SimSun" panose="02010600030101010101" pitchFamily="2" charset="-122"/>
+              </a:defRPr>
+            </a:lvl8pPr>
+            <a:lvl9pPr marL="3886200" indent="-228600" eaLnBrk="0" fontAlgn="base" hangingPunct="0">
+              <a:spcBef>
+                <a:spcPct val="0"/>
+              </a:spcBef>
+              <a:spcAft>
+                <a:spcPct val="0"/>
+              </a:spcAft>
+              <a:buFont typeface="Arial" panose="020B0604020202020204" pitchFamily="34" charset="0"/>
+              <a:defRPr>
+                <a:solidFill>
+                  <a:schemeClr val="tx1"/>
+                </a:solidFill>
+                <a:latin typeface="Arial Narrow" panose="020B0606020202030204" pitchFamily="34" charset="0"/>
+                <a:ea typeface="SimSun" panose="02010600030101010101" pitchFamily="2" charset="-122"/>
+              </a:defRPr>
+            </a:lvl9pPr>
+          </a:lstStyle>
+          <a:p>
+            <a:pPr algn="r" eaLnBrk="1" hangingPunct="1">
+              <a:lnSpc>
+                <a:spcPct val="130000"/>
+              </a:lnSpc>
+            </a:pPr>
+            <a:endParaRPr lang="en-US" altLang="fr-FR" sz="1600">
+              <a:solidFill>
+                <a:schemeClr val="bg1"/>
+              </a:solidFill>
+              <a:latin typeface="幼圆" pitchFamily="1" charset="-122"/>
+              <a:ea typeface="幼圆" pitchFamily="1" charset="-122"/>
+            </a:endParaRPr>
+          </a:p>
+        </p:txBody>
+      </p:sp>
+      <p:sp>
+        <p:nvSpPr>
+          <p:cNvPr id="3075" name="Прямоугольник 47"/>
+          <p:cNvSpPr>
+            <a:spLocks noChangeArrowheads="1"/>
+          </p:cNvSpPr>
+          <p:nvPr/>
+        </p:nvSpPr>
+        <p:spPr bwMode="auto">
+          <a:xfrm>
+            <a:off x="5988050" y="717550"/>
+            <a:ext cx="3062288" cy="4533900"/>
+          </a:xfrm>
+          <a:prstGeom prst="roundRect">
+            <a:avLst>
+              <a:gd name="adj" fmla="val 16667"/>
+            </a:avLst>
+          </a:prstGeom>
+          <a:solidFill>
+            <a:srgbClr val="F79479"/>
+          </a:solidFill>
+          <a:ln>
+            <a:noFill/>
+          </a:ln>
+          <a:extLst>
+            <a:ext uri="{91240B29-F687-4F45-9708-019B960494DF}">
+              <a14:hiddenLine xmlns:a14="http://schemas.microsoft.com/office/drawing/2010/main" w="9525">
+                <a:solidFill>
+                  <a:srgbClr val="000000"/>
+                </a:solidFill>
+                <a:round/>
+                <a:headEnd/>
+                <a:tailEnd/>
+              </a14:hiddenLine>
+            </a:ext>
+          </a:extLst>
+        </p:spPr>
+        <p:txBody>
+          <a:bodyPr lIns="1548000" tIns="0" rIns="108000" bIns="0" anchor="ctr"/>
+          <a:lstStyle>
+            <a:lvl1pPr>
+              <a:defRPr>
+                <a:solidFill>
+                  <a:schemeClr val="tx1"/>
+                </a:solidFill>
+                <a:latin typeface="Arial Narrow" panose="020B0606020202030204" pitchFamily="34" charset="0"/>
+                <a:ea typeface="SimSun" panose="02010600030101010101" pitchFamily="2" charset="-122"/>
+              </a:defRPr>
+            </a:lvl1pPr>
+            <a:lvl2pPr marL="742950" indent="-285750">
+              <a:defRPr>
+                <a:solidFill>
+                  <a:schemeClr val="tx1"/>
+                </a:solidFill>
+                <a:latin typeface="Arial Narrow" panose="020B0606020202030204" pitchFamily="34" charset="0"/>
+                <a:ea typeface="SimSun" panose="02010600030101010101" pitchFamily="2" charset="-122"/>
+              </a:defRPr>
+            </a:lvl2pPr>
+            <a:lvl3pPr marL="1143000" indent="-228600">
+              <a:defRPr>
+                <a:solidFill>
+                  <a:schemeClr val="tx1"/>
+                </a:solidFill>
+                <a:latin typeface="Arial Narrow" panose="020B0606020202030204" pitchFamily="34" charset="0"/>
+                <a:ea typeface="SimSun" panose="02010600030101010101" pitchFamily="2" charset="-122"/>
+              </a:defRPr>
+            </a:lvl3pPr>
+            <a:lvl4pPr marL="1600200" indent="-228600">
+              <a:defRPr>
+                <a:solidFill>
+                  <a:schemeClr val="tx1"/>
+                </a:solidFill>
+                <a:latin typeface="Arial Narrow" panose="020B0606020202030204" pitchFamily="34" charset="0"/>
+                <a:ea typeface="SimSun" panose="02010600030101010101" pitchFamily="2" charset="-122"/>
+              </a:defRPr>
+            </a:lvl4pPr>
+            <a:lvl5pPr marL="2057400" indent="-228600">
+              <a:defRPr>
+                <a:solidFill>
+                  <a:schemeClr val="tx1"/>
+                </a:solidFill>
+                <a:latin typeface="Arial Narrow" panose="020B0606020202030204" pitchFamily="34" charset="0"/>
+                <a:ea typeface="SimSun" panose="02010600030101010101" pitchFamily="2" charset="-122"/>
+              </a:defRPr>
+            </a:lvl5pPr>
+            <a:lvl6pPr marL="2514600" indent="-228600" eaLnBrk="0" fontAlgn="base" hangingPunct="0">
+              <a:spcBef>
+                <a:spcPct val="0"/>
+              </a:spcBef>
+              <a:spcAft>
+                <a:spcPct val="0"/>
+              </a:spcAft>
+              <a:buFont typeface="Arial" panose="020B0604020202020204" pitchFamily="34" charset="0"/>
+              <a:defRPr>
+                <a:solidFill>
+                  <a:schemeClr val="tx1"/>
+                </a:solidFill>
+                <a:latin typeface="Arial Narrow" panose="020B0606020202030204" pitchFamily="34" charset="0"/>
+                <a:ea typeface="SimSun" panose="02010600030101010101" pitchFamily="2" charset="-122"/>
+              </a:defRPr>
+            </a:lvl6pPr>
+            <a:lvl7pPr marL="2971800" indent="-228600" eaLnBrk="0" fontAlgn="base" hangingPunct="0">
+              <a:spcBef>
+                <a:spcPct val="0"/>
+              </a:spcBef>
+              <a:spcAft>
+                <a:spcPct val="0"/>
+              </a:spcAft>
+              <a:buFont typeface="Arial" panose="020B0604020202020204" pitchFamily="34" charset="0"/>
+              <a:defRPr>
+                <a:solidFill>
+                  <a:schemeClr val="tx1"/>
+                </a:solidFill>
+                <a:latin typeface="Arial Narrow" panose="020B0606020202030204" pitchFamily="34" charset="0"/>
+                <a:ea typeface="SimSun" panose="02010600030101010101" pitchFamily="2" charset="-122"/>
+              </a:defRPr>
+            </a:lvl7pPr>
+            <a:lvl8pPr marL="3429000" indent="-228600" eaLnBrk="0" fontAlgn="base" hangingPunct="0">
+              <a:spcBef>
+                <a:spcPct val="0"/>
+              </a:spcBef>
+              <a:spcAft>
+                <a:spcPct val="0"/>
+              </a:spcAft>
+              <a:buFont typeface="Arial" panose="020B0604020202020204" pitchFamily="34" charset="0"/>
+              <a:defRPr>
+                <a:solidFill>
+                  <a:schemeClr val="tx1"/>
+                </a:solidFill>
+                <a:latin typeface="Arial Narrow" panose="020B0606020202030204" pitchFamily="34" charset="0"/>
+                <a:ea typeface="SimSun" panose="02010600030101010101" pitchFamily="2" charset="-122"/>
+              </a:defRPr>
+            </a:lvl8pPr>
+            <a:lvl9pPr marL="3886200" indent="-228600" eaLnBrk="0" fontAlgn="base" hangingPunct="0">
+              <a:spcBef>
+                <a:spcPct val="0"/>
+              </a:spcBef>
+              <a:spcAft>
+                <a:spcPct val="0"/>
+              </a:spcAft>
+              <a:buFont typeface="Arial" panose="020B0604020202020204" pitchFamily="34" charset="0"/>
+              <a:defRPr>
+                <a:solidFill>
+                  <a:schemeClr val="tx1"/>
+                </a:solidFill>
+                <a:latin typeface="Arial Narrow" panose="020B0606020202030204" pitchFamily="34" charset="0"/>
+                <a:ea typeface="SimSun" panose="02010600030101010101" pitchFamily="2" charset="-122"/>
+              </a:defRPr>
+            </a:lvl9pPr>
+          </a:lstStyle>
+          <a:p>
+            <a:pPr algn="r" eaLnBrk="1" hangingPunct="1">
+              <a:lnSpc>
+                <a:spcPct val="130000"/>
+              </a:lnSpc>
+            </a:pPr>
+            <a:endParaRPr lang="en-US" altLang="fr-FR" sz="1600">
+              <a:solidFill>
+                <a:schemeClr val="bg1"/>
+              </a:solidFill>
+              <a:latin typeface="幼圆" pitchFamily="1" charset="-122"/>
+              <a:ea typeface="幼圆" pitchFamily="1" charset="-122"/>
+            </a:endParaRPr>
+          </a:p>
+        </p:txBody>
+      </p:sp>
+      <p:sp>
+        <p:nvSpPr>
+          <p:cNvPr id="3076" name="Прямоугольник 47"/>
+          <p:cNvSpPr>
+            <a:spLocks noChangeArrowheads="1"/>
+          </p:cNvSpPr>
+          <p:nvPr/>
+        </p:nvSpPr>
+        <p:spPr bwMode="auto">
+          <a:xfrm>
+            <a:off x="2011363" y="600075"/>
+            <a:ext cx="3695700" cy="4648200"/>
+          </a:xfrm>
+          <a:prstGeom prst="roundRect">
+            <a:avLst>
+              <a:gd name="adj" fmla="val 16667"/>
+            </a:avLst>
+          </a:prstGeom>
+          <a:solidFill>
+            <a:srgbClr val="92D050"/>
+          </a:solidFill>
+          <a:ln>
+            <a:noFill/>
+          </a:ln>
+          <a:extLst>
+            <a:ext uri="{91240B29-F687-4F45-9708-019B960494DF}">
+              <a14:hiddenLine xmlns:a14="http://schemas.microsoft.com/office/drawing/2010/main" w="9525">
+                <a:solidFill>
+                  <a:srgbClr val="000000"/>
+                </a:solidFill>
+                <a:round/>
+                <a:headEnd/>
+                <a:tailEnd/>
+              </a14:hiddenLine>
+            </a:ext>
+          </a:extLst>
+        </p:spPr>
+        <p:txBody>
+          <a:bodyPr lIns="1548000" tIns="0" rIns="108000" bIns="0" anchor="ctr"/>
+          <a:lstStyle>
+            <a:lvl1pPr>
+              <a:defRPr>
+                <a:solidFill>
+                  <a:schemeClr val="tx1"/>
+                </a:solidFill>
+                <a:latin typeface="Arial Narrow" panose="020B0606020202030204" pitchFamily="34" charset="0"/>
+                <a:ea typeface="SimSun" panose="02010600030101010101" pitchFamily="2" charset="-122"/>
+              </a:defRPr>
+            </a:lvl1pPr>
+            <a:lvl2pPr marL="742950" indent="-285750">
+              <a:defRPr>
+                <a:solidFill>
+                  <a:schemeClr val="tx1"/>
+                </a:solidFill>
+                <a:latin typeface="Arial Narrow" panose="020B0606020202030204" pitchFamily="34" charset="0"/>
+                <a:ea typeface="SimSun" panose="02010600030101010101" pitchFamily="2" charset="-122"/>
+              </a:defRPr>
+            </a:lvl2pPr>
+            <a:lvl3pPr marL="1143000" indent="-228600">
+              <a:defRPr>
+                <a:solidFill>
+                  <a:schemeClr val="tx1"/>
+                </a:solidFill>
+                <a:latin typeface="Arial Narrow" panose="020B0606020202030204" pitchFamily="34" charset="0"/>
+                <a:ea typeface="SimSun" panose="02010600030101010101" pitchFamily="2" charset="-122"/>
+              </a:defRPr>
+            </a:lvl3pPr>
+            <a:lvl4pPr marL="1600200" indent="-228600">
+              <a:defRPr>
+                <a:solidFill>
+                  <a:schemeClr val="tx1"/>
+                </a:solidFill>
+                <a:latin typeface="Arial Narrow" panose="020B0606020202030204" pitchFamily="34" charset="0"/>
+                <a:ea typeface="SimSun" panose="02010600030101010101" pitchFamily="2" charset="-122"/>
+              </a:defRPr>
+            </a:lvl4pPr>
+            <a:lvl5pPr marL="2057400" indent="-228600">
+              <a:defRPr>
+                <a:solidFill>
+                  <a:schemeClr val="tx1"/>
+                </a:solidFill>
+                <a:latin typeface="Arial Narrow" panose="020B0606020202030204" pitchFamily="34" charset="0"/>
+                <a:ea typeface="SimSun" panose="02010600030101010101" pitchFamily="2" charset="-122"/>
+              </a:defRPr>
+            </a:lvl5pPr>
+            <a:lvl6pPr marL="2514600" indent="-228600" eaLnBrk="0" fontAlgn="base" hangingPunct="0">
+              <a:spcBef>
+                <a:spcPct val="0"/>
+              </a:spcBef>
+              <a:spcAft>
+                <a:spcPct val="0"/>
+              </a:spcAft>
+              <a:buFont typeface="Arial" panose="020B0604020202020204" pitchFamily="34" charset="0"/>
+              <a:defRPr>
+                <a:solidFill>
+                  <a:schemeClr val="tx1"/>
+                </a:solidFill>
+                <a:latin typeface="Arial Narrow" panose="020B0606020202030204" pitchFamily="34" charset="0"/>
+                <a:ea typeface="SimSun" panose="02010600030101010101" pitchFamily="2" charset="-122"/>
+              </a:defRPr>
+            </a:lvl6pPr>
+            <a:lvl7pPr marL="2971800" indent="-228600" eaLnBrk="0" fontAlgn="base" hangingPunct="0">
+              <a:spcBef>
+                <a:spcPct val="0"/>
+              </a:spcBef>
+              <a:spcAft>
+                <a:spcPct val="0"/>
+              </a:spcAft>
+              <a:buFont typeface="Arial" panose="020B0604020202020204" pitchFamily="34" charset="0"/>
+              <a:defRPr>
+                <a:solidFill>
+                  <a:schemeClr val="tx1"/>
+                </a:solidFill>
+                <a:latin typeface="Arial Narrow" panose="020B0606020202030204" pitchFamily="34" charset="0"/>
+                <a:ea typeface="SimSun" panose="02010600030101010101" pitchFamily="2" charset="-122"/>
+              </a:defRPr>
+            </a:lvl7pPr>
+            <a:lvl8pPr marL="3429000" indent="-228600" eaLnBrk="0" fontAlgn="base" hangingPunct="0">
+              <a:spcBef>
+                <a:spcPct val="0"/>
+              </a:spcBef>
+              <a:spcAft>
+                <a:spcPct val="0"/>
+              </a:spcAft>
+              <a:buFont typeface="Arial" panose="020B0604020202020204" pitchFamily="34" charset="0"/>
+              <a:defRPr>
+                <a:solidFill>
+                  <a:schemeClr val="tx1"/>
+                </a:solidFill>
+                <a:latin typeface="Arial Narrow" panose="020B0606020202030204" pitchFamily="34" charset="0"/>
+                <a:ea typeface="SimSun" panose="02010600030101010101" pitchFamily="2" charset="-122"/>
+              </a:defRPr>
+            </a:lvl8pPr>
+            <a:lvl9pPr marL="3886200" indent="-228600" eaLnBrk="0" fontAlgn="base" hangingPunct="0">
+              <a:spcBef>
+                <a:spcPct val="0"/>
+              </a:spcBef>
+              <a:spcAft>
+                <a:spcPct val="0"/>
+              </a:spcAft>
+              <a:buFont typeface="Arial" panose="020B0604020202020204" pitchFamily="34" charset="0"/>
+              <a:defRPr>
+                <a:solidFill>
+                  <a:schemeClr val="tx1"/>
+                </a:solidFill>
+                <a:latin typeface="Arial Narrow" panose="020B0606020202030204" pitchFamily="34" charset="0"/>
+                <a:ea typeface="SimSun" panose="02010600030101010101" pitchFamily="2" charset="-122"/>
+              </a:defRPr>
+            </a:lvl9pPr>
+          </a:lstStyle>
+          <a:p>
+            <a:pPr algn="r" eaLnBrk="1" hangingPunct="1">
+              <a:lnSpc>
+                <a:spcPct val="130000"/>
+              </a:lnSpc>
+            </a:pPr>
+            <a:endParaRPr lang="en-US" altLang="fr-FR" sz="1600">
+              <a:solidFill>
+                <a:schemeClr val="bg1"/>
+              </a:solidFill>
+              <a:latin typeface="幼圆" pitchFamily="1" charset="-122"/>
+              <a:ea typeface="幼圆" pitchFamily="1" charset="-122"/>
+            </a:endParaRPr>
+          </a:p>
+        </p:txBody>
+      </p:sp>
+      <p:sp>
+        <p:nvSpPr>
+          <p:cNvPr id="3077" name="Прямоугольник 47"/>
+          <p:cNvSpPr>
+            <a:spLocks noChangeArrowheads="1"/>
+          </p:cNvSpPr>
+          <p:nvPr/>
+        </p:nvSpPr>
+        <p:spPr bwMode="auto">
+          <a:xfrm>
+            <a:off x="161925" y="5454650"/>
+            <a:ext cx="5548313" cy="1370013"/>
+          </a:xfrm>
+          <a:prstGeom prst="roundRect">
+            <a:avLst>
+              <a:gd name="adj" fmla="val 16667"/>
+            </a:avLst>
+          </a:prstGeom>
+          <a:solidFill>
+            <a:srgbClr val="FFD44B"/>
+          </a:solidFill>
+          <a:ln>
+            <a:noFill/>
+          </a:ln>
+          <a:extLst>
+            <a:ext uri="{91240B29-F687-4F45-9708-019B960494DF}">
+              <a14:hiddenLine xmlns:a14="http://schemas.microsoft.com/office/drawing/2010/main" w="9525">
+                <a:solidFill>
+                  <a:srgbClr val="000000"/>
+                </a:solidFill>
+                <a:round/>
+                <a:headEnd/>
+                <a:tailEnd/>
+              </a14:hiddenLine>
+            </a:ext>
+          </a:extLst>
+        </p:spPr>
+        <p:txBody>
+          <a:bodyPr lIns="1548000" tIns="0" rIns="108000" bIns="0" anchor="ctr"/>
+          <a:lstStyle>
+            <a:lvl1pPr>
+              <a:defRPr>
+                <a:solidFill>
+                  <a:schemeClr val="tx1"/>
+                </a:solidFill>
+                <a:latin typeface="Arial Narrow" panose="020B0606020202030204" pitchFamily="34" charset="0"/>
+                <a:ea typeface="SimSun" panose="02010600030101010101" pitchFamily="2" charset="-122"/>
+              </a:defRPr>
+            </a:lvl1pPr>
+            <a:lvl2pPr marL="742950" indent="-285750">
+              <a:defRPr>
+                <a:solidFill>
+                  <a:schemeClr val="tx1"/>
+                </a:solidFill>
+                <a:latin typeface="Arial Narrow" panose="020B0606020202030204" pitchFamily="34" charset="0"/>
+                <a:ea typeface="SimSun" panose="02010600030101010101" pitchFamily="2" charset="-122"/>
+              </a:defRPr>
+            </a:lvl2pPr>
+            <a:lvl3pPr marL="1143000" indent="-228600">
+              <a:defRPr>
+                <a:solidFill>
+                  <a:schemeClr val="tx1"/>
+                </a:solidFill>
+                <a:latin typeface="Arial Narrow" panose="020B0606020202030204" pitchFamily="34" charset="0"/>
+                <a:ea typeface="SimSun" panose="02010600030101010101" pitchFamily="2" charset="-122"/>
+              </a:defRPr>
+            </a:lvl3pPr>
+            <a:lvl4pPr marL="1600200" indent="-228600">
+              <a:defRPr>
+                <a:solidFill>
+                  <a:schemeClr val="tx1"/>
+                </a:solidFill>
+                <a:latin typeface="Arial Narrow" panose="020B0606020202030204" pitchFamily="34" charset="0"/>
+                <a:ea typeface="SimSun" panose="02010600030101010101" pitchFamily="2" charset="-122"/>
+              </a:defRPr>
+            </a:lvl4pPr>
+            <a:lvl5pPr marL="2057400" indent="-228600">
+              <a:defRPr>
+                <a:solidFill>
+                  <a:schemeClr val="tx1"/>
+                </a:solidFill>
+                <a:latin typeface="Arial Narrow" panose="020B0606020202030204" pitchFamily="34" charset="0"/>
+                <a:ea typeface="SimSun" panose="02010600030101010101" pitchFamily="2" charset="-122"/>
+              </a:defRPr>
+            </a:lvl5pPr>
+            <a:lvl6pPr marL="2514600" indent="-228600" eaLnBrk="0" fontAlgn="base" hangingPunct="0">
+              <a:spcBef>
+                <a:spcPct val="0"/>
+              </a:spcBef>
+              <a:spcAft>
+                <a:spcPct val="0"/>
+              </a:spcAft>
+              <a:buFont typeface="Arial" panose="020B0604020202020204" pitchFamily="34" charset="0"/>
+              <a:defRPr>
+                <a:solidFill>
+                  <a:schemeClr val="tx1"/>
+                </a:solidFill>
+                <a:latin typeface="Arial Narrow" panose="020B0606020202030204" pitchFamily="34" charset="0"/>
+                <a:ea typeface="SimSun" panose="02010600030101010101" pitchFamily="2" charset="-122"/>
+              </a:defRPr>
+            </a:lvl6pPr>
+            <a:lvl7pPr marL="2971800" indent="-228600" eaLnBrk="0" fontAlgn="base" hangingPunct="0">
+              <a:spcBef>
+                <a:spcPct val="0"/>
+              </a:spcBef>
+              <a:spcAft>
+                <a:spcPct val="0"/>
+              </a:spcAft>
+              <a:buFont typeface="Arial" panose="020B0604020202020204" pitchFamily="34" charset="0"/>
+              <a:defRPr>
+                <a:solidFill>
+                  <a:schemeClr val="tx1"/>
+                </a:solidFill>
+                <a:latin typeface="Arial Narrow" panose="020B0606020202030204" pitchFamily="34" charset="0"/>
+                <a:ea typeface="SimSun" panose="02010600030101010101" pitchFamily="2" charset="-122"/>
+              </a:defRPr>
+            </a:lvl7pPr>
+            <a:lvl8pPr marL="3429000" indent="-228600" eaLnBrk="0" fontAlgn="base" hangingPunct="0">
+              <a:spcBef>
+                <a:spcPct val="0"/>
+              </a:spcBef>
+              <a:spcAft>
+                <a:spcPct val="0"/>
+              </a:spcAft>
+              <a:buFont typeface="Arial" panose="020B0604020202020204" pitchFamily="34" charset="0"/>
+              <a:defRPr>
+                <a:solidFill>
+                  <a:schemeClr val="tx1"/>
+                </a:solidFill>
+                <a:latin typeface="Arial Narrow" panose="020B0606020202030204" pitchFamily="34" charset="0"/>
+                <a:ea typeface="SimSun" panose="02010600030101010101" pitchFamily="2" charset="-122"/>
+              </a:defRPr>
+            </a:lvl8pPr>
+            <a:lvl9pPr marL="3886200" indent="-228600" eaLnBrk="0" fontAlgn="base" hangingPunct="0">
+              <a:spcBef>
+                <a:spcPct val="0"/>
+              </a:spcBef>
+              <a:spcAft>
+                <a:spcPct val="0"/>
+              </a:spcAft>
+              <a:buFont typeface="Arial" panose="020B0604020202020204" pitchFamily="34" charset="0"/>
+              <a:defRPr>
+                <a:solidFill>
+                  <a:schemeClr val="tx1"/>
+                </a:solidFill>
+                <a:latin typeface="Arial Narrow" panose="020B0606020202030204" pitchFamily="34" charset="0"/>
+                <a:ea typeface="SimSun" panose="02010600030101010101" pitchFamily="2" charset="-122"/>
+              </a:defRPr>
+            </a:lvl9pPr>
+          </a:lstStyle>
+          <a:p>
+            <a:pPr algn="r" eaLnBrk="1" hangingPunct="1">
+              <a:lnSpc>
+                <a:spcPct val="130000"/>
+              </a:lnSpc>
+            </a:pPr>
+            <a:endParaRPr lang="en-US" altLang="fr-FR" sz="1600">
+              <a:solidFill>
+                <a:schemeClr val="bg1"/>
+              </a:solidFill>
+              <a:latin typeface="幼圆" pitchFamily="1" charset="-122"/>
+              <a:ea typeface="幼圆" pitchFamily="1" charset="-122"/>
+            </a:endParaRPr>
+          </a:p>
+        </p:txBody>
+      </p:sp>
+      <p:sp>
+        <p:nvSpPr>
+          <p:cNvPr id="3078" name="AutoShape 6"/>
+          <p:cNvSpPr>
+            <a:spLocks noChangeArrowheads="1"/>
+          </p:cNvSpPr>
+          <p:nvPr/>
+        </p:nvSpPr>
+        <p:spPr bwMode="auto">
+          <a:xfrm>
+            <a:off x="168275" y="1728788"/>
+            <a:ext cx="1527175" cy="3468687"/>
+          </a:xfrm>
+          <a:prstGeom prst="roundRect">
+            <a:avLst>
+              <a:gd name="adj" fmla="val 16667"/>
+            </a:avLst>
+          </a:prstGeom>
+          <a:noFill/>
+          <a:ln>
+            <a:noFill/>
+          </a:ln>
+          <a:extLst>
+            <a:ext uri="{909E8E84-426E-40DD-AFC4-6F175D3DCCD1}">
+              <a14:hiddenFill xmlns:a14="http://schemas.microsoft.com/office/drawing/2010/main">
+                <a:solidFill>
+                  <a:srgbClr val="FFFFFF"/>
+                </a:solidFill>
+              </a14:hiddenFill>
+            </a:ext>
+            <a:ext uri="{91240B29-F687-4F45-9708-019B960494DF}">
+              <a14:hiddenLine xmlns:a14="http://schemas.microsoft.com/office/drawing/2010/main" w="9525">
+                <a:solidFill>
+                  <a:schemeClr val="bg1"/>
+                </a:solidFill>
+                <a:round/>
+                <a:headEnd/>
+                <a:tailEnd/>
+              </a14:hiddenLine>
+            </a:ext>
+          </a:extLst>
+        </p:spPr>
+        <p:txBody>
+          <a:bodyPr>
+            <a:spAutoFit/>
+          </a:bodyPr>
+          <a:lstStyle/>
+          <a:p>
+            <a:r>
+              <a:rPr lang="en-US" altLang="fr-FR" sz="1600" b="1" dirty="0">
+                <a:solidFill>
+                  <a:schemeClr val="bg1"/>
+                </a:solidFill>
+                <a:latin typeface="Calibri" panose="020F0502020204030204" pitchFamily="34" charset="0"/>
+                <a:ea typeface="幼圆" pitchFamily="1" charset="-122"/>
+              </a:rPr>
+              <a:t>Resources:</a:t>
+            </a:r>
+          </a:p>
+          <a:p>
+            <a:r>
+              <a:rPr lang="es-ES" altLang="en-US" sz="1000" dirty="0">
+                <a:solidFill>
+                  <a:schemeClr val="bg1"/>
+                </a:solidFill>
+                <a:latin typeface="Calibri" panose="020F0502020204030204" pitchFamily="34" charset="0"/>
+                <a:ea typeface="幼圆" pitchFamily="1" charset="-122"/>
+              </a:rPr>
+              <a:t>A</a:t>
+            </a:r>
+            <a:r>
+              <a:rPr lang="en-US" altLang="fr-FR" sz="1000" dirty="0" err="1">
+                <a:solidFill>
+                  <a:schemeClr val="bg1"/>
+                </a:solidFill>
+                <a:latin typeface="Calibri" panose="020F0502020204030204" pitchFamily="34" charset="0"/>
+                <a:ea typeface="幼圆" pitchFamily="1" charset="-122"/>
+              </a:rPr>
+              <a:t>rtic</a:t>
+            </a:r>
+            <a:r>
+              <a:rPr lang="es-ES" altLang="en-US" sz="1000" dirty="0">
+                <a:solidFill>
+                  <a:schemeClr val="bg1"/>
+                </a:solidFill>
+                <a:latin typeface="Calibri" panose="020F0502020204030204" pitchFamily="34" charset="0"/>
+                <a:ea typeface="幼圆" pitchFamily="1" charset="-122"/>
+              </a:rPr>
+              <a:t>l</a:t>
+            </a:r>
+            <a:r>
+              <a:rPr lang="en-US" altLang="fr-FR" sz="1000" dirty="0" err="1">
+                <a:solidFill>
+                  <a:schemeClr val="bg1"/>
+                </a:solidFill>
+                <a:latin typeface="Calibri" panose="020F0502020204030204" pitchFamily="34" charset="0"/>
+                <a:ea typeface="幼圆" pitchFamily="1" charset="-122"/>
+              </a:rPr>
+              <a:t>es</a:t>
+            </a:r>
+            <a:r>
+              <a:rPr lang="es-ES" altLang="en-US" sz="1000" dirty="0">
+                <a:solidFill>
+                  <a:schemeClr val="bg1"/>
+                </a:solidFill>
+                <a:latin typeface="Calibri" panose="020F0502020204030204" pitchFamily="34" charset="0"/>
+                <a:ea typeface="幼圆" pitchFamily="1" charset="-122"/>
+              </a:rPr>
+              <a:t>, J</a:t>
+            </a:r>
+            <a:r>
+              <a:rPr lang="en-US" altLang="fr-FR" sz="1000" dirty="0" err="1">
+                <a:solidFill>
+                  <a:schemeClr val="bg1"/>
+                </a:solidFill>
+                <a:latin typeface="Calibri" panose="020F0502020204030204" pitchFamily="34" charset="0"/>
+                <a:ea typeface="幼圆" pitchFamily="1" charset="-122"/>
+              </a:rPr>
+              <a:t>ournals</a:t>
+            </a:r>
+            <a:r>
+              <a:rPr lang="en-US" altLang="fr-FR" sz="1000" dirty="0">
+                <a:solidFill>
+                  <a:schemeClr val="bg1"/>
+                </a:solidFill>
+                <a:latin typeface="Calibri" panose="020F0502020204030204" pitchFamily="34" charset="0"/>
+                <a:ea typeface="幼圆" pitchFamily="1" charset="-122"/>
+              </a:rPr>
+              <a:t> </a:t>
+            </a:r>
+          </a:p>
+          <a:p>
+            <a:r>
+              <a:rPr lang="es-ES" altLang="en-US" sz="1000" dirty="0">
+                <a:solidFill>
+                  <a:schemeClr val="bg1"/>
+                </a:solidFill>
+                <a:latin typeface="Calibri" panose="020F0502020204030204" pitchFamily="34" charset="0"/>
+                <a:ea typeface="幼圆" pitchFamily="1" charset="-122"/>
+              </a:rPr>
+              <a:t>B</a:t>
+            </a:r>
+            <a:r>
+              <a:rPr lang="en-US" altLang="fr-FR" sz="1000" dirty="0" err="1">
+                <a:solidFill>
+                  <a:schemeClr val="bg1"/>
+                </a:solidFill>
+                <a:latin typeface="Calibri" panose="020F0502020204030204" pitchFamily="34" charset="0"/>
+                <a:ea typeface="幼圆" pitchFamily="1" charset="-122"/>
+              </a:rPr>
+              <a:t>ooks</a:t>
+            </a:r>
+            <a:r>
+              <a:rPr lang="en-US" altLang="fr-FR" sz="1000" dirty="0">
+                <a:solidFill>
+                  <a:schemeClr val="bg1"/>
+                </a:solidFill>
+                <a:latin typeface="Calibri" panose="020F0502020204030204" pitchFamily="34" charset="0"/>
+                <a:ea typeface="幼圆" pitchFamily="1" charset="-122"/>
+              </a:rPr>
+              <a:t> </a:t>
+            </a:r>
+          </a:p>
+          <a:p>
+            <a:r>
+              <a:rPr lang="es-ES" altLang="en-US" sz="1000" dirty="0">
+                <a:solidFill>
+                  <a:schemeClr val="bg1"/>
+                </a:solidFill>
+                <a:latin typeface="Calibri" panose="020F0502020204030204" pitchFamily="34" charset="0"/>
+                <a:ea typeface="幼圆" pitchFamily="1" charset="-122"/>
+              </a:rPr>
+              <a:t>L</a:t>
+            </a:r>
+            <a:r>
+              <a:rPr lang="en-US" altLang="fr-FR" sz="1000" dirty="0" err="1">
+                <a:solidFill>
+                  <a:schemeClr val="bg1"/>
+                </a:solidFill>
+                <a:latin typeface="Calibri" panose="020F0502020204030204" pitchFamily="34" charset="0"/>
+                <a:ea typeface="幼圆" pitchFamily="1" charset="-122"/>
+              </a:rPr>
+              <a:t>ectures</a:t>
+            </a:r>
+            <a:r>
+              <a:rPr lang="en-US" altLang="fr-FR" sz="1000" dirty="0">
+                <a:solidFill>
+                  <a:schemeClr val="bg1"/>
+                </a:solidFill>
+                <a:latin typeface="Calibri" panose="020F0502020204030204" pitchFamily="34" charset="0"/>
+                <a:ea typeface="幼圆" pitchFamily="1" charset="-122"/>
+              </a:rPr>
+              <a:t> </a:t>
+            </a:r>
+          </a:p>
+          <a:p>
+            <a:r>
+              <a:rPr lang="es-ES" altLang="en-US" sz="1000" dirty="0">
+                <a:solidFill>
+                  <a:schemeClr val="bg1"/>
+                </a:solidFill>
+                <a:latin typeface="Calibri" panose="020F0502020204030204" pitchFamily="34" charset="0"/>
+                <a:ea typeface="幼圆" pitchFamily="1" charset="-122"/>
+              </a:rPr>
+              <a:t>V</a:t>
+            </a:r>
+            <a:r>
+              <a:rPr lang="en-US" altLang="fr-FR" sz="1000" dirty="0" err="1">
+                <a:solidFill>
+                  <a:schemeClr val="bg1"/>
+                </a:solidFill>
+                <a:latin typeface="Calibri" panose="020F0502020204030204" pitchFamily="34" charset="0"/>
+                <a:ea typeface="幼圆" pitchFamily="1" charset="-122"/>
+              </a:rPr>
+              <a:t>ideo</a:t>
+            </a:r>
+            <a:r>
+              <a:rPr lang="es-ES" altLang="en-US" sz="1000" dirty="0">
+                <a:solidFill>
+                  <a:schemeClr val="bg1"/>
+                </a:solidFill>
+                <a:latin typeface="Calibri" panose="020F0502020204030204" pitchFamily="34" charset="0"/>
+                <a:ea typeface="幼圆" pitchFamily="1" charset="-122"/>
+              </a:rPr>
+              <a:t>s</a:t>
+            </a:r>
+          </a:p>
+          <a:p>
+            <a:endParaRPr lang="es-ES" altLang="en-US" sz="1200" dirty="0">
+              <a:solidFill>
+                <a:schemeClr val="bg1"/>
+              </a:solidFill>
+              <a:latin typeface="Calibri" panose="020F0502020204030204" pitchFamily="34" charset="0"/>
+              <a:ea typeface="幼圆" pitchFamily="1" charset="-122"/>
+            </a:endParaRPr>
+          </a:p>
+          <a:p>
+            <a:r>
+              <a:rPr lang="es-ES" altLang="en-US" sz="1600" b="1" dirty="0">
+                <a:solidFill>
+                  <a:schemeClr val="bg1"/>
+                </a:solidFill>
+                <a:latin typeface="Calibri" panose="020F0502020204030204" pitchFamily="34" charset="0"/>
+                <a:ea typeface="幼圆" pitchFamily="1" charset="-122"/>
+              </a:rPr>
+              <a:t>Time:</a:t>
+            </a:r>
+            <a:r>
+              <a:rPr lang="es-ES" altLang="en-US" sz="1600" dirty="0">
+                <a:solidFill>
+                  <a:schemeClr val="bg1"/>
+                </a:solidFill>
+                <a:latin typeface="Calibri" panose="020F0502020204030204" pitchFamily="34" charset="0"/>
+                <a:ea typeface="幼圆" pitchFamily="1" charset="-122"/>
+              </a:rPr>
+              <a:t> </a:t>
+            </a:r>
+          </a:p>
+          <a:p>
+            <a:r>
+              <a:rPr lang="es-ES" altLang="en-US" sz="1000" dirty="0" err="1">
+                <a:solidFill>
+                  <a:schemeClr val="bg1"/>
+                </a:solidFill>
+                <a:latin typeface="Calibri" panose="020F0502020204030204" pitchFamily="34" charset="0"/>
+                <a:ea typeface="幼圆" pitchFamily="1" charset="-122"/>
+              </a:rPr>
+              <a:t>one</a:t>
+            </a:r>
+            <a:r>
+              <a:rPr lang="es-ES" altLang="en-US" sz="1000" dirty="0">
+                <a:solidFill>
+                  <a:schemeClr val="bg1"/>
+                </a:solidFill>
+                <a:latin typeface="Calibri" panose="020F0502020204030204" pitchFamily="34" charset="0"/>
+                <a:ea typeface="幼圆" pitchFamily="1" charset="-122"/>
+              </a:rPr>
+              <a:t> </a:t>
+            </a:r>
+            <a:r>
+              <a:rPr lang="es-ES" altLang="en-US" sz="1000" dirty="0" err="1">
+                <a:solidFill>
+                  <a:schemeClr val="bg1"/>
+                </a:solidFill>
+                <a:latin typeface="Calibri" panose="020F0502020204030204" pitchFamily="34" charset="0"/>
+                <a:ea typeface="幼圆" pitchFamily="1" charset="-122"/>
+              </a:rPr>
+              <a:t>semester</a:t>
+            </a:r>
+            <a:r>
+              <a:rPr lang="es-ES" altLang="en-US" sz="1000" dirty="0">
+                <a:solidFill>
+                  <a:schemeClr val="bg1"/>
+                </a:solidFill>
+                <a:latin typeface="Calibri" panose="020F0502020204030204" pitchFamily="34" charset="0"/>
+                <a:ea typeface="幼圆" pitchFamily="1" charset="-122"/>
+              </a:rPr>
+              <a:t> </a:t>
+            </a:r>
+          </a:p>
+          <a:p>
+            <a:endParaRPr lang="es-ES" altLang="en-US" sz="1200" dirty="0">
+              <a:solidFill>
+                <a:schemeClr val="bg1"/>
+              </a:solidFill>
+              <a:latin typeface="Calibri" panose="020F0502020204030204" pitchFamily="34" charset="0"/>
+              <a:ea typeface="幼圆" pitchFamily="1" charset="-122"/>
+            </a:endParaRPr>
+          </a:p>
+          <a:p>
+            <a:r>
+              <a:rPr lang="es-ES" altLang="en-US" sz="1600" b="1" dirty="0" err="1">
+                <a:solidFill>
+                  <a:schemeClr val="bg1"/>
+                </a:solidFill>
+                <a:latin typeface="Calibri" panose="020F0502020204030204" pitchFamily="34" charset="0"/>
+                <a:ea typeface="幼圆" pitchFamily="1" charset="-122"/>
+              </a:rPr>
+              <a:t>Assistance</a:t>
+            </a:r>
+            <a:r>
+              <a:rPr lang="es-ES" altLang="en-US" sz="1600" b="1" dirty="0">
+                <a:solidFill>
+                  <a:schemeClr val="bg1"/>
+                </a:solidFill>
+                <a:latin typeface="Calibri" panose="020F0502020204030204" pitchFamily="34" charset="0"/>
+                <a:ea typeface="幼圆" pitchFamily="1" charset="-122"/>
+              </a:rPr>
+              <a:t>:</a:t>
+            </a:r>
+            <a:r>
+              <a:rPr lang="es-ES" altLang="en-US" sz="1600" dirty="0">
+                <a:solidFill>
+                  <a:schemeClr val="bg1"/>
+                </a:solidFill>
+                <a:latin typeface="Calibri" panose="020F0502020204030204" pitchFamily="34" charset="0"/>
+                <a:ea typeface="幼圆" pitchFamily="1" charset="-122"/>
+              </a:rPr>
+              <a:t> </a:t>
+            </a:r>
+            <a:r>
+              <a:rPr lang="es-ES" altLang="en-US" sz="1200" dirty="0">
+                <a:solidFill>
+                  <a:schemeClr val="bg1"/>
+                </a:solidFill>
+                <a:latin typeface="Calibri" panose="020F0502020204030204" pitchFamily="34" charset="0"/>
+                <a:ea typeface="幼圆" pitchFamily="1" charset="-122"/>
+              </a:rPr>
+              <a:t> </a:t>
+            </a:r>
+          </a:p>
+          <a:p>
+            <a:r>
+              <a:rPr lang="es-ES" altLang="en-US" sz="1000" dirty="0" err="1">
+                <a:solidFill>
+                  <a:schemeClr val="bg1"/>
+                </a:solidFill>
+                <a:latin typeface="Calibri" panose="020F0502020204030204" pitchFamily="34" charset="0"/>
+                <a:ea typeface="幼圆" pitchFamily="1" charset="-122"/>
+              </a:rPr>
+              <a:t>Professors</a:t>
+            </a:r>
+            <a:endParaRPr lang="es-ES" altLang="en-US" sz="1000" dirty="0">
+              <a:solidFill>
+                <a:schemeClr val="bg1"/>
+              </a:solidFill>
+              <a:latin typeface="Calibri" panose="020F0502020204030204" pitchFamily="34" charset="0"/>
+              <a:ea typeface="幼圆" pitchFamily="1" charset="-122"/>
+            </a:endParaRPr>
+          </a:p>
+          <a:p>
+            <a:endParaRPr lang="es-ES" altLang="en-US" sz="800" dirty="0">
+              <a:solidFill>
+                <a:schemeClr val="bg1"/>
+              </a:solidFill>
+              <a:latin typeface="Calibri" panose="020F0502020204030204" pitchFamily="34" charset="0"/>
+              <a:ea typeface="幼圆" pitchFamily="1" charset="-122"/>
+            </a:endParaRPr>
+          </a:p>
+          <a:p>
+            <a:endParaRPr lang="es-ES" altLang="en-US" sz="800" dirty="0">
+              <a:solidFill>
+                <a:schemeClr val="bg1"/>
+              </a:solidFill>
+              <a:latin typeface="Calibri" panose="020F0502020204030204" pitchFamily="34" charset="0"/>
+              <a:ea typeface="幼圆" pitchFamily="1" charset="-122"/>
+            </a:endParaRPr>
+          </a:p>
+          <a:p>
+            <a:endParaRPr lang="es-ES" altLang="en-US" sz="800" dirty="0">
+              <a:solidFill>
+                <a:schemeClr val="bg1"/>
+              </a:solidFill>
+              <a:latin typeface="Calibri" panose="020F0502020204030204" pitchFamily="34" charset="0"/>
+              <a:ea typeface="幼圆" pitchFamily="1" charset="-122"/>
+            </a:endParaRPr>
+          </a:p>
+          <a:p>
+            <a:endParaRPr lang="es-ES" altLang="en-US" sz="800" dirty="0">
+              <a:solidFill>
+                <a:schemeClr val="bg1"/>
+              </a:solidFill>
+              <a:latin typeface="Calibri" panose="020F0502020204030204" pitchFamily="34" charset="0"/>
+              <a:ea typeface="幼圆" pitchFamily="1" charset="-122"/>
+            </a:endParaRPr>
+          </a:p>
+          <a:p>
+            <a:endParaRPr lang="es-ES" altLang="en-US" sz="800" dirty="0">
+              <a:solidFill>
+                <a:schemeClr val="bg1"/>
+              </a:solidFill>
+              <a:latin typeface="Calibri" panose="020F0502020204030204" pitchFamily="34" charset="0"/>
+              <a:ea typeface="幼圆" pitchFamily="1" charset="-122"/>
+            </a:endParaRPr>
+          </a:p>
+          <a:p>
+            <a:endParaRPr lang="es-ES" altLang="en-US" sz="800" dirty="0">
+              <a:solidFill>
+                <a:schemeClr val="bg1"/>
+              </a:solidFill>
+              <a:latin typeface="Calibri" panose="020F0502020204030204" pitchFamily="34" charset="0"/>
+              <a:ea typeface="幼圆" pitchFamily="1" charset="-122"/>
+            </a:endParaRPr>
+          </a:p>
+          <a:p>
+            <a:endParaRPr lang="es-ES" altLang="en-US" sz="800" dirty="0">
+              <a:solidFill>
+                <a:schemeClr val="bg1"/>
+              </a:solidFill>
+              <a:latin typeface="Calibri" panose="020F0502020204030204" pitchFamily="34" charset="0"/>
+              <a:ea typeface="幼圆" pitchFamily="1" charset="-122"/>
+            </a:endParaRPr>
+          </a:p>
+          <a:p>
+            <a:endParaRPr lang="es-ES" altLang="en-US" sz="800" dirty="0">
+              <a:solidFill>
+                <a:schemeClr val="bg1"/>
+              </a:solidFill>
+              <a:latin typeface="Calibri" panose="020F0502020204030204" pitchFamily="34" charset="0"/>
+              <a:ea typeface="幼圆" pitchFamily="1" charset="-122"/>
+            </a:endParaRPr>
+          </a:p>
+          <a:p>
+            <a:endParaRPr lang="es-ES" altLang="en-US" sz="800" dirty="0">
+              <a:solidFill>
+                <a:schemeClr val="bg1"/>
+              </a:solidFill>
+              <a:latin typeface="Calibri" panose="020F0502020204030204" pitchFamily="34" charset="0"/>
+              <a:ea typeface="幼圆" pitchFamily="1" charset="-122"/>
+            </a:endParaRPr>
+          </a:p>
+          <a:p>
+            <a:endParaRPr lang="es-ES" altLang="en-US" sz="800" dirty="0">
+              <a:solidFill>
+                <a:schemeClr val="bg1"/>
+              </a:solidFill>
+              <a:latin typeface="Calibri" panose="020F0502020204030204" pitchFamily="34" charset="0"/>
+              <a:ea typeface="幼圆" pitchFamily="1" charset="-122"/>
+            </a:endParaRPr>
+          </a:p>
+        </p:txBody>
+      </p:sp>
+      <p:sp>
+        <p:nvSpPr>
+          <p:cNvPr id="3079" name="AutoShape 7"/>
+          <p:cNvSpPr>
+            <a:spLocks noChangeArrowheads="1"/>
+          </p:cNvSpPr>
+          <p:nvPr/>
+        </p:nvSpPr>
+        <p:spPr bwMode="auto">
+          <a:xfrm>
+            <a:off x="1974850" y="1725613"/>
+            <a:ext cx="2462213" cy="3281362"/>
+          </a:xfrm>
+          <a:prstGeom prst="roundRect">
+            <a:avLst>
+              <a:gd name="adj" fmla="val 16667"/>
+            </a:avLst>
+          </a:prstGeom>
+          <a:noFill/>
+          <a:ln>
+            <a:noFill/>
+          </a:ln>
+          <a:extLst>
+            <a:ext uri="{909E8E84-426E-40DD-AFC4-6F175D3DCCD1}">
+              <a14:hiddenFill xmlns:a14="http://schemas.microsoft.com/office/drawing/2010/main">
+                <a:solidFill>
+                  <a:srgbClr val="FFFFFF"/>
+                </a:solidFill>
+              </a14:hiddenFill>
+            </a:ext>
+            <a:ext uri="{91240B29-F687-4F45-9708-019B960494DF}">
+              <a14:hiddenLine xmlns:a14="http://schemas.microsoft.com/office/drawing/2010/main" w="9525">
+                <a:solidFill>
+                  <a:schemeClr val="bg1"/>
+                </a:solidFill>
+                <a:round/>
+                <a:headEnd/>
+                <a:tailEnd/>
+              </a14:hiddenLine>
+            </a:ext>
+          </a:extLst>
+        </p:spPr>
+        <p:txBody>
+          <a:bodyPr>
+            <a:spAutoFit/>
+          </a:bodyPr>
+          <a:lstStyle/>
+          <a:p>
+            <a:pPr algn="just"/>
+            <a:r>
+              <a:rPr lang="fr-FR" altLang="en-US" sz="1600" b="1">
+                <a:solidFill>
+                  <a:schemeClr val="bg1"/>
+                </a:solidFill>
+                <a:latin typeface="Arial" panose="020B0604020202020204" pitchFamily="34" charset="0"/>
+                <a:ea typeface="幼圆" pitchFamily="1" charset="-122"/>
+                <a:sym typeface="Arial" panose="020B0604020202020204" pitchFamily="34" charset="0"/>
+              </a:rPr>
+              <a:t>Market analysis</a:t>
+            </a:r>
+          </a:p>
+          <a:p>
+            <a:pPr algn="just"/>
+            <a:r>
+              <a:rPr lang="es-ES" altLang="en-US" sz="1000">
+                <a:solidFill>
+                  <a:schemeClr val="bg1"/>
+                </a:solidFill>
+                <a:latin typeface="Arial" panose="020B0604020202020204" pitchFamily="34" charset="0"/>
+              </a:rPr>
+              <a:t>C</a:t>
+            </a:r>
+            <a:r>
+              <a:rPr lang="fr-FR" altLang="en-US" sz="1000">
+                <a:solidFill>
+                  <a:schemeClr val="bg1"/>
+                </a:solidFill>
+                <a:latin typeface="Arial" panose="020B0604020202020204" pitchFamily="34" charset="0"/>
+              </a:rPr>
+              <a:t>ompanies and strategies </a:t>
+            </a:r>
+            <a:r>
+              <a:rPr lang="es-ES" altLang="en-US" sz="1000">
+                <a:solidFill>
+                  <a:schemeClr val="bg1"/>
+                </a:solidFill>
+                <a:latin typeface="Arial" panose="020B0604020202020204" pitchFamily="34" charset="0"/>
+              </a:rPr>
+              <a:t>around the world</a:t>
+            </a:r>
+            <a:endParaRPr lang="fr-FR" altLang="en-US" sz="1000">
+              <a:solidFill>
+                <a:schemeClr val="bg1"/>
+              </a:solidFill>
+              <a:latin typeface="Arial" panose="020B0604020202020204" pitchFamily="34" charset="0"/>
+            </a:endParaRPr>
+          </a:p>
+          <a:p>
+            <a:pPr algn="just"/>
+            <a:endParaRPr lang="fr-FR" altLang="en-US" sz="1000">
+              <a:solidFill>
+                <a:schemeClr val="bg1"/>
+              </a:solidFill>
+            </a:endParaRPr>
+          </a:p>
+          <a:p>
+            <a:pPr algn="just"/>
+            <a:r>
+              <a:rPr lang="fr-FR" altLang="en-US" sz="1600" b="1">
+                <a:solidFill>
+                  <a:schemeClr val="bg1"/>
+                </a:solidFill>
+                <a:latin typeface="Calibri" panose="020F0502020204030204" pitchFamily="34" charset="0"/>
+                <a:ea typeface="幼圆" pitchFamily="1" charset="-122"/>
+                <a:sym typeface="Arial" panose="020B0604020202020204" pitchFamily="34" charset="0"/>
+              </a:rPr>
+              <a:t>Challenges</a:t>
+            </a:r>
+          </a:p>
+          <a:p>
+            <a:pPr algn="just"/>
+            <a:r>
+              <a:rPr lang="fr-FR" altLang="en-US" sz="1000">
+                <a:solidFill>
+                  <a:schemeClr val="bg1"/>
+                </a:solidFill>
+                <a:latin typeface="Arial" panose="020B0604020202020204" pitchFamily="34" charset="0"/>
+              </a:rPr>
+              <a:t>The challenges that ridesharing companies, users and government are and will have to solve)</a:t>
+            </a:r>
+          </a:p>
+          <a:p>
+            <a:pPr algn="just"/>
+            <a:endParaRPr lang="fr-FR" altLang="en-US" sz="800">
+              <a:solidFill>
+                <a:schemeClr val="bg1"/>
+              </a:solidFill>
+            </a:endParaRPr>
+          </a:p>
+          <a:p>
+            <a:pPr algn="just"/>
+            <a:r>
+              <a:rPr lang="fr-FR" altLang="en-US" sz="1600" b="1">
+                <a:solidFill>
+                  <a:schemeClr val="bg1"/>
+                </a:solidFill>
+                <a:latin typeface="Calibri" panose="020F0502020204030204" pitchFamily="34" charset="0"/>
+                <a:ea typeface="幼圆" pitchFamily="1" charset="-122"/>
+                <a:sym typeface="Arial" panose="020B0604020202020204" pitchFamily="34" charset="0"/>
+              </a:rPr>
+              <a:t>Technology analysis</a:t>
+            </a:r>
+          </a:p>
+          <a:p>
+            <a:pPr algn="just"/>
+            <a:r>
+              <a:rPr lang="fr-FR" altLang="en-US" sz="1000">
+                <a:solidFill>
+                  <a:schemeClr val="bg1"/>
+                </a:solidFill>
+                <a:latin typeface="Arial" panose="020B0604020202020204" pitchFamily="34" charset="0"/>
+              </a:rPr>
+              <a:t>(the technological tools being used and that can be improved)</a:t>
+            </a:r>
+          </a:p>
+          <a:p>
+            <a:pPr algn="just"/>
+            <a:endParaRPr lang="fr-FR" altLang="en-US" sz="1000">
+              <a:solidFill>
+                <a:schemeClr val="bg1"/>
+              </a:solidFill>
+            </a:endParaRPr>
+          </a:p>
+          <a:p>
+            <a:pPr algn="just"/>
+            <a:r>
+              <a:rPr lang="fr-FR" altLang="en-US" sz="1600" b="1">
+                <a:solidFill>
+                  <a:schemeClr val="bg1"/>
+                </a:solidFill>
+                <a:latin typeface="Calibri" panose="020F0502020204030204" pitchFamily="34" charset="0"/>
+                <a:ea typeface="幼圆" pitchFamily="1" charset="-122"/>
+                <a:sym typeface="Arial" panose="020B0604020202020204" pitchFamily="34" charset="0"/>
+              </a:rPr>
+              <a:t>Transportation analysis</a:t>
+            </a:r>
+          </a:p>
+          <a:p>
+            <a:pPr algn="just"/>
+            <a:r>
+              <a:rPr lang="fr-FR" altLang="en-US" sz="1600" b="1">
+                <a:solidFill>
+                  <a:schemeClr val="bg1"/>
+                </a:solidFill>
+                <a:latin typeface="Calibri" panose="020F0502020204030204" pitchFamily="34" charset="0"/>
+                <a:ea typeface="幼圆" pitchFamily="1" charset="-122"/>
+                <a:sym typeface="Arial" panose="020B0604020202020204" pitchFamily="34" charset="0"/>
+              </a:rPr>
+              <a:t>Law and Public policy</a:t>
+            </a:r>
+          </a:p>
+          <a:p>
+            <a:pPr algn="just"/>
+            <a:r>
+              <a:rPr lang="fr-FR" altLang="en-US" sz="1600" b="1">
+                <a:solidFill>
+                  <a:schemeClr val="bg1"/>
+                </a:solidFill>
+                <a:latin typeface="Calibri" panose="020F0502020204030204" pitchFamily="34" charset="0"/>
+                <a:ea typeface="幼圆" pitchFamily="1" charset="-122"/>
+                <a:sym typeface="Arial" panose="020B0604020202020204" pitchFamily="34" charset="0"/>
+              </a:rPr>
+              <a:t> Social awareness </a:t>
+            </a:r>
+          </a:p>
+        </p:txBody>
+      </p:sp>
+      <p:sp>
+        <p:nvSpPr>
+          <p:cNvPr id="3080" name="AutoShape 8"/>
+          <p:cNvSpPr>
+            <a:spLocks noChangeArrowheads="1"/>
+          </p:cNvSpPr>
+          <p:nvPr/>
+        </p:nvSpPr>
+        <p:spPr bwMode="auto">
+          <a:xfrm>
+            <a:off x="4545013" y="1835150"/>
+            <a:ext cx="985837" cy="2927350"/>
+          </a:xfrm>
+          <a:prstGeom prst="roundRect">
+            <a:avLst>
+              <a:gd name="adj" fmla="val 16667"/>
+            </a:avLst>
+          </a:prstGeom>
+          <a:noFill/>
+          <a:ln>
+            <a:noFill/>
+          </a:ln>
+          <a:effectLst/>
+          <a:extLst>
+            <a:ext uri="{909E8E84-426E-40DD-AFC4-6F175D3DCCD1}">
+              <a14:hiddenFill xmlns:a14="http://schemas.microsoft.com/office/drawing/2010/main">
+                <a:solidFill>
+                  <a:srgbClr val="FFFFFF"/>
+                </a:solidFill>
+              </a14:hiddenFill>
+            </a:ext>
+            <a:ext uri="{91240B29-F687-4F45-9708-019B960494DF}">
+              <a14:hiddenLine xmlns:a14="http://schemas.microsoft.com/office/drawing/2010/main" w="9525" cap="flat" cmpd="sng">
+                <a:solidFill>
+                  <a:schemeClr val="bg1"/>
+                </a:solidFill>
+                <a:bevel/>
+                <a:headEnd/>
+                <a:tailEnd/>
+              </a14:hiddenLine>
+            </a:ext>
+            <a:ext uri="{AF507438-7753-43E0-B8FC-AC1667EBCBE1}">
+              <a14:hiddenEffects xmlns:a14="http://schemas.microsoft.com/office/drawing/2010/main">
+                <a:effectLst>
+                  <a:outerShdw dist="35921" dir="2700000" algn="ctr" rotWithShape="0">
+                    <a:srgbClr val="808080"/>
+                  </a:outerShdw>
+                </a:effectLst>
+              </a14:hiddenEffects>
+            </a:ext>
+          </a:extLst>
+        </p:spPr>
+        <p:txBody>
+          <a:bodyPr>
+            <a:spAutoFit/>
+          </a:bodyPr>
+          <a:lstStyle/>
+          <a:p>
+            <a:endParaRPr lang="en-US" altLang="fr-FR" sz="1200" b="1">
+              <a:solidFill>
+                <a:schemeClr val="bg1"/>
+              </a:solidFill>
+              <a:latin typeface="Calibri" panose="020F0502020204030204" pitchFamily="34" charset="0"/>
+              <a:ea typeface="幼圆" pitchFamily="1" charset="-122"/>
+              <a:sym typeface="Arial" panose="020B0604020202020204" pitchFamily="34" charset="0"/>
+            </a:endParaRPr>
+          </a:p>
+          <a:p>
+            <a:endParaRPr lang="en-US" altLang="fr-FR" sz="1200" b="1">
+              <a:solidFill>
+                <a:schemeClr val="bg1"/>
+              </a:solidFill>
+              <a:latin typeface="Calibri" panose="020F0502020204030204" pitchFamily="34" charset="0"/>
+              <a:ea typeface="幼圆" pitchFamily="1" charset="-122"/>
+              <a:sym typeface="Arial" panose="020B0604020202020204" pitchFamily="34" charset="0"/>
+            </a:endParaRPr>
+          </a:p>
+          <a:p>
+            <a:endParaRPr lang="en-US" altLang="fr-FR" sz="1200" b="1">
+              <a:solidFill>
+                <a:schemeClr val="bg1"/>
+              </a:solidFill>
+              <a:latin typeface="Calibri" panose="020F0502020204030204" pitchFamily="34" charset="0"/>
+              <a:ea typeface="幼圆" pitchFamily="1" charset="-122"/>
+              <a:sym typeface="Arial" panose="020B0604020202020204" pitchFamily="34" charset="0"/>
+            </a:endParaRPr>
+          </a:p>
+          <a:p>
+            <a:r>
+              <a:rPr lang="en-US" altLang="fr-FR" sz="1200" b="1">
+                <a:solidFill>
+                  <a:schemeClr val="bg1"/>
+                </a:solidFill>
+                <a:latin typeface="Calibri" panose="020F0502020204030204" pitchFamily="34" charset="0"/>
+                <a:ea typeface="幼圆" pitchFamily="1" charset="-122"/>
+                <a:sym typeface="Arial" panose="020B0604020202020204" pitchFamily="34" charset="0"/>
+              </a:rPr>
+              <a:t>The team members</a:t>
+            </a:r>
+          </a:p>
+          <a:p>
+            <a:endParaRPr lang="en-US" altLang="fr-FR" sz="1200" b="1">
+              <a:solidFill>
+                <a:schemeClr val="bg1"/>
+              </a:solidFill>
+              <a:latin typeface="Calibri" panose="020F0502020204030204" pitchFamily="34" charset="0"/>
+              <a:ea typeface="幼圆" pitchFamily="1" charset="-122"/>
+              <a:sym typeface="Arial" panose="020B0604020202020204" pitchFamily="34" charset="0"/>
+            </a:endParaRPr>
+          </a:p>
+          <a:p>
+            <a:r>
+              <a:rPr lang="en-US" altLang="fr-FR" sz="1200" b="1">
+                <a:solidFill>
+                  <a:schemeClr val="bg1"/>
+                </a:solidFill>
+                <a:latin typeface="Calibri" panose="020F0502020204030204" pitchFamily="34" charset="0"/>
+                <a:ea typeface="幼圆" pitchFamily="1" charset="-122"/>
+                <a:sym typeface="Arial" panose="020B0604020202020204" pitchFamily="34" charset="0"/>
+              </a:rPr>
+              <a:t>Professors </a:t>
+            </a:r>
+          </a:p>
+          <a:p>
+            <a:endParaRPr lang="en-US" altLang="fr-FR" sz="1200" b="1">
+              <a:solidFill>
+                <a:schemeClr val="bg1"/>
+              </a:solidFill>
+              <a:latin typeface="Calibri" panose="020F0502020204030204" pitchFamily="34" charset="0"/>
+              <a:ea typeface="幼圆" pitchFamily="1" charset="-122"/>
+              <a:sym typeface="Arial" panose="020B0604020202020204" pitchFamily="34" charset="0"/>
+            </a:endParaRPr>
+          </a:p>
+          <a:p>
+            <a:r>
+              <a:rPr lang="en-US" altLang="fr-FR" sz="1200" b="1">
+                <a:solidFill>
+                  <a:schemeClr val="bg1"/>
+                </a:solidFill>
+                <a:latin typeface="Calibri" panose="020F0502020204030204" pitchFamily="34" charset="0"/>
+                <a:ea typeface="幼圆" pitchFamily="1" charset="-122"/>
+                <a:sym typeface="Arial" panose="020B0604020202020204" pitchFamily="34" charset="0"/>
+              </a:rPr>
+              <a:t>Teacher assistant</a:t>
+            </a:r>
+          </a:p>
+          <a:p>
+            <a:endParaRPr lang="en-US" altLang="fr-FR" sz="1200" b="1">
+              <a:solidFill>
+                <a:schemeClr val="bg1"/>
+              </a:solidFill>
+              <a:latin typeface="Calibri" panose="020F0502020204030204" pitchFamily="34" charset="0"/>
+              <a:ea typeface="幼圆" pitchFamily="1" charset="-122"/>
+              <a:sym typeface="Arial" panose="020B0604020202020204" pitchFamily="34" charset="0"/>
+            </a:endParaRPr>
+          </a:p>
+          <a:p>
+            <a:r>
+              <a:rPr lang="en-US" altLang="fr-FR" sz="1200" b="1">
+                <a:solidFill>
+                  <a:schemeClr val="bg1"/>
+                </a:solidFill>
+                <a:latin typeface="Calibri" panose="020F0502020204030204" pitchFamily="34" charset="0"/>
+                <a:ea typeface="幼圆" pitchFamily="1" charset="-122"/>
+                <a:sym typeface="Arial" panose="020B0604020202020204" pitchFamily="34" charset="0"/>
+              </a:rPr>
+              <a:t>Classmates </a:t>
+            </a:r>
+          </a:p>
+          <a:p>
+            <a:endParaRPr lang="en-US" altLang="fr-FR" sz="1200" b="1">
+              <a:solidFill>
+                <a:schemeClr val="bg1"/>
+              </a:solidFill>
+              <a:latin typeface="Calibri" panose="020F0502020204030204" pitchFamily="34" charset="0"/>
+              <a:ea typeface="幼圆" pitchFamily="1" charset="-122"/>
+            </a:endParaRPr>
+          </a:p>
+          <a:p>
+            <a:endParaRPr lang="en-US" altLang="fr-FR" sz="1200" b="1">
+              <a:solidFill>
+                <a:schemeClr val="bg1"/>
+              </a:solidFill>
+              <a:latin typeface="Calibri" panose="020F0502020204030204" pitchFamily="34" charset="0"/>
+              <a:ea typeface="幼圆" pitchFamily="1" charset="-122"/>
+            </a:endParaRPr>
+          </a:p>
+          <a:p>
+            <a:endParaRPr lang="en-US" altLang="fr-FR" sz="1200" b="1">
+              <a:solidFill>
+                <a:schemeClr val="bg1"/>
+              </a:solidFill>
+              <a:latin typeface="Calibri" panose="020F0502020204030204" pitchFamily="34" charset="0"/>
+              <a:ea typeface="幼圆" pitchFamily="1" charset="-122"/>
+            </a:endParaRPr>
+          </a:p>
+        </p:txBody>
+      </p:sp>
+      <p:sp>
+        <p:nvSpPr>
+          <p:cNvPr id="3081" name="AutoShape 9"/>
+          <p:cNvSpPr>
+            <a:spLocks noChangeArrowheads="1"/>
+          </p:cNvSpPr>
+          <p:nvPr/>
+        </p:nvSpPr>
+        <p:spPr bwMode="auto">
+          <a:xfrm>
+            <a:off x="6213475" y="1625600"/>
+            <a:ext cx="2771775" cy="3768725"/>
+          </a:xfrm>
+          <a:prstGeom prst="roundRect">
+            <a:avLst>
+              <a:gd name="adj" fmla="val 16667"/>
+            </a:avLst>
+          </a:prstGeom>
+          <a:noFill/>
+          <a:ln>
+            <a:noFill/>
+          </a:ln>
+          <a:effectLst/>
+          <a:extLst>
+            <a:ext uri="{909E8E84-426E-40DD-AFC4-6F175D3DCCD1}">
+              <a14:hiddenFill xmlns:a14="http://schemas.microsoft.com/office/drawing/2010/main">
+                <a:solidFill>
+                  <a:srgbClr val="FFFFFF"/>
+                </a:solidFill>
+              </a14:hiddenFill>
+            </a:ext>
+            <a:ext uri="{91240B29-F687-4F45-9708-019B960494DF}">
+              <a14:hiddenLine xmlns:a14="http://schemas.microsoft.com/office/drawing/2010/main" w="9525" cap="flat" cmpd="sng">
+                <a:solidFill>
+                  <a:schemeClr val="bg1"/>
+                </a:solidFill>
+                <a:bevel/>
+                <a:headEnd/>
+                <a:tailEnd/>
+              </a14:hiddenLine>
+            </a:ext>
+            <a:ext uri="{AF507438-7753-43E0-B8FC-AC1667EBCBE1}">
+              <a14:hiddenEffects xmlns:a14="http://schemas.microsoft.com/office/drawing/2010/main">
+                <a:effectLst>
+                  <a:outerShdw dist="35921" dir="2700000" algn="ctr" rotWithShape="0">
+                    <a:srgbClr val="808080"/>
+                  </a:outerShdw>
+                </a:effectLst>
+              </a14:hiddenEffects>
+            </a:ext>
+          </a:extLst>
+        </p:spPr>
+        <p:txBody>
+          <a:bodyPr>
+            <a:spAutoFit/>
+          </a:bodyPr>
+          <a:lstStyle/>
+          <a:p>
+            <a:pPr algn="just"/>
+            <a:r>
+              <a:rPr lang="en-US" altLang="fr-FR" sz="1600" b="1">
+                <a:solidFill>
+                  <a:schemeClr val="bg1"/>
+                </a:solidFill>
+                <a:latin typeface="Calibri" panose="020F0502020204030204" pitchFamily="34" charset="0"/>
+                <a:ea typeface="幼圆" pitchFamily="1" charset="-122"/>
+              </a:rPr>
+              <a:t>Efficient transportation</a:t>
+            </a:r>
+          </a:p>
+          <a:p>
+            <a:pPr algn="just"/>
+            <a:r>
+              <a:rPr lang="es-ES" altLang="en-US" sz="1000">
+                <a:solidFill>
+                  <a:schemeClr val="bg1"/>
+                </a:solidFill>
+                <a:latin typeface="Calibri" panose="020F0502020204030204" pitchFamily="34" charset="0"/>
+                <a:ea typeface="幼圆" pitchFamily="1" charset="-122"/>
+              </a:rPr>
+              <a:t>T</a:t>
+            </a:r>
+            <a:r>
+              <a:rPr lang="en-US" altLang="fr-FR" sz="1000">
+                <a:solidFill>
+                  <a:schemeClr val="bg1"/>
+                </a:solidFill>
+                <a:latin typeface="Calibri" panose="020F0502020204030204" pitchFamily="34" charset="0"/>
+                <a:ea typeface="幼圆" pitchFamily="1" charset="-122"/>
+              </a:rPr>
+              <a:t>raffic flow</a:t>
+            </a:r>
+            <a:r>
+              <a:rPr lang="es-ES" altLang="en-US" sz="1000">
+                <a:solidFill>
+                  <a:schemeClr val="bg1"/>
+                </a:solidFill>
+                <a:latin typeface="Calibri" panose="020F0502020204030204" pitchFamily="34" charset="0"/>
+                <a:ea typeface="幼圆" pitchFamily="1" charset="-122"/>
+              </a:rPr>
+              <a:t> </a:t>
+            </a:r>
+            <a:r>
+              <a:rPr lang="en-US" altLang="fr-FR" sz="1000">
+                <a:solidFill>
+                  <a:schemeClr val="bg1"/>
+                </a:solidFill>
+                <a:latin typeface="Calibri" panose="020F0502020204030204" pitchFamily="34" charset="0"/>
+                <a:ea typeface="幼圆" pitchFamily="1" charset="-122"/>
+              </a:rPr>
+              <a:t>and reduction of CO2 emissions.</a:t>
+            </a:r>
+            <a:r>
+              <a:rPr lang="es-ES" altLang="en-US" sz="1000">
+                <a:solidFill>
+                  <a:schemeClr val="bg1"/>
+                </a:solidFill>
+                <a:latin typeface="Calibri" panose="020F0502020204030204" pitchFamily="34" charset="0"/>
+                <a:ea typeface="幼圆" pitchFamily="1" charset="-122"/>
+              </a:rPr>
+              <a:t> </a:t>
+            </a:r>
+            <a:r>
+              <a:rPr lang="en-US" altLang="fr-FR" sz="1000">
+                <a:solidFill>
+                  <a:schemeClr val="bg1"/>
+                </a:solidFill>
+                <a:latin typeface="Calibri" panose="020F0502020204030204" pitchFamily="34" charset="0"/>
+                <a:ea typeface="幼圆" pitchFamily="1" charset="-122"/>
+              </a:rPr>
+              <a:t>Reduce transportation cost.</a:t>
+            </a:r>
+          </a:p>
+          <a:p>
+            <a:pPr algn="just"/>
+            <a:endParaRPr lang="en-US" altLang="fr-FR" sz="1000">
+              <a:solidFill>
+                <a:schemeClr val="bg1"/>
+              </a:solidFill>
+              <a:latin typeface="Calibri" panose="020F0502020204030204" pitchFamily="34" charset="0"/>
+              <a:ea typeface="幼圆" pitchFamily="1" charset="-122"/>
+            </a:endParaRPr>
+          </a:p>
+          <a:p>
+            <a:pPr algn="just"/>
+            <a:r>
+              <a:rPr lang="en-US" altLang="fr-FR" sz="1600" b="1">
+                <a:solidFill>
+                  <a:schemeClr val="bg1"/>
+                </a:solidFill>
+                <a:latin typeface="Calibri" panose="020F0502020204030204" pitchFamily="34" charset="0"/>
+                <a:ea typeface="幼圆" pitchFamily="1" charset="-122"/>
+              </a:rPr>
+              <a:t>Market </a:t>
+            </a:r>
+            <a:r>
+              <a:rPr lang="en-US" altLang="fr-FR" sz="1600" b="1">
+                <a:solidFill>
+                  <a:schemeClr val="bg1"/>
+                </a:solidFill>
+                <a:latin typeface="幼圆"/>
+                <a:ea typeface="幼圆" pitchFamily="1" charset="-122"/>
+              </a:rPr>
+              <a:t>–</a:t>
+            </a:r>
+            <a:r>
+              <a:rPr lang="en-US" altLang="fr-FR" sz="1600" b="1">
+                <a:solidFill>
+                  <a:schemeClr val="bg1"/>
+                </a:solidFill>
+                <a:latin typeface="Calibri" panose="020F0502020204030204" pitchFamily="34" charset="0"/>
+                <a:ea typeface="幼圆" pitchFamily="1" charset="-122"/>
+              </a:rPr>
+              <a:t> Economic</a:t>
+            </a:r>
+          </a:p>
+          <a:p>
+            <a:pPr algn="just"/>
+            <a:r>
+              <a:rPr lang="en-US" altLang="fr-FR" sz="1000">
+                <a:solidFill>
+                  <a:schemeClr val="bg1"/>
+                </a:solidFill>
+                <a:latin typeface="Arial" panose="020B0604020202020204" pitchFamily="34" charset="0"/>
+                <a:ea typeface="幼圆" pitchFamily="1" charset="-122"/>
+              </a:rPr>
+              <a:t>Develop the market</a:t>
+            </a:r>
+            <a:r>
+              <a:rPr lang="es-ES" altLang="en-US" sz="1000">
+                <a:solidFill>
+                  <a:schemeClr val="bg1"/>
+                </a:solidFill>
+                <a:latin typeface="Arial" panose="020B0604020202020204" pitchFamily="34" charset="0"/>
+                <a:ea typeface="幼圆" pitchFamily="1" charset="-122"/>
+              </a:rPr>
+              <a:t> </a:t>
+            </a:r>
+            <a:r>
+              <a:rPr lang="en-US" altLang="fr-FR" sz="1000">
+                <a:solidFill>
+                  <a:schemeClr val="bg1"/>
+                </a:solidFill>
+                <a:latin typeface="Arial" panose="020B0604020202020204" pitchFamily="34" charset="0"/>
+                <a:ea typeface="幼圆" pitchFamily="1" charset="-122"/>
+              </a:rPr>
+              <a:t>of ridesharing</a:t>
+            </a:r>
+            <a:r>
+              <a:rPr lang="es-ES" altLang="en-US" sz="1000">
+                <a:solidFill>
+                  <a:schemeClr val="bg1"/>
+                </a:solidFill>
+                <a:latin typeface="Arial" panose="020B0604020202020204" pitchFamily="34" charset="0"/>
+                <a:ea typeface="幼圆" pitchFamily="1" charset="-122"/>
+              </a:rPr>
+              <a:t> and h</a:t>
+            </a:r>
+            <a:r>
+              <a:rPr lang="en-US" altLang="fr-FR" sz="1000">
+                <a:solidFill>
+                  <a:schemeClr val="bg1"/>
+                </a:solidFill>
+                <a:latin typeface="Arial" panose="020B0604020202020204" pitchFamily="34" charset="0"/>
+                <a:ea typeface="幼圆" pitchFamily="1" charset="-122"/>
+              </a:rPr>
+              <a:t>elp new companies to take better decisions and strategies.</a:t>
+            </a:r>
+          </a:p>
+          <a:p>
+            <a:pPr algn="just"/>
+            <a:endParaRPr lang="en-US" altLang="fr-FR" sz="1000">
+              <a:solidFill>
+                <a:schemeClr val="bg1"/>
+              </a:solidFill>
+              <a:latin typeface="Calibri" panose="020F0502020204030204" pitchFamily="34" charset="0"/>
+              <a:ea typeface="幼圆" pitchFamily="1" charset="-122"/>
+            </a:endParaRPr>
+          </a:p>
+          <a:p>
+            <a:pPr algn="just"/>
+            <a:r>
+              <a:rPr lang="en-US" altLang="fr-FR" sz="1600" b="1">
+                <a:solidFill>
+                  <a:schemeClr val="bg1"/>
+                </a:solidFill>
+                <a:latin typeface="Calibri" panose="020F0502020204030204" pitchFamily="34" charset="0"/>
+                <a:ea typeface="幼圆" pitchFamily="1" charset="-122"/>
+              </a:rPr>
+              <a:t>Social Impact</a:t>
+            </a:r>
+          </a:p>
+          <a:p>
+            <a:pPr algn="just"/>
+            <a:r>
+              <a:rPr lang="en-US" altLang="fr-FR" sz="1000">
+                <a:solidFill>
+                  <a:schemeClr val="bg1"/>
+                </a:solidFill>
+                <a:latin typeface="Arial" panose="020B0604020202020204" pitchFamily="34" charset="0"/>
+                <a:ea typeface="幼圆" pitchFamily="1" charset="-122"/>
+              </a:rPr>
+              <a:t>Understand the behavior and practice of people ridesahring</a:t>
+            </a:r>
+          </a:p>
+          <a:p>
+            <a:pPr algn="just"/>
+            <a:endParaRPr lang="en-US" altLang="fr-FR" sz="1200" b="1">
+              <a:solidFill>
+                <a:schemeClr val="bg1"/>
+              </a:solidFill>
+              <a:latin typeface="Calibri" panose="020F0502020204030204" pitchFamily="34" charset="0"/>
+              <a:ea typeface="幼圆" pitchFamily="1" charset="-122"/>
+            </a:endParaRPr>
+          </a:p>
+          <a:p>
+            <a:pPr algn="just"/>
+            <a:r>
+              <a:rPr lang="en-US" altLang="fr-FR" sz="1600" b="1">
+                <a:solidFill>
+                  <a:schemeClr val="bg1"/>
+                </a:solidFill>
+                <a:latin typeface="Calibri" panose="020F0502020204030204" pitchFamily="34" charset="0"/>
+                <a:ea typeface="幼圆" pitchFamily="1" charset="-122"/>
+              </a:rPr>
+              <a:t>Policies</a:t>
+            </a:r>
+          </a:p>
+          <a:p>
+            <a:pPr algn="just"/>
+            <a:r>
+              <a:rPr lang="en-US" altLang="fr-FR" sz="1000">
+                <a:solidFill>
+                  <a:schemeClr val="bg1"/>
+                </a:solidFill>
+                <a:latin typeface="Arial" panose="020B0604020202020204" pitchFamily="34" charset="0"/>
+                <a:ea typeface="幼圆" pitchFamily="1" charset="-122"/>
+              </a:rPr>
+              <a:t>Development of policies in order to </a:t>
+            </a:r>
+            <a:r>
+              <a:rPr lang="es-ES" altLang="en-US" sz="1000">
+                <a:solidFill>
+                  <a:schemeClr val="bg1"/>
+                </a:solidFill>
+                <a:latin typeface="Arial" panose="020B0604020202020204" pitchFamily="34" charset="0"/>
+                <a:ea typeface="幼圆" pitchFamily="1" charset="-122"/>
+              </a:rPr>
+              <a:t>regulate and </a:t>
+            </a:r>
+            <a:r>
+              <a:rPr lang="en-US" altLang="fr-FR" sz="1000">
+                <a:solidFill>
+                  <a:schemeClr val="bg1"/>
+                </a:solidFill>
+                <a:latin typeface="Arial" panose="020B0604020202020204" pitchFamily="34" charset="0"/>
+                <a:ea typeface="幼圆" pitchFamily="1" charset="-122"/>
+              </a:rPr>
+              <a:t>increase the users of ridesharin</a:t>
+            </a:r>
+            <a:r>
+              <a:rPr lang="es-ES" altLang="en-US" sz="1000">
+                <a:solidFill>
+                  <a:schemeClr val="bg1"/>
+                </a:solidFill>
+                <a:latin typeface="Arial" panose="020B0604020202020204" pitchFamily="34" charset="0"/>
+                <a:ea typeface="幼圆" pitchFamily="1" charset="-122"/>
+              </a:rPr>
+              <a:t>g. </a:t>
+            </a:r>
+          </a:p>
+          <a:p>
+            <a:pPr algn="just"/>
+            <a:r>
+              <a:rPr lang="en-US" altLang="fr-FR" sz="1000">
+                <a:solidFill>
+                  <a:schemeClr val="bg1"/>
+                </a:solidFill>
+                <a:latin typeface="Calibri" panose="020F0502020204030204" pitchFamily="34" charset="0"/>
+                <a:ea typeface="幼圆" pitchFamily="1" charset="-122"/>
+              </a:rPr>
+              <a:t>Improve security in ridesharing </a:t>
+            </a:r>
+          </a:p>
+          <a:p>
+            <a:endParaRPr lang="en-US" altLang="fr-FR" sz="1000">
+              <a:solidFill>
+                <a:schemeClr val="bg1"/>
+              </a:solidFill>
+              <a:latin typeface="Calibri" panose="020F0502020204030204" pitchFamily="34" charset="0"/>
+              <a:ea typeface="幼圆" pitchFamily="1" charset="-122"/>
+            </a:endParaRPr>
+          </a:p>
+          <a:p>
+            <a:endParaRPr lang="en-US" altLang="fr-FR" sz="800" b="1">
+              <a:solidFill>
+                <a:schemeClr val="bg1"/>
+              </a:solidFill>
+              <a:latin typeface="Calibri" panose="020F0502020204030204" pitchFamily="34" charset="0"/>
+              <a:ea typeface="幼圆" pitchFamily="1" charset="-122"/>
+            </a:endParaRPr>
+          </a:p>
+        </p:txBody>
+      </p:sp>
+      <p:sp>
+        <p:nvSpPr>
+          <p:cNvPr id="3082" name="Freeform 12"/>
+          <p:cNvSpPr>
+            <a:spLocks noChangeArrowheads="1"/>
+          </p:cNvSpPr>
+          <p:nvPr/>
+        </p:nvSpPr>
+        <p:spPr bwMode="auto">
+          <a:xfrm>
+            <a:off x="1144588" y="788988"/>
+            <a:ext cx="563562" cy="539750"/>
+          </a:xfrm>
+          <a:prstGeom prst="ellipse">
+            <a:avLst/>
+          </a:prstGeom>
+          <a:solidFill>
+            <a:schemeClr val="bg1"/>
+          </a:solidFill>
+          <a:ln>
+            <a:noFill/>
+          </a:ln>
+          <a:effectLst>
+            <a:outerShdw dist="23000" dir="5400000" algn="ctr" rotWithShape="0">
+              <a:srgbClr val="000000">
+                <a:alpha val="34000"/>
+              </a:srgbClr>
+            </a:outerShdw>
+          </a:effectLst>
+          <a:extLst>
+            <a:ext uri="{91240B29-F687-4F45-9708-019B960494DF}">
+              <a14:hiddenLine xmlns:a14="http://schemas.microsoft.com/office/drawing/2010/main" w="9525" cap="flat" cmpd="sng">
+                <a:solidFill>
+                  <a:srgbClr val="000000"/>
+                </a:solidFill>
+                <a:bevel/>
+                <a:headEnd/>
+                <a:tailEnd/>
+              </a14:hiddenLine>
+            </a:ext>
+          </a:extLst>
+        </p:spPr>
+        <p:txBody>
+          <a:bodyPr/>
+          <a:lstStyle>
+            <a:lvl1pPr>
+              <a:defRPr>
+                <a:solidFill>
+                  <a:schemeClr val="tx1"/>
+                </a:solidFill>
+                <a:latin typeface="Arial Narrow" panose="020B0606020202030204" pitchFamily="34" charset="0"/>
+                <a:ea typeface="SimSun" panose="02010600030101010101" pitchFamily="2" charset="-122"/>
+              </a:defRPr>
+            </a:lvl1pPr>
+            <a:lvl2pPr marL="742950" indent="-285750">
+              <a:defRPr>
+                <a:solidFill>
+                  <a:schemeClr val="tx1"/>
+                </a:solidFill>
+                <a:latin typeface="Arial Narrow" panose="020B0606020202030204" pitchFamily="34" charset="0"/>
+                <a:ea typeface="SimSun" panose="02010600030101010101" pitchFamily="2" charset="-122"/>
+              </a:defRPr>
+            </a:lvl2pPr>
+            <a:lvl3pPr marL="1143000" indent="-228600">
+              <a:defRPr>
+                <a:solidFill>
+                  <a:schemeClr val="tx1"/>
+                </a:solidFill>
+                <a:latin typeface="Arial Narrow" panose="020B0606020202030204" pitchFamily="34" charset="0"/>
+                <a:ea typeface="SimSun" panose="02010600030101010101" pitchFamily="2" charset="-122"/>
+              </a:defRPr>
+            </a:lvl3pPr>
+            <a:lvl4pPr marL="1600200" indent="-228600">
+              <a:defRPr>
+                <a:solidFill>
+                  <a:schemeClr val="tx1"/>
+                </a:solidFill>
+                <a:latin typeface="Arial Narrow" panose="020B0606020202030204" pitchFamily="34" charset="0"/>
+                <a:ea typeface="SimSun" panose="02010600030101010101" pitchFamily="2" charset="-122"/>
+              </a:defRPr>
+            </a:lvl4pPr>
+            <a:lvl5pPr marL="2057400" indent="-228600">
+              <a:defRPr>
+                <a:solidFill>
+                  <a:schemeClr val="tx1"/>
+                </a:solidFill>
+                <a:latin typeface="Arial Narrow" panose="020B0606020202030204" pitchFamily="34" charset="0"/>
+                <a:ea typeface="SimSun" panose="02010600030101010101" pitchFamily="2" charset="-122"/>
+              </a:defRPr>
+            </a:lvl5pPr>
+            <a:lvl6pPr marL="2514600" indent="-228600" eaLnBrk="0" fontAlgn="base" hangingPunct="0">
+              <a:spcBef>
+                <a:spcPct val="0"/>
+              </a:spcBef>
+              <a:spcAft>
+                <a:spcPct val="0"/>
+              </a:spcAft>
+              <a:buFont typeface="Arial" panose="020B0604020202020204" pitchFamily="34" charset="0"/>
+              <a:defRPr>
+                <a:solidFill>
+                  <a:schemeClr val="tx1"/>
+                </a:solidFill>
+                <a:latin typeface="Arial Narrow" panose="020B0606020202030204" pitchFamily="34" charset="0"/>
+                <a:ea typeface="SimSun" panose="02010600030101010101" pitchFamily="2" charset="-122"/>
+              </a:defRPr>
+            </a:lvl6pPr>
+            <a:lvl7pPr marL="2971800" indent="-228600" eaLnBrk="0" fontAlgn="base" hangingPunct="0">
+              <a:spcBef>
+                <a:spcPct val="0"/>
+              </a:spcBef>
+              <a:spcAft>
+                <a:spcPct val="0"/>
+              </a:spcAft>
+              <a:buFont typeface="Arial" panose="020B0604020202020204" pitchFamily="34" charset="0"/>
+              <a:defRPr>
+                <a:solidFill>
+                  <a:schemeClr val="tx1"/>
+                </a:solidFill>
+                <a:latin typeface="Arial Narrow" panose="020B0606020202030204" pitchFamily="34" charset="0"/>
+                <a:ea typeface="SimSun" panose="02010600030101010101" pitchFamily="2" charset="-122"/>
+              </a:defRPr>
+            </a:lvl7pPr>
+            <a:lvl8pPr marL="3429000" indent="-228600" eaLnBrk="0" fontAlgn="base" hangingPunct="0">
+              <a:spcBef>
+                <a:spcPct val="0"/>
+              </a:spcBef>
+              <a:spcAft>
+                <a:spcPct val="0"/>
+              </a:spcAft>
+              <a:buFont typeface="Arial" panose="020B0604020202020204" pitchFamily="34" charset="0"/>
+              <a:defRPr>
+                <a:solidFill>
+                  <a:schemeClr val="tx1"/>
+                </a:solidFill>
+                <a:latin typeface="Arial Narrow" panose="020B0606020202030204" pitchFamily="34" charset="0"/>
+                <a:ea typeface="SimSun" panose="02010600030101010101" pitchFamily="2" charset="-122"/>
+              </a:defRPr>
+            </a:lvl8pPr>
+            <a:lvl9pPr marL="3886200" indent="-228600" eaLnBrk="0" fontAlgn="base" hangingPunct="0">
+              <a:spcBef>
+                <a:spcPct val="0"/>
+              </a:spcBef>
+              <a:spcAft>
+                <a:spcPct val="0"/>
+              </a:spcAft>
+              <a:buFont typeface="Arial" panose="020B0604020202020204" pitchFamily="34" charset="0"/>
+              <a:defRPr>
+                <a:solidFill>
+                  <a:schemeClr val="tx1"/>
+                </a:solidFill>
+                <a:latin typeface="Arial Narrow" panose="020B0606020202030204" pitchFamily="34" charset="0"/>
+                <a:ea typeface="SimSun" panose="02010600030101010101" pitchFamily="2" charset="-122"/>
+              </a:defRPr>
+            </a:lvl9pPr>
+          </a:lstStyle>
+          <a:p>
+            <a:pPr eaLnBrk="1" hangingPunct="1"/>
+            <a:endParaRPr lang="en-US" altLang="fr-FR">
+              <a:solidFill>
+                <a:srgbClr val="FFFFFF"/>
+              </a:solidFill>
+              <a:ea typeface="Microsoft YaHei" panose="020B0503020204020204" pitchFamily="34" charset="-122"/>
+            </a:endParaRPr>
+          </a:p>
+        </p:txBody>
+      </p:sp>
+      <p:sp>
+        <p:nvSpPr>
+          <p:cNvPr id="3083" name="Freeform 12"/>
+          <p:cNvSpPr>
+            <a:spLocks noChangeArrowheads="1"/>
+          </p:cNvSpPr>
+          <p:nvPr/>
+        </p:nvSpPr>
+        <p:spPr bwMode="auto">
+          <a:xfrm>
+            <a:off x="6229350" y="869950"/>
+            <a:ext cx="563563" cy="541338"/>
+          </a:xfrm>
+          <a:prstGeom prst="ellipse">
+            <a:avLst/>
+          </a:prstGeom>
+          <a:solidFill>
+            <a:schemeClr val="bg1"/>
+          </a:solidFill>
+          <a:ln>
+            <a:noFill/>
+          </a:ln>
+          <a:effectLst>
+            <a:outerShdw dist="23000" dir="5400000" algn="ctr" rotWithShape="0">
+              <a:srgbClr val="000000">
+                <a:alpha val="34000"/>
+              </a:srgbClr>
+            </a:outerShdw>
+          </a:effectLst>
+          <a:extLst>
+            <a:ext uri="{91240B29-F687-4F45-9708-019B960494DF}">
+              <a14:hiddenLine xmlns:a14="http://schemas.microsoft.com/office/drawing/2010/main" w="9525" cap="flat" cmpd="sng">
+                <a:solidFill>
+                  <a:srgbClr val="000000"/>
+                </a:solidFill>
+                <a:miter lim="800000"/>
+                <a:headEnd/>
+                <a:tailEnd/>
+              </a14:hiddenLine>
+            </a:ext>
+          </a:extLst>
+        </p:spPr>
+        <p:txBody>
+          <a:bodyPr/>
+          <a:lstStyle>
+            <a:lvl1pPr>
+              <a:defRPr>
+                <a:solidFill>
+                  <a:schemeClr val="tx1"/>
+                </a:solidFill>
+                <a:latin typeface="Arial Narrow" panose="020B0606020202030204" pitchFamily="34" charset="0"/>
+                <a:ea typeface="SimSun" panose="02010600030101010101" pitchFamily="2" charset="-122"/>
+              </a:defRPr>
+            </a:lvl1pPr>
+            <a:lvl2pPr marL="742950" indent="-285750">
+              <a:defRPr>
+                <a:solidFill>
+                  <a:schemeClr val="tx1"/>
+                </a:solidFill>
+                <a:latin typeface="Arial Narrow" panose="020B0606020202030204" pitchFamily="34" charset="0"/>
+                <a:ea typeface="SimSun" panose="02010600030101010101" pitchFamily="2" charset="-122"/>
+              </a:defRPr>
+            </a:lvl2pPr>
+            <a:lvl3pPr marL="1143000" indent="-228600">
+              <a:defRPr>
+                <a:solidFill>
+                  <a:schemeClr val="tx1"/>
+                </a:solidFill>
+                <a:latin typeface="Arial Narrow" panose="020B0606020202030204" pitchFamily="34" charset="0"/>
+                <a:ea typeface="SimSun" panose="02010600030101010101" pitchFamily="2" charset="-122"/>
+              </a:defRPr>
+            </a:lvl3pPr>
+            <a:lvl4pPr marL="1600200" indent="-228600">
+              <a:defRPr>
+                <a:solidFill>
+                  <a:schemeClr val="tx1"/>
+                </a:solidFill>
+                <a:latin typeface="Arial Narrow" panose="020B0606020202030204" pitchFamily="34" charset="0"/>
+                <a:ea typeface="SimSun" panose="02010600030101010101" pitchFamily="2" charset="-122"/>
+              </a:defRPr>
+            </a:lvl4pPr>
+            <a:lvl5pPr marL="2057400" indent="-228600">
+              <a:defRPr>
+                <a:solidFill>
+                  <a:schemeClr val="tx1"/>
+                </a:solidFill>
+                <a:latin typeface="Arial Narrow" panose="020B0606020202030204" pitchFamily="34" charset="0"/>
+                <a:ea typeface="SimSun" panose="02010600030101010101" pitchFamily="2" charset="-122"/>
+              </a:defRPr>
+            </a:lvl5pPr>
+            <a:lvl6pPr marL="2514600" indent="-228600" eaLnBrk="0" fontAlgn="base" hangingPunct="0">
+              <a:spcBef>
+                <a:spcPct val="0"/>
+              </a:spcBef>
+              <a:spcAft>
+                <a:spcPct val="0"/>
+              </a:spcAft>
+              <a:buFont typeface="Arial" panose="020B0604020202020204" pitchFamily="34" charset="0"/>
+              <a:defRPr>
+                <a:solidFill>
+                  <a:schemeClr val="tx1"/>
+                </a:solidFill>
+                <a:latin typeface="Arial Narrow" panose="020B0606020202030204" pitchFamily="34" charset="0"/>
+                <a:ea typeface="SimSun" panose="02010600030101010101" pitchFamily="2" charset="-122"/>
+              </a:defRPr>
+            </a:lvl6pPr>
+            <a:lvl7pPr marL="2971800" indent="-228600" eaLnBrk="0" fontAlgn="base" hangingPunct="0">
+              <a:spcBef>
+                <a:spcPct val="0"/>
+              </a:spcBef>
+              <a:spcAft>
+                <a:spcPct val="0"/>
+              </a:spcAft>
+              <a:buFont typeface="Arial" panose="020B0604020202020204" pitchFamily="34" charset="0"/>
+              <a:defRPr>
+                <a:solidFill>
+                  <a:schemeClr val="tx1"/>
+                </a:solidFill>
+                <a:latin typeface="Arial Narrow" panose="020B0606020202030204" pitchFamily="34" charset="0"/>
+                <a:ea typeface="SimSun" panose="02010600030101010101" pitchFamily="2" charset="-122"/>
+              </a:defRPr>
+            </a:lvl7pPr>
+            <a:lvl8pPr marL="3429000" indent="-228600" eaLnBrk="0" fontAlgn="base" hangingPunct="0">
+              <a:spcBef>
+                <a:spcPct val="0"/>
+              </a:spcBef>
+              <a:spcAft>
+                <a:spcPct val="0"/>
+              </a:spcAft>
+              <a:buFont typeface="Arial" panose="020B0604020202020204" pitchFamily="34" charset="0"/>
+              <a:defRPr>
+                <a:solidFill>
+                  <a:schemeClr val="tx1"/>
+                </a:solidFill>
+                <a:latin typeface="Arial Narrow" panose="020B0606020202030204" pitchFamily="34" charset="0"/>
+                <a:ea typeface="SimSun" panose="02010600030101010101" pitchFamily="2" charset="-122"/>
+              </a:defRPr>
+            </a:lvl8pPr>
+            <a:lvl9pPr marL="3886200" indent="-228600" eaLnBrk="0" fontAlgn="base" hangingPunct="0">
+              <a:spcBef>
+                <a:spcPct val="0"/>
+              </a:spcBef>
+              <a:spcAft>
+                <a:spcPct val="0"/>
+              </a:spcAft>
+              <a:buFont typeface="Arial" panose="020B0604020202020204" pitchFamily="34" charset="0"/>
+              <a:defRPr>
+                <a:solidFill>
+                  <a:schemeClr val="tx1"/>
+                </a:solidFill>
+                <a:latin typeface="Arial Narrow" panose="020B0606020202030204" pitchFamily="34" charset="0"/>
+                <a:ea typeface="SimSun" panose="02010600030101010101" pitchFamily="2" charset="-122"/>
+              </a:defRPr>
+            </a:lvl9pPr>
+          </a:lstStyle>
+          <a:p>
+            <a:pPr eaLnBrk="1" hangingPunct="1"/>
+            <a:endParaRPr lang="en-US" altLang="fr-FR">
+              <a:solidFill>
+                <a:srgbClr val="FFFFFF"/>
+              </a:solidFill>
+              <a:ea typeface="Microsoft YaHei" panose="020B0503020204020204" pitchFamily="34" charset="-122"/>
+            </a:endParaRPr>
+          </a:p>
+        </p:txBody>
+      </p:sp>
+      <p:sp>
+        <p:nvSpPr>
+          <p:cNvPr id="3084" name="Freeform 12"/>
+          <p:cNvSpPr>
+            <a:spLocks noChangeArrowheads="1"/>
+          </p:cNvSpPr>
+          <p:nvPr/>
+        </p:nvSpPr>
+        <p:spPr bwMode="auto">
+          <a:xfrm>
+            <a:off x="2311400" y="809625"/>
+            <a:ext cx="563563" cy="539750"/>
+          </a:xfrm>
+          <a:prstGeom prst="ellipse">
+            <a:avLst/>
+          </a:prstGeom>
+          <a:solidFill>
+            <a:schemeClr val="bg1"/>
+          </a:solidFill>
+          <a:ln>
+            <a:noFill/>
+          </a:ln>
+          <a:effectLst>
+            <a:outerShdw dist="23000" dir="5400000" algn="ctr" rotWithShape="0">
+              <a:srgbClr val="000000">
+                <a:alpha val="34000"/>
+              </a:srgbClr>
+            </a:outerShdw>
+          </a:effectLst>
+          <a:extLst>
+            <a:ext uri="{91240B29-F687-4F45-9708-019B960494DF}">
+              <a14:hiddenLine xmlns:a14="http://schemas.microsoft.com/office/drawing/2010/main" w="9525" cap="flat" cmpd="sng">
+                <a:solidFill>
+                  <a:srgbClr val="000000"/>
+                </a:solidFill>
+                <a:miter lim="800000"/>
+                <a:headEnd/>
+                <a:tailEnd/>
+              </a14:hiddenLine>
+            </a:ext>
+          </a:extLst>
+        </p:spPr>
+        <p:txBody>
+          <a:bodyPr/>
+          <a:lstStyle>
+            <a:lvl1pPr>
+              <a:defRPr>
+                <a:solidFill>
+                  <a:schemeClr val="tx1"/>
+                </a:solidFill>
+                <a:latin typeface="Arial Narrow" panose="020B0606020202030204" pitchFamily="34" charset="0"/>
+                <a:ea typeface="SimSun" panose="02010600030101010101" pitchFamily="2" charset="-122"/>
+              </a:defRPr>
+            </a:lvl1pPr>
+            <a:lvl2pPr marL="742950" indent="-285750">
+              <a:defRPr>
+                <a:solidFill>
+                  <a:schemeClr val="tx1"/>
+                </a:solidFill>
+                <a:latin typeface="Arial Narrow" panose="020B0606020202030204" pitchFamily="34" charset="0"/>
+                <a:ea typeface="SimSun" panose="02010600030101010101" pitchFamily="2" charset="-122"/>
+              </a:defRPr>
+            </a:lvl2pPr>
+            <a:lvl3pPr marL="1143000" indent="-228600">
+              <a:defRPr>
+                <a:solidFill>
+                  <a:schemeClr val="tx1"/>
+                </a:solidFill>
+                <a:latin typeface="Arial Narrow" panose="020B0606020202030204" pitchFamily="34" charset="0"/>
+                <a:ea typeface="SimSun" panose="02010600030101010101" pitchFamily="2" charset="-122"/>
+              </a:defRPr>
+            </a:lvl3pPr>
+            <a:lvl4pPr marL="1600200" indent="-228600">
+              <a:defRPr>
+                <a:solidFill>
+                  <a:schemeClr val="tx1"/>
+                </a:solidFill>
+                <a:latin typeface="Arial Narrow" panose="020B0606020202030204" pitchFamily="34" charset="0"/>
+                <a:ea typeface="SimSun" panose="02010600030101010101" pitchFamily="2" charset="-122"/>
+              </a:defRPr>
+            </a:lvl4pPr>
+            <a:lvl5pPr marL="2057400" indent="-228600">
+              <a:defRPr>
+                <a:solidFill>
+                  <a:schemeClr val="tx1"/>
+                </a:solidFill>
+                <a:latin typeface="Arial Narrow" panose="020B0606020202030204" pitchFamily="34" charset="0"/>
+                <a:ea typeface="SimSun" panose="02010600030101010101" pitchFamily="2" charset="-122"/>
+              </a:defRPr>
+            </a:lvl5pPr>
+            <a:lvl6pPr marL="2514600" indent="-228600" eaLnBrk="0" fontAlgn="base" hangingPunct="0">
+              <a:spcBef>
+                <a:spcPct val="0"/>
+              </a:spcBef>
+              <a:spcAft>
+                <a:spcPct val="0"/>
+              </a:spcAft>
+              <a:buFont typeface="Arial" panose="020B0604020202020204" pitchFamily="34" charset="0"/>
+              <a:defRPr>
+                <a:solidFill>
+                  <a:schemeClr val="tx1"/>
+                </a:solidFill>
+                <a:latin typeface="Arial Narrow" panose="020B0606020202030204" pitchFamily="34" charset="0"/>
+                <a:ea typeface="SimSun" panose="02010600030101010101" pitchFamily="2" charset="-122"/>
+              </a:defRPr>
+            </a:lvl6pPr>
+            <a:lvl7pPr marL="2971800" indent="-228600" eaLnBrk="0" fontAlgn="base" hangingPunct="0">
+              <a:spcBef>
+                <a:spcPct val="0"/>
+              </a:spcBef>
+              <a:spcAft>
+                <a:spcPct val="0"/>
+              </a:spcAft>
+              <a:buFont typeface="Arial" panose="020B0604020202020204" pitchFamily="34" charset="0"/>
+              <a:defRPr>
+                <a:solidFill>
+                  <a:schemeClr val="tx1"/>
+                </a:solidFill>
+                <a:latin typeface="Arial Narrow" panose="020B0606020202030204" pitchFamily="34" charset="0"/>
+                <a:ea typeface="SimSun" panose="02010600030101010101" pitchFamily="2" charset="-122"/>
+              </a:defRPr>
+            </a:lvl7pPr>
+            <a:lvl8pPr marL="3429000" indent="-228600" eaLnBrk="0" fontAlgn="base" hangingPunct="0">
+              <a:spcBef>
+                <a:spcPct val="0"/>
+              </a:spcBef>
+              <a:spcAft>
+                <a:spcPct val="0"/>
+              </a:spcAft>
+              <a:buFont typeface="Arial" panose="020B0604020202020204" pitchFamily="34" charset="0"/>
+              <a:defRPr>
+                <a:solidFill>
+                  <a:schemeClr val="tx1"/>
+                </a:solidFill>
+                <a:latin typeface="Arial Narrow" panose="020B0606020202030204" pitchFamily="34" charset="0"/>
+                <a:ea typeface="SimSun" panose="02010600030101010101" pitchFamily="2" charset="-122"/>
+              </a:defRPr>
+            </a:lvl8pPr>
+            <a:lvl9pPr marL="3886200" indent="-228600" eaLnBrk="0" fontAlgn="base" hangingPunct="0">
+              <a:spcBef>
+                <a:spcPct val="0"/>
+              </a:spcBef>
+              <a:spcAft>
+                <a:spcPct val="0"/>
+              </a:spcAft>
+              <a:buFont typeface="Arial" panose="020B0604020202020204" pitchFamily="34" charset="0"/>
+              <a:defRPr>
+                <a:solidFill>
+                  <a:schemeClr val="tx1"/>
+                </a:solidFill>
+                <a:latin typeface="Arial Narrow" panose="020B0606020202030204" pitchFamily="34" charset="0"/>
+                <a:ea typeface="SimSun" panose="02010600030101010101" pitchFamily="2" charset="-122"/>
+              </a:defRPr>
+            </a:lvl9pPr>
+          </a:lstStyle>
+          <a:p>
+            <a:pPr eaLnBrk="1" hangingPunct="1"/>
+            <a:endParaRPr lang="en-US" altLang="fr-FR">
+              <a:solidFill>
+                <a:srgbClr val="FFFFFF"/>
+              </a:solidFill>
+              <a:ea typeface="Microsoft YaHei" panose="020B0503020204020204" pitchFamily="34" charset="-122"/>
+            </a:endParaRPr>
+          </a:p>
+        </p:txBody>
+      </p:sp>
+      <p:sp>
+        <p:nvSpPr>
+          <p:cNvPr id="3085" name="Freeform 12"/>
+          <p:cNvSpPr>
+            <a:spLocks noChangeArrowheads="1"/>
+          </p:cNvSpPr>
+          <p:nvPr/>
+        </p:nvSpPr>
+        <p:spPr bwMode="auto">
+          <a:xfrm>
+            <a:off x="4956175" y="796925"/>
+            <a:ext cx="561975" cy="539750"/>
+          </a:xfrm>
+          <a:prstGeom prst="ellipse">
+            <a:avLst/>
+          </a:prstGeom>
+          <a:solidFill>
+            <a:schemeClr val="bg1"/>
+          </a:solidFill>
+          <a:ln>
+            <a:noFill/>
+          </a:ln>
+          <a:effectLst>
+            <a:outerShdw dist="23000" dir="5400000" algn="ctr" rotWithShape="0">
+              <a:srgbClr val="000000">
+                <a:alpha val="34000"/>
+              </a:srgbClr>
+            </a:outerShdw>
+          </a:effectLst>
+          <a:extLst>
+            <a:ext uri="{91240B29-F687-4F45-9708-019B960494DF}">
+              <a14:hiddenLine xmlns:a14="http://schemas.microsoft.com/office/drawing/2010/main" w="9525" cap="flat" cmpd="sng">
+                <a:solidFill>
+                  <a:srgbClr val="000000"/>
+                </a:solidFill>
+                <a:round/>
+                <a:headEnd/>
+                <a:tailEnd/>
+              </a14:hiddenLine>
+            </a:ext>
+          </a:extLst>
+        </p:spPr>
+        <p:txBody>
+          <a:bodyPr/>
+          <a:lstStyle>
+            <a:lvl1pPr>
+              <a:defRPr>
+                <a:solidFill>
+                  <a:schemeClr val="tx1"/>
+                </a:solidFill>
+                <a:latin typeface="Arial Narrow" panose="020B0606020202030204" pitchFamily="34" charset="0"/>
+                <a:ea typeface="SimSun" panose="02010600030101010101" pitchFamily="2" charset="-122"/>
+              </a:defRPr>
+            </a:lvl1pPr>
+            <a:lvl2pPr marL="742950" indent="-285750">
+              <a:defRPr>
+                <a:solidFill>
+                  <a:schemeClr val="tx1"/>
+                </a:solidFill>
+                <a:latin typeface="Arial Narrow" panose="020B0606020202030204" pitchFamily="34" charset="0"/>
+                <a:ea typeface="SimSun" panose="02010600030101010101" pitchFamily="2" charset="-122"/>
+              </a:defRPr>
+            </a:lvl2pPr>
+            <a:lvl3pPr marL="1143000" indent="-228600">
+              <a:defRPr>
+                <a:solidFill>
+                  <a:schemeClr val="tx1"/>
+                </a:solidFill>
+                <a:latin typeface="Arial Narrow" panose="020B0606020202030204" pitchFamily="34" charset="0"/>
+                <a:ea typeface="SimSun" panose="02010600030101010101" pitchFamily="2" charset="-122"/>
+              </a:defRPr>
+            </a:lvl3pPr>
+            <a:lvl4pPr marL="1600200" indent="-228600">
+              <a:defRPr>
+                <a:solidFill>
+                  <a:schemeClr val="tx1"/>
+                </a:solidFill>
+                <a:latin typeface="Arial Narrow" panose="020B0606020202030204" pitchFamily="34" charset="0"/>
+                <a:ea typeface="SimSun" panose="02010600030101010101" pitchFamily="2" charset="-122"/>
+              </a:defRPr>
+            </a:lvl4pPr>
+            <a:lvl5pPr marL="2057400" indent="-228600">
+              <a:defRPr>
+                <a:solidFill>
+                  <a:schemeClr val="tx1"/>
+                </a:solidFill>
+                <a:latin typeface="Arial Narrow" panose="020B0606020202030204" pitchFamily="34" charset="0"/>
+                <a:ea typeface="SimSun" panose="02010600030101010101" pitchFamily="2" charset="-122"/>
+              </a:defRPr>
+            </a:lvl5pPr>
+            <a:lvl6pPr marL="2514600" indent="-228600" eaLnBrk="0" fontAlgn="base" hangingPunct="0">
+              <a:spcBef>
+                <a:spcPct val="0"/>
+              </a:spcBef>
+              <a:spcAft>
+                <a:spcPct val="0"/>
+              </a:spcAft>
+              <a:buFont typeface="Arial" panose="020B0604020202020204" pitchFamily="34" charset="0"/>
+              <a:defRPr>
+                <a:solidFill>
+                  <a:schemeClr val="tx1"/>
+                </a:solidFill>
+                <a:latin typeface="Arial Narrow" panose="020B0606020202030204" pitchFamily="34" charset="0"/>
+                <a:ea typeface="SimSun" panose="02010600030101010101" pitchFamily="2" charset="-122"/>
+              </a:defRPr>
+            </a:lvl6pPr>
+            <a:lvl7pPr marL="2971800" indent="-228600" eaLnBrk="0" fontAlgn="base" hangingPunct="0">
+              <a:spcBef>
+                <a:spcPct val="0"/>
+              </a:spcBef>
+              <a:spcAft>
+                <a:spcPct val="0"/>
+              </a:spcAft>
+              <a:buFont typeface="Arial" panose="020B0604020202020204" pitchFamily="34" charset="0"/>
+              <a:defRPr>
+                <a:solidFill>
+                  <a:schemeClr val="tx1"/>
+                </a:solidFill>
+                <a:latin typeface="Arial Narrow" panose="020B0606020202030204" pitchFamily="34" charset="0"/>
+                <a:ea typeface="SimSun" panose="02010600030101010101" pitchFamily="2" charset="-122"/>
+              </a:defRPr>
+            </a:lvl7pPr>
+            <a:lvl8pPr marL="3429000" indent="-228600" eaLnBrk="0" fontAlgn="base" hangingPunct="0">
+              <a:spcBef>
+                <a:spcPct val="0"/>
+              </a:spcBef>
+              <a:spcAft>
+                <a:spcPct val="0"/>
+              </a:spcAft>
+              <a:buFont typeface="Arial" panose="020B0604020202020204" pitchFamily="34" charset="0"/>
+              <a:defRPr>
+                <a:solidFill>
+                  <a:schemeClr val="tx1"/>
+                </a:solidFill>
+                <a:latin typeface="Arial Narrow" panose="020B0606020202030204" pitchFamily="34" charset="0"/>
+                <a:ea typeface="SimSun" panose="02010600030101010101" pitchFamily="2" charset="-122"/>
+              </a:defRPr>
+            </a:lvl8pPr>
+            <a:lvl9pPr marL="3886200" indent="-228600" eaLnBrk="0" fontAlgn="base" hangingPunct="0">
+              <a:spcBef>
+                <a:spcPct val="0"/>
+              </a:spcBef>
+              <a:spcAft>
+                <a:spcPct val="0"/>
+              </a:spcAft>
+              <a:buFont typeface="Arial" panose="020B0604020202020204" pitchFamily="34" charset="0"/>
+              <a:defRPr>
+                <a:solidFill>
+                  <a:schemeClr val="tx1"/>
+                </a:solidFill>
+                <a:latin typeface="Arial Narrow" panose="020B0606020202030204" pitchFamily="34" charset="0"/>
+                <a:ea typeface="SimSun" panose="02010600030101010101" pitchFamily="2" charset="-122"/>
+              </a:defRPr>
+            </a:lvl9pPr>
+          </a:lstStyle>
+          <a:p>
+            <a:pPr eaLnBrk="1" hangingPunct="1"/>
+            <a:endParaRPr lang="en-US" altLang="fr-FR">
+              <a:solidFill>
+                <a:srgbClr val="FFFFFF"/>
+              </a:solidFill>
+              <a:ea typeface="Microsoft YaHei" panose="020B0503020204020204" pitchFamily="34" charset="-122"/>
+            </a:endParaRPr>
+          </a:p>
+        </p:txBody>
+      </p:sp>
+      <p:sp>
+        <p:nvSpPr>
+          <p:cNvPr id="3086" name="AutoShape 14"/>
+          <p:cNvSpPr>
+            <a:spLocks noChangeArrowheads="1"/>
+          </p:cNvSpPr>
+          <p:nvPr/>
+        </p:nvSpPr>
+        <p:spPr bwMode="auto">
+          <a:xfrm rot="240000">
+            <a:off x="1335088" y="749300"/>
+            <a:ext cx="1560512" cy="471488"/>
+          </a:xfrm>
+          <a:prstGeom prst="curvedDownArrow">
+            <a:avLst>
+              <a:gd name="adj1" fmla="val 58442"/>
+              <a:gd name="adj2" fmla="val 108793"/>
+              <a:gd name="adj3" fmla="val 41106"/>
+            </a:avLst>
+          </a:prstGeom>
+          <a:solidFill>
+            <a:schemeClr val="accent1"/>
+          </a:solidFill>
+          <a:ln w="9525" cmpd="sng">
+            <a:solidFill>
+              <a:schemeClr val="tx2"/>
+            </a:solidFill>
+            <a:miter lim="800000"/>
+            <a:headEnd/>
+            <a:tailEnd/>
+          </a:ln>
+          <a:effectLst/>
+          <a:extLst>
+            <a:ext uri="{AF507438-7753-43E0-B8FC-AC1667EBCBE1}">
+              <a14:hiddenEffects xmlns:a14="http://schemas.microsoft.com/office/drawing/2010/main">
+                <a:effectLst>
+                  <a:outerShdw dist="35921" dir="2700000" algn="ctr" rotWithShape="0">
+                    <a:schemeClr val="bg2"/>
+                  </a:outerShdw>
+                </a:effectLst>
+              </a14:hiddenEffects>
+            </a:ext>
+          </a:extLst>
+        </p:spPr>
+        <p:txBody>
+          <a:bodyPr anchor="ctr"/>
+          <a:lstStyle/>
+          <a:p>
+            <a:endParaRPr lang="fr-FR"/>
+          </a:p>
+        </p:txBody>
+      </p:sp>
+      <p:sp>
+        <p:nvSpPr>
+          <p:cNvPr id="3087" name="AutoShape 15"/>
+          <p:cNvSpPr>
+            <a:spLocks noChangeArrowheads="1"/>
+          </p:cNvSpPr>
+          <p:nvPr/>
+        </p:nvSpPr>
+        <p:spPr bwMode="auto">
+          <a:xfrm rot="240000">
+            <a:off x="5083175" y="730250"/>
+            <a:ext cx="1708150" cy="471488"/>
+          </a:xfrm>
+          <a:prstGeom prst="curvedDownArrow">
+            <a:avLst>
+              <a:gd name="adj1" fmla="val 63971"/>
+              <a:gd name="adj2" fmla="val 119086"/>
+              <a:gd name="adj3" fmla="val 41106"/>
+            </a:avLst>
+          </a:prstGeom>
+          <a:solidFill>
+            <a:schemeClr val="accent1"/>
+          </a:solidFill>
+          <a:ln w="9525" cap="flat" cmpd="sng">
+            <a:solidFill>
+              <a:schemeClr val="tx2"/>
+            </a:solidFill>
+            <a:miter lim="800000"/>
+            <a:headEnd/>
+            <a:tailEnd/>
+          </a:ln>
+          <a:effectLst/>
+          <a:extLst>
+            <a:ext uri="{AF507438-7753-43E0-B8FC-AC1667EBCBE1}">
+              <a14:hiddenEffects xmlns:a14="http://schemas.microsoft.com/office/drawing/2010/main">
+                <a:effectLst>
+                  <a:outerShdw dist="35921" dir="2700000" algn="ctr" rotWithShape="0">
+                    <a:schemeClr val="bg2"/>
+                  </a:outerShdw>
+                </a:effectLst>
+              </a14:hiddenEffects>
+            </a:ext>
+          </a:extLst>
+        </p:spPr>
+        <p:txBody>
+          <a:bodyPr anchor="ctr"/>
+          <a:lstStyle/>
+          <a:p>
+            <a:endParaRPr lang="fr-FR"/>
+          </a:p>
+        </p:txBody>
+      </p:sp>
+      <p:sp>
+        <p:nvSpPr>
+          <p:cNvPr id="3088" name="Line 16"/>
+          <p:cNvSpPr>
+            <a:spLocks noChangeShapeType="1"/>
+          </p:cNvSpPr>
+          <p:nvPr/>
+        </p:nvSpPr>
+        <p:spPr bwMode="auto">
+          <a:xfrm>
+            <a:off x="4448175" y="2009775"/>
+            <a:ext cx="12700" cy="3036888"/>
+          </a:xfrm>
+          <a:prstGeom prst="line">
+            <a:avLst/>
+          </a:prstGeom>
+          <a:noFill/>
+          <a:ln w="9525" cmpd="sng">
+            <a:solidFill>
+              <a:schemeClr val="bg1"/>
+            </a:solidFill>
+            <a:round/>
+            <a:headEnd/>
+            <a:tailEnd/>
+          </a:ln>
+          <a:effectLst/>
+          <a:extLst>
+            <a:ext uri="{909E8E84-426E-40DD-AFC4-6F175D3DCCD1}">
+              <a14:hiddenFill xmlns:a14="http://schemas.microsoft.com/office/drawing/2010/main">
+                <a:noFill/>
+              </a14:hiddenFill>
+            </a:ext>
+            <a:ext uri="{AF507438-7753-43E0-B8FC-AC1667EBCBE1}">
+              <a14:hiddenEffects xmlns:a14="http://schemas.microsoft.com/office/drawing/2010/main">
+                <a:effectLst>
+                  <a:outerShdw dist="35921" dir="2700000" algn="ctr" rotWithShape="0">
+                    <a:schemeClr val="bg2"/>
+                  </a:outerShdw>
+                </a:effectLst>
+              </a14:hiddenEffects>
+            </a:ext>
+          </a:extLst>
+        </p:spPr>
         <p:txBody>
           <a:bodyPr/>
           <a:lstStyle/>
           <a:p>
-            <a:r>
-              <a:rPr lang="fr-FR" dirty="0" err="1" smtClean="0"/>
-              <a:t>Logic</a:t>
-            </a:r>
-            <a:r>
-              <a:rPr lang="fr-FR" dirty="0" smtClean="0"/>
-              <a:t> Model</a:t>
-            </a:r>
-            <a:endParaRPr lang="fr-FR" dirty="0"/>
+            <a:endParaRPr lang="fr-FR"/>
           </a:p>
         </p:txBody>
       </p:sp>
-      <p:pic>
-        <p:nvPicPr>
-          <p:cNvPr id="7" name="Content Placeholder 6"/>
-          <p:cNvPicPr>
-            <a:picLocks noGrp="1" noChangeAspect="1"/>
-          </p:cNvPicPr>
-          <p:nvPr>
-            <p:ph idx="1"/>
-          </p:nvPr>
-        </p:nvPicPr>
-        <p:blipFill>
-          <a:blip r:embed="rId2"/>
-          <a:stretch>
-            <a:fillRect/>
-          </a:stretch>
-        </p:blipFill>
-        <p:spPr>
+      <p:sp>
+        <p:nvSpPr>
+          <p:cNvPr id="3089" name="Text Box 17"/>
+          <p:cNvSpPr txBox="1">
+            <a:spLocks noChangeArrowheads="1"/>
+          </p:cNvSpPr>
+          <p:nvPr/>
+        </p:nvSpPr>
+        <p:spPr bwMode="auto">
           <a:xfrm>
-            <a:off x="712788" y="3187330"/>
-            <a:ext cx="7716837" cy="3037627"/>
+            <a:off x="104775" y="857250"/>
+            <a:ext cx="1054100" cy="365125"/>
           </a:xfrm>
           <a:prstGeom prst="rect">
             <a:avLst/>
           </a:prstGeom>
+          <a:noFill/>
+          <a:ln>
+            <a:noFill/>
+          </a:ln>
+          <a:extLst>
+            <a:ext uri="{909E8E84-426E-40DD-AFC4-6F175D3DCCD1}">
+              <a14:hiddenFill xmlns:a14="http://schemas.microsoft.com/office/drawing/2010/main">
+                <a:solidFill>
+                  <a:srgbClr val="FFFFFF"/>
+                </a:solidFill>
+              </a14:hiddenFill>
+            </a:ext>
+            <a:ext uri="{91240B29-F687-4F45-9708-019B960494DF}">
+              <a14:hiddenLine xmlns:a14="http://schemas.microsoft.com/office/drawing/2010/main" w="9525">
+                <a:solidFill>
+                  <a:srgbClr val="000000"/>
+                </a:solidFill>
+                <a:miter lim="800000"/>
+                <a:headEnd/>
+                <a:tailEnd/>
+              </a14:hiddenLine>
+            </a:ext>
+          </a:extLst>
         </p:spPr>
-      </p:pic>
+        <p:txBody>
+          <a:bodyPr>
+            <a:spAutoFit/>
+          </a:bodyPr>
+          <a:lstStyle/>
+          <a:p>
+            <a:r>
+              <a:rPr lang="es-ES" altLang="en-US" b="1" u="sng">
+                <a:solidFill>
+                  <a:schemeClr val="bg1"/>
+                </a:solidFill>
+                <a:latin typeface="Arial" panose="020B0604020202020204" pitchFamily="34" charset="0"/>
+              </a:rPr>
+              <a:t>INPUTS</a:t>
+            </a:r>
+          </a:p>
+        </p:txBody>
+      </p:sp>
+      <p:sp>
+        <p:nvSpPr>
+          <p:cNvPr id="3090" name="Text Box 18"/>
+          <p:cNvSpPr txBox="1">
+            <a:spLocks noChangeArrowheads="1"/>
+          </p:cNvSpPr>
+          <p:nvPr/>
+        </p:nvSpPr>
+        <p:spPr bwMode="auto">
+          <a:xfrm>
+            <a:off x="3281363" y="871538"/>
+            <a:ext cx="1447800" cy="366712"/>
+          </a:xfrm>
+          <a:prstGeom prst="rect">
+            <a:avLst/>
+          </a:prstGeom>
+          <a:noFill/>
+          <a:ln>
+            <a:noFill/>
+          </a:ln>
+          <a:effectLst/>
+          <a:extLst>
+            <a:ext uri="{909E8E84-426E-40DD-AFC4-6F175D3DCCD1}">
+              <a14:hiddenFill xmlns:a14="http://schemas.microsoft.com/office/drawing/2010/main">
+                <a:solidFill>
+                  <a:srgbClr val="FFFFFF"/>
+                </a:solidFill>
+              </a14:hiddenFill>
+            </a:ext>
+            <a:ext uri="{91240B29-F687-4F45-9708-019B960494DF}">
+              <a14:hiddenLine xmlns:a14="http://schemas.microsoft.com/office/drawing/2010/main" w="9525" cap="flat" cmpd="sng">
+                <a:solidFill>
+                  <a:srgbClr val="000000"/>
+                </a:solidFill>
+                <a:bevel/>
+                <a:headEnd/>
+                <a:tailEnd/>
+              </a14:hiddenLine>
+            </a:ext>
+            <a:ext uri="{AF507438-7753-43E0-B8FC-AC1667EBCBE1}">
+              <a14:hiddenEffects xmlns:a14="http://schemas.microsoft.com/office/drawing/2010/main">
+                <a:effectLst>
+                  <a:outerShdw dist="35921" dir="2700000" algn="ctr" rotWithShape="0">
+                    <a:srgbClr val="808080"/>
+                  </a:outerShdw>
+                </a:effectLst>
+              </a14:hiddenEffects>
+            </a:ext>
+          </a:extLst>
+        </p:spPr>
+        <p:txBody>
+          <a:bodyPr>
+            <a:spAutoFit/>
+          </a:bodyPr>
+          <a:lstStyle/>
+          <a:p>
+            <a:r>
+              <a:rPr lang="es-ES" altLang="en-US" b="1" u="sng">
+                <a:solidFill>
+                  <a:schemeClr val="bg1"/>
+                </a:solidFill>
+              </a:rPr>
+              <a:t>OUTPUTS</a:t>
+            </a:r>
+          </a:p>
+        </p:txBody>
+      </p:sp>
+      <p:sp>
+        <p:nvSpPr>
+          <p:cNvPr id="3091" name="Text Box 19"/>
+          <p:cNvSpPr txBox="1">
+            <a:spLocks noChangeArrowheads="1"/>
+          </p:cNvSpPr>
+          <p:nvPr/>
+        </p:nvSpPr>
+        <p:spPr bwMode="auto">
+          <a:xfrm>
+            <a:off x="7077075" y="942975"/>
+            <a:ext cx="1657350" cy="365125"/>
+          </a:xfrm>
+          <a:prstGeom prst="rect">
+            <a:avLst/>
+          </a:prstGeom>
+          <a:noFill/>
+          <a:ln>
+            <a:noFill/>
+          </a:ln>
+          <a:effectLst/>
+          <a:extLst>
+            <a:ext uri="{909E8E84-426E-40DD-AFC4-6F175D3DCCD1}">
+              <a14:hiddenFill xmlns:a14="http://schemas.microsoft.com/office/drawing/2010/main">
+                <a:solidFill>
+                  <a:srgbClr val="FFFFFF"/>
+                </a:solidFill>
+              </a14:hiddenFill>
+            </a:ext>
+            <a:ext uri="{91240B29-F687-4F45-9708-019B960494DF}">
+              <a14:hiddenLine xmlns:a14="http://schemas.microsoft.com/office/drawing/2010/main" w="9525" cap="flat" cmpd="sng">
+                <a:solidFill>
+                  <a:srgbClr val="000000"/>
+                </a:solidFill>
+                <a:miter lim="800000"/>
+                <a:headEnd/>
+                <a:tailEnd/>
+              </a14:hiddenLine>
+            </a:ext>
+            <a:ext uri="{AF507438-7753-43E0-B8FC-AC1667EBCBE1}">
+              <a14:hiddenEffects xmlns:a14="http://schemas.microsoft.com/office/drawing/2010/main">
+                <a:effectLst>
+                  <a:outerShdw dist="35921" dir="2700000" algn="ctr" rotWithShape="0">
+                    <a:srgbClr val="808080"/>
+                  </a:outerShdw>
+                </a:effectLst>
+              </a14:hiddenEffects>
+            </a:ext>
+          </a:extLst>
+        </p:spPr>
+        <p:txBody>
+          <a:bodyPr>
+            <a:spAutoFit/>
+          </a:bodyPr>
+          <a:lstStyle/>
+          <a:p>
+            <a:r>
+              <a:rPr lang="es-ES" altLang="en-US" b="1" u="sng">
+                <a:solidFill>
+                  <a:schemeClr val="bg1"/>
+                </a:solidFill>
+              </a:rPr>
+              <a:t>OUTCOMES</a:t>
+            </a:r>
+          </a:p>
+        </p:txBody>
+      </p:sp>
+      <p:sp>
+        <p:nvSpPr>
+          <p:cNvPr id="3092" name="Прямоугольник 47"/>
+          <p:cNvSpPr>
+            <a:spLocks noChangeArrowheads="1"/>
+          </p:cNvSpPr>
+          <p:nvPr/>
+        </p:nvSpPr>
+        <p:spPr bwMode="auto">
+          <a:xfrm>
+            <a:off x="5991225" y="5413375"/>
+            <a:ext cx="2855913" cy="1382713"/>
+          </a:xfrm>
+          <a:prstGeom prst="roundRect">
+            <a:avLst>
+              <a:gd name="adj" fmla="val 16667"/>
+            </a:avLst>
+          </a:prstGeom>
+          <a:solidFill>
+            <a:srgbClr val="FFD44B"/>
+          </a:solidFill>
+          <a:ln>
+            <a:noFill/>
+          </a:ln>
+          <a:effectLst/>
+          <a:extLst>
+            <a:ext uri="{91240B29-F687-4F45-9708-019B960494DF}">
+              <a14:hiddenLine xmlns:a14="http://schemas.microsoft.com/office/drawing/2010/main" w="9525" cap="flat" cmpd="sng">
+                <a:solidFill>
+                  <a:srgbClr val="000000"/>
+                </a:solidFill>
+                <a:bevel/>
+                <a:headEnd/>
+                <a:tailEnd/>
+              </a14:hiddenLine>
+            </a:ext>
+            <a:ext uri="{AF507438-7753-43E0-B8FC-AC1667EBCBE1}">
+              <a14:hiddenEffects xmlns:a14="http://schemas.microsoft.com/office/drawing/2010/main">
+                <a:effectLst>
+                  <a:outerShdw dist="35921" dir="2700000" algn="ctr" rotWithShape="0">
+                    <a:srgbClr val="808080"/>
+                  </a:outerShdw>
+                </a:effectLst>
+              </a14:hiddenEffects>
+            </a:ext>
+          </a:extLst>
+        </p:spPr>
+        <p:txBody>
+          <a:bodyPr lIns="1548000" tIns="0" rIns="108000" bIns="0" anchor="ctr"/>
+          <a:lstStyle>
+            <a:lvl1pPr>
+              <a:defRPr>
+                <a:solidFill>
+                  <a:schemeClr val="tx1"/>
+                </a:solidFill>
+                <a:latin typeface="Arial Narrow" panose="020B0606020202030204" pitchFamily="34" charset="0"/>
+                <a:ea typeface="SimSun" panose="02010600030101010101" pitchFamily="2" charset="-122"/>
+              </a:defRPr>
+            </a:lvl1pPr>
+            <a:lvl2pPr marL="742950" indent="-285750">
+              <a:defRPr>
+                <a:solidFill>
+                  <a:schemeClr val="tx1"/>
+                </a:solidFill>
+                <a:latin typeface="Arial Narrow" panose="020B0606020202030204" pitchFamily="34" charset="0"/>
+                <a:ea typeface="SimSun" panose="02010600030101010101" pitchFamily="2" charset="-122"/>
+              </a:defRPr>
+            </a:lvl2pPr>
+            <a:lvl3pPr marL="1143000" indent="-228600">
+              <a:defRPr>
+                <a:solidFill>
+                  <a:schemeClr val="tx1"/>
+                </a:solidFill>
+                <a:latin typeface="Arial Narrow" panose="020B0606020202030204" pitchFamily="34" charset="0"/>
+                <a:ea typeface="SimSun" panose="02010600030101010101" pitchFamily="2" charset="-122"/>
+              </a:defRPr>
+            </a:lvl3pPr>
+            <a:lvl4pPr marL="1600200" indent="-228600">
+              <a:defRPr>
+                <a:solidFill>
+                  <a:schemeClr val="tx1"/>
+                </a:solidFill>
+                <a:latin typeface="Arial Narrow" panose="020B0606020202030204" pitchFamily="34" charset="0"/>
+                <a:ea typeface="SimSun" panose="02010600030101010101" pitchFamily="2" charset="-122"/>
+              </a:defRPr>
+            </a:lvl4pPr>
+            <a:lvl5pPr marL="2057400" indent="-228600">
+              <a:defRPr>
+                <a:solidFill>
+                  <a:schemeClr val="tx1"/>
+                </a:solidFill>
+                <a:latin typeface="Arial Narrow" panose="020B0606020202030204" pitchFamily="34" charset="0"/>
+                <a:ea typeface="SimSun" panose="02010600030101010101" pitchFamily="2" charset="-122"/>
+              </a:defRPr>
+            </a:lvl5pPr>
+            <a:lvl6pPr marL="2514600" indent="-228600" eaLnBrk="0" fontAlgn="base" hangingPunct="0">
+              <a:spcBef>
+                <a:spcPct val="0"/>
+              </a:spcBef>
+              <a:spcAft>
+                <a:spcPct val="0"/>
+              </a:spcAft>
+              <a:buFont typeface="Arial" panose="020B0604020202020204" pitchFamily="34" charset="0"/>
+              <a:defRPr>
+                <a:solidFill>
+                  <a:schemeClr val="tx1"/>
+                </a:solidFill>
+                <a:latin typeface="Arial Narrow" panose="020B0606020202030204" pitchFamily="34" charset="0"/>
+                <a:ea typeface="SimSun" panose="02010600030101010101" pitchFamily="2" charset="-122"/>
+              </a:defRPr>
+            </a:lvl6pPr>
+            <a:lvl7pPr marL="2971800" indent="-228600" eaLnBrk="0" fontAlgn="base" hangingPunct="0">
+              <a:spcBef>
+                <a:spcPct val="0"/>
+              </a:spcBef>
+              <a:spcAft>
+                <a:spcPct val="0"/>
+              </a:spcAft>
+              <a:buFont typeface="Arial" panose="020B0604020202020204" pitchFamily="34" charset="0"/>
+              <a:defRPr>
+                <a:solidFill>
+                  <a:schemeClr val="tx1"/>
+                </a:solidFill>
+                <a:latin typeface="Arial Narrow" panose="020B0606020202030204" pitchFamily="34" charset="0"/>
+                <a:ea typeface="SimSun" panose="02010600030101010101" pitchFamily="2" charset="-122"/>
+              </a:defRPr>
+            </a:lvl7pPr>
+            <a:lvl8pPr marL="3429000" indent="-228600" eaLnBrk="0" fontAlgn="base" hangingPunct="0">
+              <a:spcBef>
+                <a:spcPct val="0"/>
+              </a:spcBef>
+              <a:spcAft>
+                <a:spcPct val="0"/>
+              </a:spcAft>
+              <a:buFont typeface="Arial" panose="020B0604020202020204" pitchFamily="34" charset="0"/>
+              <a:defRPr>
+                <a:solidFill>
+                  <a:schemeClr val="tx1"/>
+                </a:solidFill>
+                <a:latin typeface="Arial Narrow" panose="020B0606020202030204" pitchFamily="34" charset="0"/>
+                <a:ea typeface="SimSun" panose="02010600030101010101" pitchFamily="2" charset="-122"/>
+              </a:defRPr>
+            </a:lvl8pPr>
+            <a:lvl9pPr marL="3886200" indent="-228600" eaLnBrk="0" fontAlgn="base" hangingPunct="0">
+              <a:spcBef>
+                <a:spcPct val="0"/>
+              </a:spcBef>
+              <a:spcAft>
+                <a:spcPct val="0"/>
+              </a:spcAft>
+              <a:buFont typeface="Arial" panose="020B0604020202020204" pitchFamily="34" charset="0"/>
+              <a:defRPr>
+                <a:solidFill>
+                  <a:schemeClr val="tx1"/>
+                </a:solidFill>
+                <a:latin typeface="Arial Narrow" panose="020B0606020202030204" pitchFamily="34" charset="0"/>
+                <a:ea typeface="SimSun" panose="02010600030101010101" pitchFamily="2" charset="-122"/>
+              </a:defRPr>
+            </a:lvl9pPr>
+          </a:lstStyle>
+          <a:p>
+            <a:pPr algn="r" eaLnBrk="1" hangingPunct="1">
+              <a:lnSpc>
+                <a:spcPct val="130000"/>
+              </a:lnSpc>
+            </a:pPr>
+            <a:endParaRPr lang="en-US" altLang="fr-FR" sz="1600">
+              <a:solidFill>
+                <a:schemeClr val="bg1"/>
+              </a:solidFill>
+              <a:latin typeface="幼圆" pitchFamily="1" charset="-122"/>
+              <a:ea typeface="幼圆" pitchFamily="1" charset="-122"/>
+            </a:endParaRPr>
+          </a:p>
+        </p:txBody>
+      </p:sp>
+      <p:sp>
+        <p:nvSpPr>
+          <p:cNvPr id="3093" name="Text Box 21"/>
+          <p:cNvSpPr txBox="1">
+            <a:spLocks noChangeArrowheads="1"/>
+          </p:cNvSpPr>
+          <p:nvPr/>
+        </p:nvSpPr>
+        <p:spPr bwMode="auto">
+          <a:xfrm>
+            <a:off x="6130925" y="5481638"/>
+            <a:ext cx="2925763" cy="1066800"/>
+          </a:xfrm>
+          <a:prstGeom prst="rect">
+            <a:avLst/>
+          </a:prstGeom>
+          <a:noFill/>
+          <a:ln>
+            <a:noFill/>
+          </a:ln>
+          <a:effectLst/>
+          <a:extLst>
+            <a:ext uri="{909E8E84-426E-40DD-AFC4-6F175D3DCCD1}">
+              <a14:hiddenFill xmlns:a14="http://schemas.microsoft.com/office/drawing/2010/main">
+                <a:solidFill>
+                  <a:srgbClr val="FFFFFF"/>
+                </a:solidFill>
+              </a14:hiddenFill>
+            </a:ext>
+            <a:ext uri="{91240B29-F687-4F45-9708-019B960494DF}">
+              <a14:hiddenLine xmlns:a14="http://schemas.microsoft.com/office/drawing/2010/main" w="9525" cap="flat" cmpd="sng">
+                <a:solidFill>
+                  <a:srgbClr val="000000"/>
+                </a:solidFill>
+                <a:bevel/>
+                <a:headEnd/>
+                <a:tailEnd/>
+              </a14:hiddenLine>
+            </a:ext>
+            <a:ext uri="{AF507438-7753-43E0-B8FC-AC1667EBCBE1}">
+              <a14:hiddenEffects xmlns:a14="http://schemas.microsoft.com/office/drawing/2010/main">
+                <a:effectLst>
+                  <a:outerShdw dist="35921" dir="2700000" algn="ctr" rotWithShape="0">
+                    <a:srgbClr val="808080"/>
+                  </a:outerShdw>
+                </a:effectLst>
+              </a14:hiddenEffects>
+            </a:ext>
+          </a:extLst>
+        </p:spPr>
+        <p:txBody>
+          <a:bodyPr>
+            <a:spAutoFit/>
+          </a:bodyPr>
+          <a:lstStyle/>
+          <a:p>
+            <a:r>
+              <a:rPr lang="es-ES" altLang="en-US" sz="1200" b="1" u="sng">
+                <a:solidFill>
+                  <a:schemeClr val="bg1"/>
+                </a:solidFill>
+              </a:rPr>
+              <a:t>EXTERNAL FACTORS</a:t>
+            </a:r>
+          </a:p>
+          <a:p>
+            <a:endParaRPr lang="es-ES" altLang="en-US" sz="1200">
+              <a:solidFill>
+                <a:schemeClr val="bg1"/>
+              </a:solidFill>
+            </a:endParaRPr>
+          </a:p>
+          <a:p>
+            <a:r>
+              <a:rPr lang="es-ES" altLang="en-US" sz="1000">
+                <a:solidFill>
+                  <a:schemeClr val="bg1"/>
+                </a:solidFill>
+              </a:rPr>
+              <a:t>Government laws</a:t>
+            </a:r>
+          </a:p>
+          <a:p>
+            <a:r>
+              <a:rPr lang="es-ES" altLang="en-US" sz="1000">
+                <a:solidFill>
+                  <a:schemeClr val="bg1"/>
+                </a:solidFill>
+              </a:rPr>
+              <a:t>Public transportation</a:t>
+            </a:r>
+          </a:p>
+          <a:p>
+            <a:r>
+              <a:rPr lang="es-ES" altLang="en-US" sz="1000">
+                <a:solidFill>
+                  <a:schemeClr val="bg1"/>
+                </a:solidFill>
+              </a:rPr>
+              <a:t>Price of energy</a:t>
+            </a:r>
+          </a:p>
+          <a:p>
+            <a:r>
+              <a:rPr lang="es-ES" altLang="en-US" sz="1000">
+                <a:solidFill>
+                  <a:schemeClr val="bg1"/>
+                </a:solidFill>
+              </a:rPr>
+              <a:t>Security</a:t>
+            </a:r>
+          </a:p>
+        </p:txBody>
+      </p:sp>
+      <p:sp>
+        <p:nvSpPr>
+          <p:cNvPr id="3094" name="Text Box 22"/>
+          <p:cNvSpPr txBox="1">
+            <a:spLocks noChangeArrowheads="1"/>
+          </p:cNvSpPr>
+          <p:nvPr/>
+        </p:nvSpPr>
+        <p:spPr bwMode="auto">
+          <a:xfrm>
+            <a:off x="317500" y="5594350"/>
+            <a:ext cx="5351463" cy="914400"/>
+          </a:xfrm>
+          <a:prstGeom prst="rect">
+            <a:avLst/>
+          </a:prstGeom>
+          <a:noFill/>
+          <a:ln>
+            <a:noFill/>
+          </a:ln>
+          <a:effectLst/>
+          <a:extLst>
+            <a:ext uri="{909E8E84-426E-40DD-AFC4-6F175D3DCCD1}">
+              <a14:hiddenFill xmlns:a14="http://schemas.microsoft.com/office/drawing/2010/main">
+                <a:solidFill>
+                  <a:srgbClr val="FFFFFF"/>
+                </a:solidFill>
+              </a14:hiddenFill>
+            </a:ext>
+            <a:ext uri="{91240B29-F687-4F45-9708-019B960494DF}">
+              <a14:hiddenLine xmlns:a14="http://schemas.microsoft.com/office/drawing/2010/main" w="9525" cap="flat" cmpd="sng">
+                <a:solidFill>
+                  <a:srgbClr val="000000"/>
+                </a:solidFill>
+                <a:miter lim="800000"/>
+                <a:headEnd/>
+                <a:tailEnd/>
+              </a14:hiddenLine>
+            </a:ext>
+            <a:ext uri="{AF507438-7753-43E0-B8FC-AC1667EBCBE1}">
+              <a14:hiddenEffects xmlns:a14="http://schemas.microsoft.com/office/drawing/2010/main">
+                <a:effectLst>
+                  <a:outerShdw dist="35921" dir="2700000" algn="ctr" rotWithShape="0">
+                    <a:srgbClr val="808080"/>
+                  </a:outerShdw>
+                </a:effectLst>
+              </a14:hiddenEffects>
+            </a:ext>
+          </a:extLst>
+        </p:spPr>
+        <p:txBody>
+          <a:bodyPr>
+            <a:spAutoFit/>
+          </a:bodyPr>
+          <a:lstStyle/>
+          <a:p>
+            <a:r>
+              <a:rPr lang="es-ES" altLang="en-US" sz="1200" b="1" u="sng">
+                <a:solidFill>
+                  <a:schemeClr val="bg1"/>
+                </a:solidFill>
+              </a:rPr>
+              <a:t>ASSUMPTIONS</a:t>
+            </a:r>
+          </a:p>
+          <a:p>
+            <a:endParaRPr lang="es-ES" altLang="en-US" sz="1200" b="1">
+              <a:solidFill>
+                <a:schemeClr val="bg1"/>
+              </a:solidFill>
+            </a:endParaRPr>
+          </a:p>
+          <a:p>
+            <a:r>
+              <a:rPr lang="es-ES" altLang="en-US" sz="1000">
+                <a:solidFill>
+                  <a:schemeClr val="bg1"/>
+                </a:solidFill>
+              </a:rPr>
+              <a:t>External analysis report</a:t>
+            </a:r>
+          </a:p>
+          <a:p>
+            <a:endParaRPr lang="es-ES" altLang="en-US" sz="1000">
+              <a:solidFill>
+                <a:schemeClr val="bg1"/>
+              </a:solidFill>
+            </a:endParaRPr>
+          </a:p>
+          <a:p>
+            <a:r>
+              <a:rPr lang="es-ES" altLang="en-US" sz="1000">
+                <a:solidFill>
+                  <a:schemeClr val="bg1"/>
+                </a:solidFill>
+              </a:rPr>
+              <a:t>Most part of statistics about ridesharing are based in USA info.</a:t>
+            </a:r>
+            <a:endParaRPr lang="es-ES" altLang="en-US" sz="1000"/>
+          </a:p>
+        </p:txBody>
+      </p:sp>
+      <p:sp>
+        <p:nvSpPr>
+          <p:cNvPr id="3095" name="WordArt 23"/>
+          <p:cNvSpPr>
+            <a:spLocks noChangeArrowheads="1" noChangeShapeType="1"/>
+          </p:cNvSpPr>
+          <p:nvPr/>
+        </p:nvSpPr>
+        <p:spPr bwMode="auto">
+          <a:xfrm>
+            <a:off x="1635125" y="155575"/>
+            <a:ext cx="5326063" cy="307975"/>
+          </a:xfrm>
+          <a:prstGeom prst="rect">
+            <a:avLst/>
+          </a:prstGeom>
+          <a:extLst>
+            <a:ext uri="{AF507438-7753-43E0-B8FC-AC1667EBCBE1}">
+              <a14:hiddenEffects xmlns:a14="http://schemas.microsoft.com/office/drawing/2010/main">
+                <a:effectLst/>
+              </a14:hiddenEffects>
+            </a:ext>
+          </a:extLst>
+        </p:spPr>
+        <p:txBody>
+          <a:bodyPr wrap="none" fromWordArt="1">
+            <a:prstTxWarp prst="textPlain">
+              <a:avLst>
+                <a:gd name="adj" fmla="val 50000"/>
+              </a:avLst>
+            </a:prstTxWarp>
+          </a:bodyPr>
+          <a:lstStyle/>
+          <a:p>
+            <a:pPr algn="ctr"/>
+            <a:r>
+              <a:rPr lang="fr-FR" sz="3600" kern="10">
+                <a:ln w="19050">
+                  <a:solidFill>
+                    <a:schemeClr val="accent1"/>
+                  </a:solidFill>
+                  <a:round/>
+                  <a:headEnd/>
+                  <a:tailEnd/>
+                </a:ln>
+                <a:solidFill>
+                  <a:schemeClr val="accent1"/>
+                </a:solidFill>
+                <a:latin typeface="Arial Black" panose="020B0A04020102020204" pitchFamily="34" charset="0"/>
+              </a:rPr>
+              <a:t>LOGIC MODEL: MyChe</a:t>
+            </a:r>
+          </a:p>
+        </p:txBody>
+      </p:sp>
+      <p:sp>
+        <p:nvSpPr>
+          <p:cNvPr id="3096" name="AutoShape 24"/>
+          <p:cNvSpPr>
+            <a:spLocks noChangeArrowheads="1"/>
+          </p:cNvSpPr>
+          <p:nvPr/>
+        </p:nvSpPr>
+        <p:spPr bwMode="auto">
+          <a:xfrm>
+            <a:off x="2479675" y="1428750"/>
+            <a:ext cx="1416050" cy="395288"/>
+          </a:xfrm>
+          <a:prstGeom prst="roundRect">
+            <a:avLst>
+              <a:gd name="adj" fmla="val 16667"/>
+            </a:avLst>
+          </a:prstGeom>
+          <a:noFill/>
+          <a:ln w="9525">
+            <a:solidFill>
+              <a:schemeClr val="bg1"/>
+            </a:solidFill>
+            <a:round/>
+            <a:headEnd/>
+            <a:tailEnd/>
+          </a:ln>
+          <a:extLst>
+            <a:ext uri="{909E8E84-426E-40DD-AFC4-6F175D3DCCD1}">
+              <a14:hiddenFill xmlns:a14="http://schemas.microsoft.com/office/drawing/2010/main">
+                <a:solidFill>
+                  <a:srgbClr val="FFFFFF"/>
+                </a:solidFill>
+              </a14:hiddenFill>
+            </a:ext>
+          </a:extLst>
+        </p:spPr>
+        <p:txBody>
+          <a:bodyPr>
+            <a:spAutoFit/>
+          </a:bodyPr>
+          <a:lstStyle>
+            <a:lvl1pPr>
+              <a:defRPr>
+                <a:solidFill>
+                  <a:schemeClr val="tx1"/>
+                </a:solidFill>
+                <a:latin typeface="Arial Narrow" panose="020B0606020202030204" pitchFamily="34" charset="0"/>
+                <a:ea typeface="SimSun" panose="02010600030101010101" pitchFamily="2" charset="-122"/>
+              </a:defRPr>
+            </a:lvl1pPr>
+            <a:lvl2pPr>
+              <a:defRPr>
+                <a:solidFill>
+                  <a:schemeClr val="tx1"/>
+                </a:solidFill>
+                <a:latin typeface="Arial Narrow" panose="020B0606020202030204" pitchFamily="34" charset="0"/>
+                <a:ea typeface="SimSun" panose="02010600030101010101" pitchFamily="2" charset="-122"/>
+              </a:defRPr>
+            </a:lvl2pPr>
+            <a:lvl3pPr>
+              <a:defRPr>
+                <a:solidFill>
+                  <a:schemeClr val="tx1"/>
+                </a:solidFill>
+                <a:latin typeface="Arial Narrow" panose="020B0606020202030204" pitchFamily="34" charset="0"/>
+                <a:ea typeface="SimSun" panose="02010600030101010101" pitchFamily="2" charset="-122"/>
+              </a:defRPr>
+            </a:lvl3pPr>
+            <a:lvl4pPr>
+              <a:defRPr>
+                <a:solidFill>
+                  <a:schemeClr val="tx1"/>
+                </a:solidFill>
+                <a:latin typeface="Arial Narrow" panose="020B0606020202030204" pitchFamily="34" charset="0"/>
+                <a:ea typeface="SimSun" panose="02010600030101010101" pitchFamily="2" charset="-122"/>
+              </a:defRPr>
+            </a:lvl4pPr>
+            <a:lvl5pPr>
+              <a:defRPr>
+                <a:solidFill>
+                  <a:schemeClr val="tx1"/>
+                </a:solidFill>
+                <a:latin typeface="Arial Narrow" panose="020B0606020202030204" pitchFamily="34" charset="0"/>
+                <a:ea typeface="SimSun" panose="02010600030101010101" pitchFamily="2" charset="-122"/>
+              </a:defRPr>
+            </a:lvl5pPr>
+            <a:lvl6pPr eaLnBrk="0" fontAlgn="base" hangingPunct="0">
+              <a:spcBef>
+                <a:spcPct val="0"/>
+              </a:spcBef>
+              <a:spcAft>
+                <a:spcPct val="0"/>
+              </a:spcAft>
+              <a:buFont typeface="Arial" panose="020B0604020202020204" pitchFamily="34" charset="0"/>
+              <a:defRPr>
+                <a:solidFill>
+                  <a:schemeClr val="tx1"/>
+                </a:solidFill>
+                <a:latin typeface="Arial Narrow" panose="020B0606020202030204" pitchFamily="34" charset="0"/>
+                <a:ea typeface="SimSun" panose="02010600030101010101" pitchFamily="2" charset="-122"/>
+              </a:defRPr>
+            </a:lvl6pPr>
+            <a:lvl7pPr eaLnBrk="0" fontAlgn="base" hangingPunct="0">
+              <a:spcBef>
+                <a:spcPct val="0"/>
+              </a:spcBef>
+              <a:spcAft>
+                <a:spcPct val="0"/>
+              </a:spcAft>
+              <a:buFont typeface="Arial" panose="020B0604020202020204" pitchFamily="34" charset="0"/>
+              <a:defRPr>
+                <a:solidFill>
+                  <a:schemeClr val="tx1"/>
+                </a:solidFill>
+                <a:latin typeface="Arial Narrow" panose="020B0606020202030204" pitchFamily="34" charset="0"/>
+                <a:ea typeface="SimSun" panose="02010600030101010101" pitchFamily="2" charset="-122"/>
+              </a:defRPr>
+            </a:lvl7pPr>
+            <a:lvl8pPr eaLnBrk="0" fontAlgn="base" hangingPunct="0">
+              <a:spcBef>
+                <a:spcPct val="0"/>
+              </a:spcBef>
+              <a:spcAft>
+                <a:spcPct val="0"/>
+              </a:spcAft>
+              <a:buFont typeface="Arial" panose="020B0604020202020204" pitchFamily="34" charset="0"/>
+              <a:defRPr>
+                <a:solidFill>
+                  <a:schemeClr val="tx1"/>
+                </a:solidFill>
+                <a:latin typeface="Arial Narrow" panose="020B0606020202030204" pitchFamily="34" charset="0"/>
+                <a:ea typeface="SimSun" panose="02010600030101010101" pitchFamily="2" charset="-122"/>
+              </a:defRPr>
+            </a:lvl8pPr>
+            <a:lvl9pPr eaLnBrk="0" fontAlgn="base" hangingPunct="0">
+              <a:spcBef>
+                <a:spcPct val="0"/>
+              </a:spcBef>
+              <a:spcAft>
+                <a:spcPct val="0"/>
+              </a:spcAft>
+              <a:buFont typeface="Arial" panose="020B0604020202020204" pitchFamily="34" charset="0"/>
+              <a:defRPr>
+                <a:solidFill>
+                  <a:schemeClr val="tx1"/>
+                </a:solidFill>
+                <a:latin typeface="Arial Narrow" panose="020B0606020202030204" pitchFamily="34" charset="0"/>
+                <a:ea typeface="SimSun" panose="02010600030101010101" pitchFamily="2" charset="-122"/>
+              </a:defRPr>
+            </a:lvl9pPr>
+          </a:lstStyle>
+          <a:p>
+            <a:r>
+              <a:rPr lang="es-ES" altLang="en-US" sz="1600" b="1">
+                <a:solidFill>
+                  <a:schemeClr val="bg1"/>
+                </a:solidFill>
+                <a:latin typeface="Calibri" panose="020F0502020204030204" pitchFamily="34" charset="0"/>
+                <a:ea typeface="幼圆" pitchFamily="1" charset="-122"/>
+                <a:sym typeface="Arial" panose="020B0604020202020204" pitchFamily="34" charset="0"/>
+              </a:rPr>
+              <a:t>Activities: IAR</a:t>
+            </a:r>
+          </a:p>
+        </p:txBody>
+      </p:sp>
+      <p:sp>
+        <p:nvSpPr>
+          <p:cNvPr id="3097" name="AutoShape 25"/>
+          <p:cNvSpPr>
+            <a:spLocks noChangeArrowheads="1"/>
+          </p:cNvSpPr>
+          <p:nvPr/>
+        </p:nvSpPr>
+        <p:spPr bwMode="auto">
+          <a:xfrm>
+            <a:off x="4405313" y="1444625"/>
+            <a:ext cx="1103312" cy="338138"/>
+          </a:xfrm>
+          <a:prstGeom prst="roundRect">
+            <a:avLst>
+              <a:gd name="adj" fmla="val 16667"/>
+            </a:avLst>
+          </a:prstGeom>
+          <a:noFill/>
+          <a:ln w="9525" cap="flat" cmpd="sng">
+            <a:solidFill>
+              <a:schemeClr val="bg1"/>
+            </a:solidFill>
+            <a:round/>
+            <a:headEnd/>
+            <a:tailEnd/>
+          </a:ln>
+          <a:effectLst/>
+          <a:extLst>
+            <a:ext uri="{909E8E84-426E-40DD-AFC4-6F175D3DCCD1}">
+              <a14:hiddenFill xmlns:a14="http://schemas.microsoft.com/office/drawing/2010/main">
+                <a:solidFill>
+                  <a:srgbClr val="FFFFFF"/>
+                </a:solidFill>
+              </a14:hiddenFill>
+            </a:ext>
+            <a:ext uri="{AF507438-7753-43E0-B8FC-AC1667EBCBE1}">
+              <a14:hiddenEffects xmlns:a14="http://schemas.microsoft.com/office/drawing/2010/main">
+                <a:effectLst>
+                  <a:outerShdw dist="35921" dir="2700000" algn="ctr" rotWithShape="0">
+                    <a:srgbClr val="808080"/>
+                  </a:outerShdw>
+                </a:effectLst>
+              </a14:hiddenEffects>
+            </a:ext>
+          </a:extLst>
+        </p:spPr>
+        <p:txBody>
+          <a:bodyPr>
+            <a:spAutoFit/>
+          </a:bodyPr>
+          <a:lstStyle>
+            <a:lvl1pPr>
+              <a:defRPr>
+                <a:solidFill>
+                  <a:schemeClr val="tx1"/>
+                </a:solidFill>
+                <a:latin typeface="Arial Narrow" panose="020B0606020202030204" pitchFamily="34" charset="0"/>
+                <a:ea typeface="SimSun" panose="02010600030101010101" pitchFamily="2" charset="-122"/>
+              </a:defRPr>
+            </a:lvl1pPr>
+            <a:lvl2pPr>
+              <a:defRPr>
+                <a:solidFill>
+                  <a:schemeClr val="tx1"/>
+                </a:solidFill>
+                <a:latin typeface="Arial Narrow" panose="020B0606020202030204" pitchFamily="34" charset="0"/>
+                <a:ea typeface="SimSun" panose="02010600030101010101" pitchFamily="2" charset="-122"/>
+              </a:defRPr>
+            </a:lvl2pPr>
+            <a:lvl3pPr>
+              <a:defRPr>
+                <a:solidFill>
+                  <a:schemeClr val="tx1"/>
+                </a:solidFill>
+                <a:latin typeface="Arial Narrow" panose="020B0606020202030204" pitchFamily="34" charset="0"/>
+                <a:ea typeface="SimSun" panose="02010600030101010101" pitchFamily="2" charset="-122"/>
+              </a:defRPr>
+            </a:lvl3pPr>
+            <a:lvl4pPr>
+              <a:defRPr>
+                <a:solidFill>
+                  <a:schemeClr val="tx1"/>
+                </a:solidFill>
+                <a:latin typeface="Arial Narrow" panose="020B0606020202030204" pitchFamily="34" charset="0"/>
+                <a:ea typeface="SimSun" panose="02010600030101010101" pitchFamily="2" charset="-122"/>
+              </a:defRPr>
+            </a:lvl4pPr>
+            <a:lvl5pPr>
+              <a:defRPr>
+                <a:solidFill>
+                  <a:schemeClr val="tx1"/>
+                </a:solidFill>
+                <a:latin typeface="Arial Narrow" panose="020B0606020202030204" pitchFamily="34" charset="0"/>
+                <a:ea typeface="SimSun" panose="02010600030101010101" pitchFamily="2" charset="-122"/>
+              </a:defRPr>
+            </a:lvl5pPr>
+            <a:lvl6pPr eaLnBrk="0" fontAlgn="base" hangingPunct="0">
+              <a:spcBef>
+                <a:spcPct val="0"/>
+              </a:spcBef>
+              <a:spcAft>
+                <a:spcPct val="0"/>
+              </a:spcAft>
+              <a:buFont typeface="Arial" panose="020B0604020202020204" pitchFamily="34" charset="0"/>
+              <a:defRPr>
+                <a:solidFill>
+                  <a:schemeClr val="tx1"/>
+                </a:solidFill>
+                <a:latin typeface="Arial Narrow" panose="020B0606020202030204" pitchFamily="34" charset="0"/>
+                <a:ea typeface="SimSun" panose="02010600030101010101" pitchFamily="2" charset="-122"/>
+              </a:defRPr>
+            </a:lvl6pPr>
+            <a:lvl7pPr eaLnBrk="0" fontAlgn="base" hangingPunct="0">
+              <a:spcBef>
+                <a:spcPct val="0"/>
+              </a:spcBef>
+              <a:spcAft>
+                <a:spcPct val="0"/>
+              </a:spcAft>
+              <a:buFont typeface="Arial" panose="020B0604020202020204" pitchFamily="34" charset="0"/>
+              <a:defRPr>
+                <a:solidFill>
+                  <a:schemeClr val="tx1"/>
+                </a:solidFill>
+                <a:latin typeface="Arial Narrow" panose="020B0606020202030204" pitchFamily="34" charset="0"/>
+                <a:ea typeface="SimSun" panose="02010600030101010101" pitchFamily="2" charset="-122"/>
+              </a:defRPr>
+            </a:lvl7pPr>
+            <a:lvl8pPr eaLnBrk="0" fontAlgn="base" hangingPunct="0">
+              <a:spcBef>
+                <a:spcPct val="0"/>
+              </a:spcBef>
+              <a:spcAft>
+                <a:spcPct val="0"/>
+              </a:spcAft>
+              <a:buFont typeface="Arial" panose="020B0604020202020204" pitchFamily="34" charset="0"/>
+              <a:defRPr>
+                <a:solidFill>
+                  <a:schemeClr val="tx1"/>
+                </a:solidFill>
+                <a:latin typeface="Arial Narrow" panose="020B0606020202030204" pitchFamily="34" charset="0"/>
+                <a:ea typeface="SimSun" panose="02010600030101010101" pitchFamily="2" charset="-122"/>
+              </a:defRPr>
+            </a:lvl8pPr>
+            <a:lvl9pPr eaLnBrk="0" fontAlgn="base" hangingPunct="0">
+              <a:spcBef>
+                <a:spcPct val="0"/>
+              </a:spcBef>
+              <a:spcAft>
+                <a:spcPct val="0"/>
+              </a:spcAft>
+              <a:buFont typeface="Arial" panose="020B0604020202020204" pitchFamily="34" charset="0"/>
+              <a:defRPr>
+                <a:solidFill>
+                  <a:schemeClr val="tx1"/>
+                </a:solidFill>
+                <a:latin typeface="Arial Narrow" panose="020B0606020202030204" pitchFamily="34" charset="0"/>
+                <a:ea typeface="SimSun" panose="02010600030101010101" pitchFamily="2" charset="-122"/>
+              </a:defRPr>
+            </a:lvl9pPr>
+          </a:lstStyle>
+          <a:p>
+            <a:r>
+              <a:rPr lang="es-ES" altLang="en-US" sz="1400" b="1">
+                <a:solidFill>
+                  <a:schemeClr val="bg1"/>
+                </a:solidFill>
+                <a:latin typeface="Calibri" panose="020F0502020204030204" pitchFamily="34" charset="0"/>
+                <a:ea typeface="幼圆" pitchFamily="1" charset="-122"/>
+                <a:sym typeface="Arial" panose="020B0604020202020204" pitchFamily="34" charset="0"/>
+              </a:rPr>
+              <a:t>Participants</a:t>
+            </a:r>
+          </a:p>
+        </p:txBody>
+      </p:sp>
     </p:spTree>
     <p:extLst>
       <p:ext uri="{BB962C8B-B14F-4D97-AF65-F5344CB8AC3E}">
-        <p14:creationId xmlns:p14="http://schemas.microsoft.com/office/powerpoint/2010/main" val="1571066038"/>
+        <p14:creationId xmlns:p14="http://schemas.microsoft.com/office/powerpoint/2010/main" val="717009469"/>
       </p:ext>
     </p:extLst>
   </p:cSld>
   <p:clrMapOvr>
     <a:masterClrMapping/>
   </p:clrMapOvr>
-  <p:timing>
-    <p:tnLst>
-      <p:par>
-        <p:cTn id="1" dur="indefinite" restart="never" nodeType="tmRoot"/>
-      </p:par>
-    </p:tnLst>
-  </p:timing>
 </p:sld>
 </file>
 

--- a/Presentations/Presentation4_New_logic_mpdel.pptx
+++ b/Presentations/Presentation4_New_logic_mpdel.pptx
@@ -17196,7 +17196,51 @@
           <a:bodyPr/>
           <a:lstStyle/>
           <a:p>
-            <a:endParaRPr lang="fr-FR"/>
+            <a:r>
+              <a:rPr lang="en-US" dirty="0" smtClean="0"/>
+              <a:t>Market analysis</a:t>
+            </a:r>
+          </a:p>
+          <a:p>
+            <a:pPr lvl="1"/>
+            <a:r>
+              <a:rPr lang="en-US" dirty="0" smtClean="0"/>
+              <a:t>Articles from different journals describing the market.</a:t>
+            </a:r>
+          </a:p>
+          <a:p>
+            <a:pPr lvl="1"/>
+            <a:r>
+              <a:rPr lang="en-US" dirty="0" smtClean="0"/>
+              <a:t>Videos from specialists explaining a possible evolution.</a:t>
+            </a:r>
+          </a:p>
+          <a:p>
+            <a:pPr marL="342900" lvl="1" indent="-342900">
+              <a:spcAft>
+                <a:spcPts val="2000"/>
+              </a:spcAft>
+            </a:pPr>
+            <a:r>
+              <a:rPr lang="en-US" sz="2400"/>
+              <a:t>Technology </a:t>
+            </a:r>
+            <a:r>
+              <a:rPr lang="en-US" sz="2400" smtClean="0"/>
+              <a:t>analysis</a:t>
+            </a:r>
+          </a:p>
+          <a:p>
+            <a:pPr marL="625475" lvl="2" indent="-342900">
+              <a:spcAft>
+                <a:spcPts val="2000"/>
+              </a:spcAft>
+            </a:pPr>
+            <a:endParaRPr lang="en-US" dirty="0"/>
+          </a:p>
+          <a:p>
+            <a:pPr lvl="1"/>
+            <a:endParaRPr lang="en-US" dirty="0"/>
           </a:p>
         </p:txBody>
       </p:sp>

--- a/Presentations/Presentation4_New_logic_mpdel.pptx
+++ b/Presentations/Presentation4_New_logic_mpdel.pptx
@@ -4,12 +4,17 @@
   <p:sldMasterIdLst>
     <p:sldMasterId id="2147483672" r:id="rId1"/>
   </p:sldMasterIdLst>
+  <p:notesMasterIdLst>
+    <p:notesMasterId r:id="rId9"/>
+  </p:notesMasterIdLst>
   <p:sldIdLst>
     <p:sldId id="256" r:id="rId2"/>
     <p:sldId id="269" r:id="rId3"/>
     <p:sldId id="266" r:id="rId4"/>
-    <p:sldId id="267" r:id="rId5"/>
-    <p:sldId id="264" r:id="rId6"/>
+    <p:sldId id="270" r:id="rId5"/>
+    <p:sldId id="272" r:id="rId6"/>
+    <p:sldId id="267" r:id="rId7"/>
+    <p:sldId id="264" r:id="rId8"/>
   </p:sldIdLst>
   <p:sldSz cx="9144000" cy="6858000" type="screen4x3"/>
   <p:notesSz cx="6858000" cy="9144000"/>
@@ -125,6 +130,608 @@
     </p:ext>
   </p:extLst>
 </p:presentation>
+</file>
+
+<file path=ppt/notesMasters/notesMaster1.xml><?xml version="1.0" encoding="utf-8"?>
+<p:notesMaster xmlns:a="http://schemas.openxmlformats.org/drawingml/2006/main" xmlns:r="http://schemas.openxmlformats.org/officeDocument/2006/relationships" xmlns:p="http://schemas.openxmlformats.org/presentationml/2006/main">
+  <p:cSld>
+    <p:bg>
+      <p:bgRef idx="1001">
+        <a:schemeClr val="bg1"/>
+      </p:bgRef>
+    </p:bg>
+    <p:spTree>
+      <p:nvGrpSpPr>
+        <p:cNvPr id="1" name=""/>
+        <p:cNvGrpSpPr/>
+        <p:nvPr/>
+      </p:nvGrpSpPr>
+      <p:grpSpPr>
+        <a:xfrm>
+          <a:off x="0" y="0"/>
+          <a:ext cx="0" cy="0"/>
+          <a:chOff x="0" y="0"/>
+          <a:chExt cx="0" cy="0"/>
+        </a:xfrm>
+      </p:grpSpPr>
+      <p:sp>
+        <p:nvSpPr>
+          <p:cNvPr id="2" name="Header Placeholder 1"/>
+          <p:cNvSpPr>
+            <a:spLocks noGrp="1"/>
+          </p:cNvSpPr>
+          <p:nvPr>
+            <p:ph type="hdr" sz="quarter"/>
+          </p:nvPr>
+        </p:nvSpPr>
+        <p:spPr>
+          <a:xfrm>
+            <a:off x="0" y="0"/>
+            <a:ext cx="2971800" cy="458788"/>
+          </a:xfrm>
+          <a:prstGeom prst="rect">
+            <a:avLst/>
+          </a:prstGeom>
+        </p:spPr>
+        <p:txBody>
+          <a:bodyPr vert="horz" lIns="91440" tIns="45720" rIns="91440" bIns="45720" rtlCol="0"/>
+          <a:lstStyle>
+            <a:lvl1pPr algn="l">
+              <a:defRPr sz="1200"/>
+            </a:lvl1pPr>
+          </a:lstStyle>
+          <a:p>
+            <a:endParaRPr lang="fr-FR"/>
+          </a:p>
+        </p:txBody>
+      </p:sp>
+      <p:sp>
+        <p:nvSpPr>
+          <p:cNvPr id="3" name="Date Placeholder 2"/>
+          <p:cNvSpPr>
+            <a:spLocks noGrp="1"/>
+          </p:cNvSpPr>
+          <p:nvPr>
+            <p:ph type="dt" idx="1"/>
+          </p:nvPr>
+        </p:nvSpPr>
+        <p:spPr>
+          <a:xfrm>
+            <a:off x="3884613" y="0"/>
+            <a:ext cx="2971800" cy="458788"/>
+          </a:xfrm>
+          <a:prstGeom prst="rect">
+            <a:avLst/>
+          </a:prstGeom>
+        </p:spPr>
+        <p:txBody>
+          <a:bodyPr vert="horz" lIns="91440" tIns="45720" rIns="91440" bIns="45720" rtlCol="0"/>
+          <a:lstStyle>
+            <a:lvl1pPr algn="r">
+              <a:defRPr sz="1200"/>
+            </a:lvl1pPr>
+          </a:lstStyle>
+          <a:p>
+            <a:fld id="{57FF685F-A74B-4F6D-93DE-855D9F1DE549}" type="datetimeFigureOut">
+              <a:rPr lang="fr-FR" smtClean="0"/>
+              <a:t>19/05/2015</a:t>
+            </a:fld>
+            <a:endParaRPr lang="fr-FR"/>
+          </a:p>
+        </p:txBody>
+      </p:sp>
+      <p:sp>
+        <p:nvSpPr>
+          <p:cNvPr id="4" name="Slide Image Placeholder 3"/>
+          <p:cNvSpPr>
+            <a:spLocks noGrp="1" noRot="1" noChangeAspect="1"/>
+          </p:cNvSpPr>
+          <p:nvPr>
+            <p:ph type="sldImg" idx="2"/>
+          </p:nvPr>
+        </p:nvSpPr>
+        <p:spPr>
+          <a:xfrm>
+            <a:off x="1371600" y="1143000"/>
+            <a:ext cx="4114800" cy="3086100"/>
+          </a:xfrm>
+          <a:prstGeom prst="rect">
+            <a:avLst/>
+          </a:prstGeom>
+          <a:noFill/>
+          <a:ln w="12700">
+            <a:solidFill>
+              <a:prstClr val="black"/>
+            </a:solidFill>
+          </a:ln>
+        </p:spPr>
+        <p:txBody>
+          <a:bodyPr vert="horz" lIns="91440" tIns="45720" rIns="91440" bIns="45720" rtlCol="0" anchor="ctr"/>
+          <a:lstStyle/>
+          <a:p>
+            <a:endParaRPr lang="fr-FR"/>
+          </a:p>
+        </p:txBody>
+      </p:sp>
+      <p:sp>
+        <p:nvSpPr>
+          <p:cNvPr id="5" name="Notes Placeholder 4"/>
+          <p:cNvSpPr>
+            <a:spLocks noGrp="1"/>
+          </p:cNvSpPr>
+          <p:nvPr>
+            <p:ph type="body" sz="quarter" idx="3"/>
+          </p:nvPr>
+        </p:nvSpPr>
+        <p:spPr>
+          <a:xfrm>
+            <a:off x="685800" y="4400550"/>
+            <a:ext cx="5486400" cy="3600450"/>
+          </a:xfrm>
+          <a:prstGeom prst="rect">
+            <a:avLst/>
+          </a:prstGeom>
+        </p:spPr>
+        <p:txBody>
+          <a:bodyPr vert="horz" lIns="91440" tIns="45720" rIns="91440" bIns="45720" rtlCol="0"/>
+          <a:lstStyle/>
+          <a:p>
+            <a:pPr lvl="0"/>
+            <a:r>
+              <a:rPr lang="en-US" smtClean="0"/>
+              <a:t>Click to edit Master text styles</a:t>
+            </a:r>
+          </a:p>
+          <a:p>
+            <a:pPr lvl="1"/>
+            <a:r>
+              <a:rPr lang="en-US" smtClean="0"/>
+              <a:t>Second level</a:t>
+            </a:r>
+          </a:p>
+          <a:p>
+            <a:pPr lvl="2"/>
+            <a:r>
+              <a:rPr lang="en-US" smtClean="0"/>
+              <a:t>Third level</a:t>
+            </a:r>
+          </a:p>
+          <a:p>
+            <a:pPr lvl="3"/>
+            <a:r>
+              <a:rPr lang="en-US" smtClean="0"/>
+              <a:t>Fourth level</a:t>
+            </a:r>
+          </a:p>
+          <a:p>
+            <a:pPr lvl="4"/>
+            <a:r>
+              <a:rPr lang="en-US" smtClean="0"/>
+              <a:t>Fifth level</a:t>
+            </a:r>
+            <a:endParaRPr lang="fr-FR"/>
+          </a:p>
+        </p:txBody>
+      </p:sp>
+      <p:sp>
+        <p:nvSpPr>
+          <p:cNvPr id="6" name="Footer Placeholder 5"/>
+          <p:cNvSpPr>
+            <a:spLocks noGrp="1"/>
+          </p:cNvSpPr>
+          <p:nvPr>
+            <p:ph type="ftr" sz="quarter" idx="4"/>
+          </p:nvPr>
+        </p:nvSpPr>
+        <p:spPr>
+          <a:xfrm>
+            <a:off x="0" y="8685213"/>
+            <a:ext cx="2971800" cy="458787"/>
+          </a:xfrm>
+          <a:prstGeom prst="rect">
+            <a:avLst/>
+          </a:prstGeom>
+        </p:spPr>
+        <p:txBody>
+          <a:bodyPr vert="horz" lIns="91440" tIns="45720" rIns="91440" bIns="45720" rtlCol="0" anchor="b"/>
+          <a:lstStyle>
+            <a:lvl1pPr algn="l">
+              <a:defRPr sz="1200"/>
+            </a:lvl1pPr>
+          </a:lstStyle>
+          <a:p>
+            <a:endParaRPr lang="fr-FR"/>
+          </a:p>
+        </p:txBody>
+      </p:sp>
+      <p:sp>
+        <p:nvSpPr>
+          <p:cNvPr id="7" name="Slide Number Placeholder 6"/>
+          <p:cNvSpPr>
+            <a:spLocks noGrp="1"/>
+          </p:cNvSpPr>
+          <p:nvPr>
+            <p:ph type="sldNum" sz="quarter" idx="5"/>
+          </p:nvPr>
+        </p:nvSpPr>
+        <p:spPr>
+          <a:xfrm>
+            <a:off x="3884613" y="8685213"/>
+            <a:ext cx="2971800" cy="458787"/>
+          </a:xfrm>
+          <a:prstGeom prst="rect">
+            <a:avLst/>
+          </a:prstGeom>
+        </p:spPr>
+        <p:txBody>
+          <a:bodyPr vert="horz" lIns="91440" tIns="45720" rIns="91440" bIns="45720" rtlCol="0" anchor="b"/>
+          <a:lstStyle>
+            <a:lvl1pPr algn="r">
+              <a:defRPr sz="1200"/>
+            </a:lvl1pPr>
+          </a:lstStyle>
+          <a:p>
+            <a:fld id="{CE437F82-6AAE-434E-8D68-58A5D8E0BCB6}" type="slidenum">
+              <a:rPr lang="fr-FR" smtClean="0"/>
+              <a:t>‹#›</a:t>
+            </a:fld>
+            <a:endParaRPr lang="fr-FR"/>
+          </a:p>
+        </p:txBody>
+      </p:sp>
+    </p:spTree>
+    <p:extLst>
+      <p:ext uri="{BB962C8B-B14F-4D97-AF65-F5344CB8AC3E}">
+        <p14:creationId xmlns:p14="http://schemas.microsoft.com/office/powerpoint/2010/main" val="1167169181"/>
+      </p:ext>
+    </p:extLst>
+  </p:cSld>
+  <p:clrMap bg1="lt1" tx1="dk1" bg2="lt2" tx2="dk2" accent1="accent1" accent2="accent2" accent3="accent3" accent4="accent4" accent5="accent5" accent6="accent6" hlink="hlink" folHlink="folHlink"/>
+  <p:notesStyle>
+    <a:lvl1pPr marL="0" algn="l" defTabSz="914400" rtl="0" eaLnBrk="1" latinLnBrk="0" hangingPunct="1">
+      <a:defRPr sz="1200" kern="1200">
+        <a:solidFill>
+          <a:schemeClr val="tx1"/>
+        </a:solidFill>
+        <a:latin typeface="+mn-lt"/>
+        <a:ea typeface="+mn-ea"/>
+        <a:cs typeface="+mn-cs"/>
+      </a:defRPr>
+    </a:lvl1pPr>
+    <a:lvl2pPr marL="457200" algn="l" defTabSz="914400" rtl="0" eaLnBrk="1" latinLnBrk="0" hangingPunct="1">
+      <a:defRPr sz="1200" kern="1200">
+        <a:solidFill>
+          <a:schemeClr val="tx1"/>
+        </a:solidFill>
+        <a:latin typeface="+mn-lt"/>
+        <a:ea typeface="+mn-ea"/>
+        <a:cs typeface="+mn-cs"/>
+      </a:defRPr>
+    </a:lvl2pPr>
+    <a:lvl3pPr marL="914400" algn="l" defTabSz="914400" rtl="0" eaLnBrk="1" latinLnBrk="0" hangingPunct="1">
+      <a:defRPr sz="1200" kern="1200">
+        <a:solidFill>
+          <a:schemeClr val="tx1"/>
+        </a:solidFill>
+        <a:latin typeface="+mn-lt"/>
+        <a:ea typeface="+mn-ea"/>
+        <a:cs typeface="+mn-cs"/>
+      </a:defRPr>
+    </a:lvl3pPr>
+    <a:lvl4pPr marL="1371600" algn="l" defTabSz="914400" rtl="0" eaLnBrk="1" latinLnBrk="0" hangingPunct="1">
+      <a:defRPr sz="1200" kern="1200">
+        <a:solidFill>
+          <a:schemeClr val="tx1"/>
+        </a:solidFill>
+        <a:latin typeface="+mn-lt"/>
+        <a:ea typeface="+mn-ea"/>
+        <a:cs typeface="+mn-cs"/>
+      </a:defRPr>
+    </a:lvl4pPr>
+    <a:lvl5pPr marL="1828800" algn="l" defTabSz="914400" rtl="0" eaLnBrk="1" latinLnBrk="0" hangingPunct="1">
+      <a:defRPr sz="1200" kern="1200">
+        <a:solidFill>
+          <a:schemeClr val="tx1"/>
+        </a:solidFill>
+        <a:latin typeface="+mn-lt"/>
+        <a:ea typeface="+mn-ea"/>
+        <a:cs typeface="+mn-cs"/>
+      </a:defRPr>
+    </a:lvl5pPr>
+    <a:lvl6pPr marL="2286000" algn="l" defTabSz="914400" rtl="0" eaLnBrk="1" latinLnBrk="0" hangingPunct="1">
+      <a:defRPr sz="1200" kern="1200">
+        <a:solidFill>
+          <a:schemeClr val="tx1"/>
+        </a:solidFill>
+        <a:latin typeface="+mn-lt"/>
+        <a:ea typeface="+mn-ea"/>
+        <a:cs typeface="+mn-cs"/>
+      </a:defRPr>
+    </a:lvl6pPr>
+    <a:lvl7pPr marL="2743200" algn="l" defTabSz="914400" rtl="0" eaLnBrk="1" latinLnBrk="0" hangingPunct="1">
+      <a:defRPr sz="1200" kern="1200">
+        <a:solidFill>
+          <a:schemeClr val="tx1"/>
+        </a:solidFill>
+        <a:latin typeface="+mn-lt"/>
+        <a:ea typeface="+mn-ea"/>
+        <a:cs typeface="+mn-cs"/>
+      </a:defRPr>
+    </a:lvl7pPr>
+    <a:lvl8pPr marL="3200400" algn="l" defTabSz="914400" rtl="0" eaLnBrk="1" latinLnBrk="0" hangingPunct="1">
+      <a:defRPr sz="1200" kern="1200">
+        <a:solidFill>
+          <a:schemeClr val="tx1"/>
+        </a:solidFill>
+        <a:latin typeface="+mn-lt"/>
+        <a:ea typeface="+mn-ea"/>
+        <a:cs typeface="+mn-cs"/>
+      </a:defRPr>
+    </a:lvl8pPr>
+    <a:lvl9pPr marL="3657600" algn="l" defTabSz="914400" rtl="0" eaLnBrk="1" latinLnBrk="0" hangingPunct="1">
+      <a:defRPr sz="1200" kern="1200">
+        <a:solidFill>
+          <a:schemeClr val="tx1"/>
+        </a:solidFill>
+        <a:latin typeface="+mn-lt"/>
+        <a:ea typeface="+mn-ea"/>
+        <a:cs typeface="+mn-cs"/>
+      </a:defRPr>
+    </a:lvl9pPr>
+  </p:notesStyle>
+</p:notesMaster>
+</file>
+
+<file path=ppt/notesSlides/notesSlide1.xml><?xml version="1.0" encoding="utf-8"?>
+<p:notes xmlns:a="http://schemas.openxmlformats.org/drawingml/2006/main" xmlns:r="http://schemas.openxmlformats.org/officeDocument/2006/relationships" xmlns:p="http://schemas.openxmlformats.org/presentationml/2006/main">
+  <p:cSld>
+    <p:spTree>
+      <p:nvGrpSpPr>
+        <p:cNvPr id="1" name=""/>
+        <p:cNvGrpSpPr/>
+        <p:nvPr/>
+      </p:nvGrpSpPr>
+      <p:grpSpPr>
+        <a:xfrm>
+          <a:off x="0" y="0"/>
+          <a:ext cx="0" cy="0"/>
+          <a:chOff x="0" y="0"/>
+          <a:chExt cx="0" cy="0"/>
+        </a:xfrm>
+      </p:grpSpPr>
+      <p:sp>
+        <p:nvSpPr>
+          <p:cNvPr id="2" name="Slide Image Placeholder 1"/>
+          <p:cNvSpPr>
+            <a:spLocks noGrp="1" noRot="1" noChangeAspect="1"/>
+          </p:cNvSpPr>
+          <p:nvPr>
+            <p:ph type="sldImg"/>
+          </p:nvPr>
+        </p:nvSpPr>
+        <p:spPr/>
+      </p:sp>
+      <p:sp>
+        <p:nvSpPr>
+          <p:cNvPr id="3" name="Notes Placeholder 2"/>
+          <p:cNvSpPr>
+            <a:spLocks noGrp="1"/>
+          </p:cNvSpPr>
+          <p:nvPr>
+            <p:ph type="body" idx="1"/>
+          </p:nvPr>
+        </p:nvSpPr>
+        <p:spPr/>
+        <p:txBody>
+          <a:bodyPr/>
+          <a:lstStyle/>
+          <a:p>
+            <a:endParaRPr lang="fr-FR" dirty="0"/>
+          </a:p>
+        </p:txBody>
+      </p:sp>
+      <p:sp>
+        <p:nvSpPr>
+          <p:cNvPr id="4" name="Slide Number Placeholder 3"/>
+          <p:cNvSpPr>
+            <a:spLocks noGrp="1"/>
+          </p:cNvSpPr>
+          <p:nvPr>
+            <p:ph type="sldNum" sz="quarter" idx="10"/>
+          </p:nvPr>
+        </p:nvSpPr>
+        <p:spPr/>
+        <p:txBody>
+          <a:bodyPr/>
+          <a:lstStyle/>
+          <a:p>
+            <a:fld id="{CE437F82-6AAE-434E-8D68-58A5D8E0BCB6}" type="slidenum">
+              <a:rPr lang="fr-FR" smtClean="0"/>
+              <a:t>3</a:t>
+            </a:fld>
+            <a:endParaRPr lang="fr-FR"/>
+          </a:p>
+        </p:txBody>
+      </p:sp>
+    </p:spTree>
+    <p:extLst>
+      <p:ext uri="{BB962C8B-B14F-4D97-AF65-F5344CB8AC3E}">
+        <p14:creationId xmlns:p14="http://schemas.microsoft.com/office/powerpoint/2010/main" val="1419667911"/>
+      </p:ext>
+    </p:extLst>
+  </p:cSld>
+  <p:clrMapOvr>
+    <a:masterClrMapping/>
+  </p:clrMapOvr>
+</p:notes>
+</file>
+
+<file path=ppt/notesSlides/notesSlide2.xml><?xml version="1.0" encoding="utf-8"?>
+<p:notes xmlns:a="http://schemas.openxmlformats.org/drawingml/2006/main" xmlns:r="http://schemas.openxmlformats.org/officeDocument/2006/relationships" xmlns:p="http://schemas.openxmlformats.org/presentationml/2006/main">
+  <p:cSld>
+    <p:spTree>
+      <p:nvGrpSpPr>
+        <p:cNvPr id="1" name=""/>
+        <p:cNvGrpSpPr/>
+        <p:nvPr/>
+      </p:nvGrpSpPr>
+      <p:grpSpPr>
+        <a:xfrm>
+          <a:off x="0" y="0"/>
+          <a:ext cx="0" cy="0"/>
+          <a:chOff x="0" y="0"/>
+          <a:chExt cx="0" cy="0"/>
+        </a:xfrm>
+      </p:grpSpPr>
+      <p:sp>
+        <p:nvSpPr>
+          <p:cNvPr id="2" name="Slide Image Placeholder 1"/>
+          <p:cNvSpPr>
+            <a:spLocks noGrp="1" noRot="1" noChangeAspect="1"/>
+          </p:cNvSpPr>
+          <p:nvPr>
+            <p:ph type="sldImg"/>
+          </p:nvPr>
+        </p:nvSpPr>
+        <p:spPr/>
+      </p:sp>
+      <p:sp>
+        <p:nvSpPr>
+          <p:cNvPr id="3" name="Notes Placeholder 2"/>
+          <p:cNvSpPr>
+            <a:spLocks noGrp="1"/>
+          </p:cNvSpPr>
+          <p:nvPr>
+            <p:ph type="body" idx="1"/>
+          </p:nvPr>
+        </p:nvSpPr>
+        <p:spPr/>
+        <p:txBody>
+          <a:bodyPr/>
+          <a:lstStyle/>
+          <a:p>
+            <a:endParaRPr lang="fr-FR" dirty="0"/>
+          </a:p>
+        </p:txBody>
+      </p:sp>
+      <p:sp>
+        <p:nvSpPr>
+          <p:cNvPr id="4" name="Slide Number Placeholder 3"/>
+          <p:cNvSpPr>
+            <a:spLocks noGrp="1"/>
+          </p:cNvSpPr>
+          <p:nvPr>
+            <p:ph type="sldNum" sz="quarter" idx="10"/>
+          </p:nvPr>
+        </p:nvSpPr>
+        <p:spPr/>
+        <p:txBody>
+          <a:bodyPr/>
+          <a:lstStyle/>
+          <a:p>
+            <a:fld id="{CE437F82-6AAE-434E-8D68-58A5D8E0BCB6}" type="slidenum">
+              <a:rPr lang="fr-FR" smtClean="0"/>
+              <a:t>4</a:t>
+            </a:fld>
+            <a:endParaRPr lang="fr-FR"/>
+          </a:p>
+        </p:txBody>
+      </p:sp>
+    </p:spTree>
+    <p:extLst>
+      <p:ext uri="{BB962C8B-B14F-4D97-AF65-F5344CB8AC3E}">
+        <p14:creationId xmlns:p14="http://schemas.microsoft.com/office/powerpoint/2010/main" val="192941190"/>
+      </p:ext>
+    </p:extLst>
+  </p:cSld>
+  <p:clrMapOvr>
+    <a:masterClrMapping/>
+  </p:clrMapOvr>
+</p:notes>
+</file>
+
+<file path=ppt/notesSlides/notesSlide3.xml><?xml version="1.0" encoding="utf-8"?>
+<p:notes xmlns:a="http://schemas.openxmlformats.org/drawingml/2006/main" xmlns:r="http://schemas.openxmlformats.org/officeDocument/2006/relationships" xmlns:p="http://schemas.openxmlformats.org/presentationml/2006/main">
+  <p:cSld>
+    <p:spTree>
+      <p:nvGrpSpPr>
+        <p:cNvPr id="1" name=""/>
+        <p:cNvGrpSpPr/>
+        <p:nvPr/>
+      </p:nvGrpSpPr>
+      <p:grpSpPr>
+        <a:xfrm>
+          <a:off x="0" y="0"/>
+          <a:ext cx="0" cy="0"/>
+          <a:chOff x="0" y="0"/>
+          <a:chExt cx="0" cy="0"/>
+        </a:xfrm>
+      </p:grpSpPr>
+      <p:sp>
+        <p:nvSpPr>
+          <p:cNvPr id="2" name="Slide Image Placeholder 1"/>
+          <p:cNvSpPr>
+            <a:spLocks noGrp="1" noRot="1" noChangeAspect="1"/>
+          </p:cNvSpPr>
+          <p:nvPr>
+            <p:ph type="sldImg"/>
+          </p:nvPr>
+        </p:nvSpPr>
+        <p:spPr/>
+      </p:sp>
+      <p:sp>
+        <p:nvSpPr>
+          <p:cNvPr id="3" name="Notes Placeholder 2"/>
+          <p:cNvSpPr>
+            <a:spLocks noGrp="1"/>
+          </p:cNvSpPr>
+          <p:nvPr>
+            <p:ph type="body" idx="1"/>
+          </p:nvPr>
+        </p:nvSpPr>
+        <p:spPr/>
+        <p:txBody>
+          <a:bodyPr/>
+          <a:lstStyle/>
+          <a:p>
+            <a:endParaRPr lang="fr-FR" dirty="0"/>
+          </a:p>
+        </p:txBody>
+      </p:sp>
+      <p:sp>
+        <p:nvSpPr>
+          <p:cNvPr id="4" name="Slide Number Placeholder 3"/>
+          <p:cNvSpPr>
+            <a:spLocks noGrp="1"/>
+          </p:cNvSpPr>
+          <p:nvPr>
+            <p:ph type="sldNum" sz="quarter" idx="10"/>
+          </p:nvPr>
+        </p:nvSpPr>
+        <p:spPr/>
+        <p:txBody>
+          <a:bodyPr/>
+          <a:lstStyle/>
+          <a:p>
+            <a:fld id="{CE437F82-6AAE-434E-8D68-58A5D8E0BCB6}" type="slidenum">
+              <a:rPr lang="fr-FR" smtClean="0"/>
+              <a:t>5</a:t>
+            </a:fld>
+            <a:endParaRPr lang="fr-FR"/>
+          </a:p>
+        </p:txBody>
+      </p:sp>
+    </p:spTree>
+    <p:extLst>
+      <p:ext uri="{BB962C8B-B14F-4D97-AF65-F5344CB8AC3E}">
+        <p14:creationId xmlns:p14="http://schemas.microsoft.com/office/powerpoint/2010/main" val="109680881"/>
+      </p:ext>
+    </p:extLst>
+  </p:cSld>
+  <p:clrMapOvr>
+    <a:masterClrMapping/>
+  </p:clrMapOvr>
+</p:notes>
 </file>
 
 <file path=ppt/slideLayouts/slideLayout1.xml><?xml version="1.0" encoding="utf-8"?>
@@ -20838,9 +21445,16 @@
             <p:ph idx="1"/>
           </p:nvPr>
         </p:nvSpPr>
-        <p:spPr/>
+        <p:spPr>
+          <a:xfrm>
+            <a:off x="712788" y="3012141"/>
+            <a:ext cx="7716838" cy="3733215"/>
+          </a:xfrm>
+        </p:spPr>
         <p:txBody>
-          <a:bodyPr/>
+          <a:bodyPr>
+            <a:normAutofit fontScale="92500" lnSpcReduction="10000"/>
+          </a:bodyPr>
           <a:lstStyle/>
           <a:p>
             <a:r>
@@ -20869,13 +21483,44 @@
               </a:spcAft>
             </a:pPr>
             <a:r>
-              <a:rPr lang="en-US" sz="2400"/>
+              <a:rPr lang="en-US" sz="2400" dirty="0"/>
               <a:t>Technology </a:t>
             </a:r>
             <a:r>
-              <a:rPr lang="en-US" sz="2400" smtClean="0"/>
+              <a:rPr lang="en-US" sz="2400" dirty="0" smtClean="0"/>
               <a:t>analysis</a:t>
             </a:r>
+          </a:p>
+          <a:p>
+            <a:pPr marL="625475" lvl="2" indent="-342900">
+              <a:spcAft>
+                <a:spcPts val="2000"/>
+              </a:spcAft>
+            </a:pPr>
+            <a:r>
+              <a:rPr lang="en-US" dirty="0" smtClean="0"/>
+              <a:t>Study from MIT related to new technologies in transportation.</a:t>
+            </a:r>
+          </a:p>
+          <a:p>
+            <a:pPr marL="625475" lvl="2" indent="-342900">
+              <a:spcAft>
+                <a:spcPts val="2000"/>
+              </a:spcAft>
+            </a:pPr>
+            <a:r>
+              <a:rPr lang="en-US" dirty="0" smtClean="0"/>
+              <a:t>Study from </a:t>
+            </a:r>
+            <a:r>
+              <a:rPr lang="en-US" dirty="0" err="1" smtClean="0"/>
+              <a:t>Centrale</a:t>
+            </a:r>
+            <a:r>
+              <a:rPr lang="en-US" dirty="0" smtClean="0"/>
+              <a:t> Lille about distribution network in transportation.</a:t>
+            </a:r>
+            <a:endParaRPr lang="en-US" dirty="0" smtClean="0"/>
           </a:p>
           <a:p>
             <a:pPr marL="625475" lvl="2" indent="-342900">
@@ -20945,6 +21590,280 @@
           <a:p>
             <a:r>
               <a:rPr lang="fr-FR" dirty="0" smtClean="0"/>
+              <a:t>Data collection</a:t>
+            </a:r>
+            <a:endParaRPr lang="fr-FR" dirty="0"/>
+          </a:p>
+        </p:txBody>
+      </p:sp>
+      <p:sp>
+        <p:nvSpPr>
+          <p:cNvPr id="3" name="Content Placeholder 2"/>
+          <p:cNvSpPr>
+            <a:spLocks noGrp="1"/>
+          </p:cNvSpPr>
+          <p:nvPr>
+            <p:ph idx="1"/>
+          </p:nvPr>
+        </p:nvSpPr>
+        <p:spPr>
+          <a:xfrm>
+            <a:off x="712788" y="3012141"/>
+            <a:ext cx="7716838" cy="3733215"/>
+          </a:xfrm>
+        </p:spPr>
+        <p:txBody>
+          <a:bodyPr>
+            <a:normAutofit/>
+          </a:bodyPr>
+          <a:lstStyle/>
+          <a:p>
+            <a:r>
+              <a:rPr lang="en-US" dirty="0" smtClean="0"/>
+              <a:t>Transportation analysis </a:t>
+            </a:r>
+            <a:endParaRPr lang="en-US" dirty="0" smtClean="0"/>
+          </a:p>
+          <a:p>
+            <a:pPr lvl="1"/>
+            <a:r>
+              <a:rPr lang="en-US" dirty="0" smtClean="0"/>
+              <a:t>Statistics from French ministry of ecology.</a:t>
+            </a:r>
+            <a:endParaRPr lang="en-US" dirty="0" smtClean="0"/>
+          </a:p>
+          <a:p>
+            <a:pPr lvl="1"/>
+            <a:r>
+              <a:rPr lang="en-US" dirty="0" smtClean="0"/>
+              <a:t>ADEME study about mobility of people.</a:t>
+            </a:r>
+            <a:endParaRPr lang="en-US" dirty="0" smtClean="0"/>
+          </a:p>
+          <a:p>
+            <a:pPr marL="342900" lvl="1" indent="-342900">
+              <a:spcAft>
+                <a:spcPts val="2000"/>
+              </a:spcAft>
+            </a:pPr>
+            <a:r>
+              <a:rPr lang="en-US" sz="2400" dirty="0" smtClean="0"/>
+              <a:t>Social awareness</a:t>
+            </a:r>
+          </a:p>
+          <a:p>
+            <a:pPr marL="625475" lvl="2" indent="-342900">
+              <a:spcAft>
+                <a:spcPts val="2000"/>
+              </a:spcAft>
+            </a:pPr>
+            <a:r>
+              <a:rPr lang="en-US" dirty="0" smtClean="0"/>
+              <a:t>Statistics INSEE from a sample of 20231 people.</a:t>
+            </a:r>
+          </a:p>
+          <a:p>
+            <a:pPr marL="625475" lvl="2" indent="-342900">
+              <a:spcAft>
+                <a:spcPts val="2000"/>
+              </a:spcAft>
+            </a:pPr>
+            <a:r>
+              <a:rPr lang="en-US" dirty="0" err="1" smtClean="0"/>
+              <a:t>Ipsos</a:t>
+            </a:r>
+            <a:r>
+              <a:rPr lang="en-US" dirty="0" smtClean="0"/>
+              <a:t> &amp;</a:t>
+            </a:r>
+            <a:r>
+              <a:rPr lang="en-US" dirty="0" err="1" smtClean="0"/>
+              <a:t>Cetelem</a:t>
+            </a:r>
+            <a:r>
+              <a:rPr lang="en-US" dirty="0" smtClean="0"/>
+              <a:t> 2013 study about the motivation and the habits of people.</a:t>
+            </a:r>
+            <a:endParaRPr lang="en-US" dirty="0" smtClean="0"/>
+          </a:p>
+          <a:p>
+            <a:pPr marL="625475" lvl="2" indent="-342900">
+              <a:spcAft>
+                <a:spcPts val="2000"/>
+              </a:spcAft>
+            </a:pPr>
+            <a:endParaRPr lang="en-US" dirty="0"/>
+          </a:p>
+          <a:p>
+            <a:pPr lvl="1"/>
+            <a:endParaRPr lang="en-US" dirty="0"/>
+          </a:p>
+        </p:txBody>
+      </p:sp>
+    </p:spTree>
+    <p:extLst>
+      <p:ext uri="{BB962C8B-B14F-4D97-AF65-F5344CB8AC3E}">
+        <p14:creationId xmlns:p14="http://schemas.microsoft.com/office/powerpoint/2010/main" val="1657171249"/>
+      </p:ext>
+    </p:extLst>
+  </p:cSld>
+  <p:clrMapOvr>
+    <a:masterClrMapping/>
+  </p:clrMapOvr>
+  <p:timing>
+    <p:tnLst>
+      <p:par>
+        <p:cTn id="1" dur="indefinite" restart="never" nodeType="tmRoot"/>
+      </p:par>
+    </p:tnLst>
+  </p:timing>
+</p:sld>
+</file>
+
+<file path=ppt/slides/slide5.xml><?xml version="1.0" encoding="utf-8"?>
+<p:sld xmlns:a="http://schemas.openxmlformats.org/drawingml/2006/main" xmlns:r="http://schemas.openxmlformats.org/officeDocument/2006/relationships" xmlns:p="http://schemas.openxmlformats.org/presentationml/2006/main">
+  <p:cSld>
+    <p:spTree>
+      <p:nvGrpSpPr>
+        <p:cNvPr id="1" name=""/>
+        <p:cNvGrpSpPr/>
+        <p:nvPr/>
+      </p:nvGrpSpPr>
+      <p:grpSpPr>
+        <a:xfrm>
+          <a:off x="0" y="0"/>
+          <a:ext cx="0" cy="0"/>
+          <a:chOff x="0" y="0"/>
+          <a:chExt cx="0" cy="0"/>
+        </a:xfrm>
+      </p:grpSpPr>
+      <p:sp>
+        <p:nvSpPr>
+          <p:cNvPr id="2" name="Title 1"/>
+          <p:cNvSpPr>
+            <a:spLocks noGrp="1"/>
+          </p:cNvSpPr>
+          <p:nvPr>
+            <p:ph type="title"/>
+          </p:nvPr>
+        </p:nvSpPr>
+        <p:spPr/>
+        <p:txBody>
+          <a:bodyPr/>
+          <a:lstStyle/>
+          <a:p>
+            <a:r>
+              <a:rPr lang="fr-FR" dirty="0" smtClean="0"/>
+              <a:t>Data collection</a:t>
+            </a:r>
+            <a:endParaRPr lang="fr-FR" dirty="0"/>
+          </a:p>
+        </p:txBody>
+      </p:sp>
+      <p:sp>
+        <p:nvSpPr>
+          <p:cNvPr id="3" name="Content Placeholder 2"/>
+          <p:cNvSpPr>
+            <a:spLocks noGrp="1"/>
+          </p:cNvSpPr>
+          <p:nvPr>
+            <p:ph idx="1"/>
+          </p:nvPr>
+        </p:nvSpPr>
+        <p:spPr>
+          <a:xfrm>
+            <a:off x="712788" y="3012141"/>
+            <a:ext cx="7716838" cy="3733215"/>
+          </a:xfrm>
+        </p:spPr>
+        <p:txBody>
+          <a:bodyPr>
+            <a:normAutofit/>
+          </a:bodyPr>
+          <a:lstStyle/>
+          <a:p>
+            <a:r>
+              <a:rPr lang="en-US" dirty="0" smtClean="0"/>
+              <a:t>Public policy and Law</a:t>
+            </a:r>
+            <a:endParaRPr lang="en-US" dirty="0" smtClean="0"/>
+          </a:p>
+          <a:p>
+            <a:pPr lvl="1"/>
+            <a:r>
+              <a:rPr lang="en-US" dirty="0" smtClean="0"/>
+              <a:t>US code.</a:t>
+            </a:r>
+            <a:endParaRPr lang="en-US" dirty="0" smtClean="0"/>
+          </a:p>
+          <a:p>
+            <a:pPr lvl="1"/>
+            <a:r>
+              <a:rPr lang="en-US" dirty="0" smtClean="0"/>
+              <a:t>French transportation regulation.</a:t>
+            </a:r>
+            <a:endParaRPr lang="en-US" dirty="0"/>
+          </a:p>
+          <a:p>
+            <a:pPr lvl="1"/>
+            <a:endParaRPr lang="en-US" dirty="0"/>
+          </a:p>
+        </p:txBody>
+      </p:sp>
+    </p:spTree>
+    <p:extLst>
+      <p:ext uri="{BB962C8B-B14F-4D97-AF65-F5344CB8AC3E}">
+        <p14:creationId xmlns:p14="http://schemas.microsoft.com/office/powerpoint/2010/main" val="2578609093"/>
+      </p:ext>
+    </p:extLst>
+  </p:cSld>
+  <p:clrMapOvr>
+    <a:masterClrMapping/>
+  </p:clrMapOvr>
+  <p:timing>
+    <p:tnLst>
+      <p:par>
+        <p:cTn id="1" dur="indefinite" restart="never" nodeType="tmRoot"/>
+      </p:par>
+    </p:tnLst>
+  </p:timing>
+</p:sld>
+</file>
+
+<file path=ppt/slides/slide6.xml><?xml version="1.0" encoding="utf-8"?>
+<p:sld xmlns:a="http://schemas.openxmlformats.org/drawingml/2006/main" xmlns:r="http://schemas.openxmlformats.org/officeDocument/2006/relationships" xmlns:p="http://schemas.openxmlformats.org/presentationml/2006/main">
+  <p:cSld>
+    <p:spTree>
+      <p:nvGrpSpPr>
+        <p:cNvPr id="1" name=""/>
+        <p:cNvGrpSpPr/>
+        <p:nvPr/>
+      </p:nvGrpSpPr>
+      <p:grpSpPr>
+        <a:xfrm>
+          <a:off x="0" y="0"/>
+          <a:ext cx="0" cy="0"/>
+          <a:chOff x="0" y="0"/>
+          <a:chExt cx="0" cy="0"/>
+        </a:xfrm>
+      </p:grpSpPr>
+      <p:sp>
+        <p:nvSpPr>
+          <p:cNvPr id="2" name="Title 1"/>
+          <p:cNvSpPr>
+            <a:spLocks noGrp="1"/>
+          </p:cNvSpPr>
+          <p:nvPr>
+            <p:ph type="title"/>
+          </p:nvPr>
+        </p:nvSpPr>
+        <p:spPr/>
+        <p:txBody>
+          <a:bodyPr/>
+          <a:lstStyle/>
+          <a:p>
+            <a:r>
+              <a:rPr lang="fr-FR" dirty="0" smtClean="0"/>
               <a:t>Variables</a:t>
             </a:r>
             <a:endParaRPr lang="fr-FR" dirty="0"/>
@@ -20990,7 +21909,7 @@
 </p:sld>
 </file>
 
-<file path=ppt/slides/slide5.xml><?xml version="1.0" encoding="utf-8"?>
+<file path=ppt/slides/slide7.xml><?xml version="1.0" encoding="utf-8"?>
 <p:sld xmlns:a="http://schemas.openxmlformats.org/drawingml/2006/main" xmlns:r="http://schemas.openxmlformats.org/officeDocument/2006/relationships" xmlns:p="http://schemas.openxmlformats.org/presentationml/2006/main">
   <p:cSld>
     <p:spTree>
@@ -21287,4 +22206,265 @@
   <a:objectDefaults/>
   <a:extraClrSchemeLst/>
 </a:theme>
+</file>
+
+<file path=ppt/theme/theme2.xml><?xml version="1.0" encoding="utf-8"?>
+<a:theme xmlns:a="http://schemas.openxmlformats.org/drawingml/2006/main" name="Office Theme">
+  <a:themeElements>
+    <a:clrScheme name="Office">
+      <a:dk1>
+        <a:sysClr val="windowText" lastClr="000000"/>
+      </a:dk1>
+      <a:lt1>
+        <a:sysClr val="window" lastClr="FFFFFF"/>
+      </a:lt1>
+      <a:dk2>
+        <a:srgbClr val="44546A"/>
+      </a:dk2>
+      <a:lt2>
+        <a:srgbClr val="E7E6E6"/>
+      </a:lt2>
+      <a:accent1>
+        <a:srgbClr val="5B9BD5"/>
+      </a:accent1>
+      <a:accent2>
+        <a:srgbClr val="ED7D31"/>
+      </a:accent2>
+      <a:accent3>
+        <a:srgbClr val="A5A5A5"/>
+      </a:accent3>
+      <a:accent4>
+        <a:srgbClr val="FFC000"/>
+      </a:accent4>
+      <a:accent5>
+        <a:srgbClr val="4472C4"/>
+      </a:accent5>
+      <a:accent6>
+        <a:srgbClr val="70AD47"/>
+      </a:accent6>
+      <a:hlink>
+        <a:srgbClr val="0563C1"/>
+      </a:hlink>
+      <a:folHlink>
+        <a:srgbClr val="954F72"/>
+      </a:folHlink>
+    </a:clrScheme>
+    <a:fontScheme name="Office">
+      <a:majorFont>
+        <a:latin typeface="Calibri Light" panose="020F0302020204030204"/>
+        <a:ea typeface=""/>
+        <a:cs typeface=""/>
+        <a:font script="Jpan" typeface="ＭＳ Ｐゴシック"/>
+        <a:font script="Hang" typeface="맑은 고딕"/>
+        <a:font script="Hans" typeface="宋体"/>
+        <a:font script="Hant" typeface="新細明體"/>
+        <a:font script="Arab" typeface="Times New Roman"/>
+        <a:font script="Hebr" typeface="Times New Roman"/>
+        <a:font script="Thai" typeface="Angsana New"/>
+        <a:font script="Ethi" typeface="Nyala"/>
+        <a:font script="Beng" typeface="Vrinda"/>
+        <a:font script="Gujr" typeface="Shruti"/>
+        <a:font script="Khmr" typeface="MoolBoran"/>
+        <a:font script="Knda" typeface="Tunga"/>
+        <a:font script="Guru" typeface="Raavi"/>
+        <a:font script="Cans" typeface="Euphemia"/>
+        <a:font script="Cher" typeface="Plantagenet Cherokee"/>
+        <a:font script="Yiii" typeface="Microsoft Yi Baiti"/>
+        <a:font script="Tibt" typeface="Microsoft Himalaya"/>
+        <a:font script="Thaa" typeface="MV Boli"/>
+        <a:font script="Deva" typeface="Mangal"/>
+        <a:font script="Telu" typeface="Gautami"/>
+        <a:font script="Taml" typeface="Latha"/>
+        <a:font script="Syrc" typeface="Estrangelo Edessa"/>
+        <a:font script="Orya" typeface="Kalinga"/>
+        <a:font script="Mlym" typeface="Kartika"/>
+        <a:font script="Laoo" typeface="DokChampa"/>
+        <a:font script="Sinh" typeface="Iskoola Pota"/>
+        <a:font script="Mong" typeface="Mongolian Baiti"/>
+        <a:font script="Viet" typeface="Times New Roman"/>
+        <a:font script="Uigh" typeface="Microsoft Uighur"/>
+        <a:font script="Geor" typeface="Sylfaen"/>
+      </a:majorFont>
+      <a:minorFont>
+        <a:latin typeface="Calibri" panose="020F0502020204030204"/>
+        <a:ea typeface=""/>
+        <a:cs typeface=""/>
+        <a:font script="Jpan" typeface="ＭＳ Ｐゴシック"/>
+        <a:font script="Hang" typeface="맑은 고딕"/>
+        <a:font script="Hans" typeface="宋体"/>
+        <a:font script="Hant" typeface="新細明體"/>
+        <a:font script="Arab" typeface="Arial"/>
+        <a:font script="Hebr" typeface="Arial"/>
+        <a:font script="Thai" typeface="Cordia New"/>
+        <a:font script="Ethi" typeface="Nyala"/>
+        <a:font script="Beng" typeface="Vrinda"/>
+        <a:font script="Gujr" typeface="Shruti"/>
+        <a:font script="Khmr" typeface="DaunPenh"/>
+        <a:font script="Knda" typeface="Tunga"/>
+        <a:font script="Guru" typeface="Raavi"/>
+        <a:font script="Cans" typeface="Euphemia"/>
+        <a:font script="Cher" typeface="Plantagenet Cherokee"/>
+        <a:font script="Yiii" typeface="Microsoft Yi Baiti"/>
+        <a:font script="Tibt" typeface="Microsoft Himalaya"/>
+        <a:font script="Thaa" typeface="MV Boli"/>
+        <a:font script="Deva" typeface="Mangal"/>
+        <a:font script="Telu" typeface="Gautami"/>
+        <a:font script="Taml" typeface="Latha"/>
+        <a:font script="Syrc" typeface="Estrangelo Edessa"/>
+        <a:font script="Orya" typeface="Kalinga"/>
+        <a:font script="Mlym" typeface="Kartika"/>
+        <a:font script="Laoo" typeface="DokChampa"/>
+        <a:font script="Sinh" typeface="Iskoola Pota"/>
+        <a:font script="Mong" typeface="Mongolian Baiti"/>
+        <a:font script="Viet" typeface="Arial"/>
+        <a:font script="Uigh" typeface="Microsoft Uighur"/>
+        <a:font script="Geor" typeface="Sylfaen"/>
+      </a:minorFont>
+    </a:fontScheme>
+    <a:fmtScheme name="Office">
+      <a:fillStyleLst>
+        <a:solidFill>
+          <a:schemeClr val="phClr"/>
+        </a:solidFill>
+        <a:gradFill rotWithShape="1">
+          <a:gsLst>
+            <a:gs pos="0">
+              <a:schemeClr val="phClr">
+                <a:lumMod val="110000"/>
+                <a:satMod val="105000"/>
+                <a:tint val="67000"/>
+              </a:schemeClr>
+            </a:gs>
+            <a:gs pos="50000">
+              <a:schemeClr val="phClr">
+                <a:lumMod val="105000"/>
+                <a:satMod val="103000"/>
+                <a:tint val="73000"/>
+              </a:schemeClr>
+            </a:gs>
+            <a:gs pos="100000">
+              <a:schemeClr val="phClr">
+                <a:lumMod val="105000"/>
+                <a:satMod val="109000"/>
+                <a:tint val="81000"/>
+              </a:schemeClr>
+            </a:gs>
+          </a:gsLst>
+          <a:lin ang="5400000" scaled="0"/>
+        </a:gradFill>
+        <a:gradFill rotWithShape="1">
+          <a:gsLst>
+            <a:gs pos="0">
+              <a:schemeClr val="phClr">
+                <a:satMod val="103000"/>
+                <a:lumMod val="102000"/>
+                <a:tint val="94000"/>
+              </a:schemeClr>
+            </a:gs>
+            <a:gs pos="50000">
+              <a:schemeClr val="phClr">
+                <a:satMod val="110000"/>
+                <a:lumMod val="100000"/>
+                <a:shade val="100000"/>
+              </a:schemeClr>
+            </a:gs>
+            <a:gs pos="100000">
+              <a:schemeClr val="phClr">
+                <a:lumMod val="99000"/>
+                <a:satMod val="120000"/>
+                <a:shade val="78000"/>
+              </a:schemeClr>
+            </a:gs>
+          </a:gsLst>
+          <a:lin ang="5400000" scaled="0"/>
+        </a:gradFill>
+      </a:fillStyleLst>
+      <a:lnStyleLst>
+        <a:ln w="6350" cap="flat" cmpd="sng" algn="ctr">
+          <a:solidFill>
+            <a:schemeClr val="phClr"/>
+          </a:solidFill>
+          <a:prstDash val="solid"/>
+          <a:miter lim="800000"/>
+        </a:ln>
+        <a:ln w="12700" cap="flat" cmpd="sng" algn="ctr">
+          <a:solidFill>
+            <a:schemeClr val="phClr"/>
+          </a:solidFill>
+          <a:prstDash val="solid"/>
+          <a:miter lim="800000"/>
+        </a:ln>
+        <a:ln w="19050" cap="flat" cmpd="sng" algn="ctr">
+          <a:solidFill>
+            <a:schemeClr val="phClr"/>
+          </a:solidFill>
+          <a:prstDash val="solid"/>
+          <a:miter lim="800000"/>
+        </a:ln>
+      </a:lnStyleLst>
+      <a:effectStyleLst>
+        <a:effectStyle>
+          <a:effectLst/>
+        </a:effectStyle>
+        <a:effectStyle>
+          <a:effectLst/>
+        </a:effectStyle>
+        <a:effectStyle>
+          <a:effectLst>
+            <a:outerShdw blurRad="57150" dist="19050" dir="5400000" algn="ctr" rotWithShape="0">
+              <a:srgbClr val="000000">
+                <a:alpha val="63000"/>
+              </a:srgbClr>
+            </a:outerShdw>
+          </a:effectLst>
+        </a:effectStyle>
+      </a:effectStyleLst>
+      <a:bgFillStyleLst>
+        <a:solidFill>
+          <a:schemeClr val="phClr"/>
+        </a:solidFill>
+        <a:solidFill>
+          <a:schemeClr val="phClr">
+            <a:tint val="95000"/>
+            <a:satMod val="170000"/>
+          </a:schemeClr>
+        </a:solidFill>
+        <a:gradFill rotWithShape="1">
+          <a:gsLst>
+            <a:gs pos="0">
+              <a:schemeClr val="phClr">
+                <a:tint val="93000"/>
+                <a:satMod val="150000"/>
+                <a:shade val="98000"/>
+                <a:lumMod val="102000"/>
+              </a:schemeClr>
+            </a:gs>
+            <a:gs pos="50000">
+              <a:schemeClr val="phClr">
+                <a:tint val="98000"/>
+                <a:satMod val="130000"/>
+                <a:shade val="90000"/>
+                <a:lumMod val="103000"/>
+              </a:schemeClr>
+            </a:gs>
+            <a:gs pos="100000">
+              <a:schemeClr val="phClr">
+                <a:shade val="63000"/>
+                <a:satMod val="120000"/>
+              </a:schemeClr>
+            </a:gs>
+          </a:gsLst>
+          <a:lin ang="5400000" scaled="0"/>
+        </a:gradFill>
+      </a:bgFillStyleLst>
+    </a:fmtScheme>
+  </a:themeElements>
+  <a:objectDefaults/>
+  <a:extraClrSchemeLst/>
+  <a:extLst>
+    <a:ext uri="{05A4C25C-085E-4340-85A3-A5531E510DB2}">
+      <thm15:themeFamily xmlns:thm15="http://schemas.microsoft.com/office/thememl/2012/main" name="Office Theme" id="{62F939B6-93AF-4DB8-9C6B-D6C7DFDC589F}" vid="{4A3C46E8-61CC-4603-A589-7422A47A8E4A}"/>
+    </a:ext>
+  </a:extLst>
+</a:theme>
 </file>